--- a/PpPpt_v1_(200718).pptx
+++ b/PpPpt_v1_(200718).pptx
@@ -6,21 +6,26 @@
   </p:sldMasterIdLst>
   <p:sldIdLst>
     <p:sldId id="260" r:id="rId2"/>
-    <p:sldId id="262" r:id="rId3"/>
-    <p:sldId id="269" r:id="rId4"/>
-    <p:sldId id="261" r:id="rId5"/>
-    <p:sldId id="264" r:id="rId6"/>
-    <p:sldId id="268" r:id="rId7"/>
-    <p:sldId id="265" r:id="rId8"/>
-    <p:sldId id="266" r:id="rId9"/>
-    <p:sldId id="267" r:id="rId10"/>
-    <p:sldId id="270" r:id="rId11"/>
-    <p:sldId id="263" r:id="rId12"/>
-    <p:sldId id="271" r:id="rId13"/>
-    <p:sldId id="256" r:id="rId14"/>
-    <p:sldId id="272" r:id="rId15"/>
-    <p:sldId id="273" r:id="rId16"/>
-    <p:sldId id="274" r:id="rId17"/>
+    <p:sldId id="277" r:id="rId3"/>
+    <p:sldId id="278" r:id="rId4"/>
+    <p:sldId id="262" r:id="rId5"/>
+    <p:sldId id="261" r:id="rId6"/>
+    <p:sldId id="269" r:id="rId7"/>
+    <p:sldId id="264" r:id="rId8"/>
+    <p:sldId id="268" r:id="rId9"/>
+    <p:sldId id="265" r:id="rId10"/>
+    <p:sldId id="266" r:id="rId11"/>
+    <p:sldId id="267" r:id="rId12"/>
+    <p:sldId id="270" r:id="rId13"/>
+    <p:sldId id="279" r:id="rId14"/>
+    <p:sldId id="263" r:id="rId15"/>
+    <p:sldId id="271" r:id="rId16"/>
+    <p:sldId id="256" r:id="rId17"/>
+    <p:sldId id="272" r:id="rId18"/>
+    <p:sldId id="273" r:id="rId19"/>
+    <p:sldId id="274" r:id="rId20"/>
+    <p:sldId id="275" r:id="rId21"/>
+    <p:sldId id="276" r:id="rId22"/>
   </p:sldIdLst>
   <p:sldSz cx="12192000" cy="6858000"/>
   <p:notesSz cx="6858000" cy="9144000"/>
@@ -119,6 +124,11 @@
       </a:defRPr>
     </a:lvl9pPr>
   </p:defaultTextStyle>
+  <p:extLst>
+    <p:ext uri="{EFAFB233-063F-42B5-8137-9DF3F51BA10A}">
+      <p15:sldGuideLst xmlns:p15="http://schemas.microsoft.com/office/powerpoint/2012/main"/>
+    </p:ext>
+  </p:extLst>
 </p:presentation>
 </file>
 
@@ -3366,6 +3376,1132 @@
           <a:chExt cx="0" cy="0"/>
         </a:xfrm>
       </p:grpSpPr>
+      <p:sp>
+        <p:nvSpPr>
+          <p:cNvPr id="2" name="Rectangle 1">
+            <a:extLst>
+              <a:ext uri="{FF2B5EF4-FFF2-40B4-BE49-F238E27FC236}">
+                <a16:creationId xmlns:a16="http://schemas.microsoft.com/office/drawing/2014/main" id="{68E51CC3-9B3D-4027-BC13-F673ECD438C5}"/>
+              </a:ext>
+            </a:extLst>
+          </p:cNvPr>
+          <p:cNvSpPr>
+            <a:spLocks noChangeArrowheads="1"/>
+          </p:cNvSpPr>
+          <p:nvPr/>
+        </p:nvSpPr>
+        <p:spPr bwMode="auto">
+          <a:xfrm>
+            <a:off x="19193" y="1221938"/>
+            <a:ext cx="3625993" cy="923330"/>
+          </a:xfrm>
+          <a:prstGeom prst="rect">
+            <a:avLst/>
+          </a:prstGeom>
+          <a:noFill/>
+          <a:ln>
+            <a:noFill/>
+          </a:ln>
+          <a:effectLst/>
+        </p:spPr>
+        <p:txBody>
+          <a:bodyPr vert="horz" wrap="none" lIns="0" tIns="0" rIns="0" bIns="0" numCol="1" anchor="ctr" anchorCtr="0" compatLnSpc="1">
+            <a:prstTxWarp prst="textNoShape">
+              <a:avLst/>
+            </a:prstTxWarp>
+            <a:spAutoFit/>
+          </a:bodyPr>
+          <a:lstStyle/>
+          <a:p>
+            <a:pPr marR="0" lvl="0" algn="l" defTabSz="914400" rtl="0" eaLnBrk="0" fontAlgn="base" latinLnBrk="0" hangingPunct="0">
+              <a:lnSpc>
+                <a:spcPct val="100000"/>
+              </a:lnSpc>
+              <a:spcBef>
+                <a:spcPct val="0"/>
+              </a:spcBef>
+              <a:spcAft>
+                <a:spcPct val="0"/>
+              </a:spcAft>
+              <a:buClrTx/>
+              <a:buSzTx/>
+              <a:tabLst/>
+            </a:pPr>
+            <a:r>
+              <a:rPr kumimoji="0" lang="ko-KR" altLang="ko-KR" sz="1200" b="0" i="0" u="none" strike="noStrike" cap="none" normalizeH="0" baseline="0" dirty="0" err="1">
+                <a:ln>
+                  <a:noFill/>
+                </a:ln>
+                <a:solidFill>
+                  <a:srgbClr val="0000FF"/>
+                </a:solidFill>
+                <a:effectLst/>
+                <a:latin typeface="Lucida Console" panose="020B0609040504020204" pitchFamily="49" charset="0"/>
+              </a:rPr>
+              <a:t>checkresiduals</a:t>
+            </a:r>
+            <a:r>
+              <a:rPr kumimoji="0" lang="ko-KR" altLang="ko-KR" sz="1200" b="0" i="0" u="none" strike="noStrike" cap="none" normalizeH="0" baseline="0" dirty="0">
+                <a:ln>
+                  <a:noFill/>
+                </a:ln>
+                <a:solidFill>
+                  <a:srgbClr val="0000FF"/>
+                </a:solidFill>
+                <a:effectLst/>
+                <a:latin typeface="Lucida Console" panose="020B0609040504020204" pitchFamily="49" charset="0"/>
+              </a:rPr>
+              <a:t>(skt5_test) </a:t>
+            </a:r>
+            <a:endParaRPr kumimoji="0" lang="en-US" altLang="ko-KR" sz="1200" b="0" i="0" u="none" strike="noStrike" cap="none" normalizeH="0" baseline="0" dirty="0">
+              <a:ln>
+                <a:noFill/>
+              </a:ln>
+              <a:solidFill>
+                <a:srgbClr val="0000FF"/>
+              </a:solidFill>
+              <a:effectLst/>
+              <a:latin typeface="Lucida Console" panose="020B0609040504020204" pitchFamily="49" charset="0"/>
+            </a:endParaRPr>
+          </a:p>
+          <a:p>
+            <a:pPr marR="0" lvl="0" algn="l" defTabSz="914400" rtl="0" eaLnBrk="0" fontAlgn="base" latinLnBrk="0" hangingPunct="0">
+              <a:lnSpc>
+                <a:spcPct val="100000"/>
+              </a:lnSpc>
+              <a:spcBef>
+                <a:spcPct val="0"/>
+              </a:spcBef>
+              <a:spcAft>
+                <a:spcPct val="0"/>
+              </a:spcAft>
+              <a:buClrTx/>
+              <a:buSzTx/>
+              <a:tabLst/>
+            </a:pPr>
+            <a:r>
+              <a:rPr kumimoji="0" lang="ko-KR" altLang="ko-KR" sz="1200" b="0" i="0" u="none" strike="noStrike" cap="none" normalizeH="0" baseline="0" dirty="0" err="1">
+                <a:ln>
+                  <a:noFill/>
+                </a:ln>
+                <a:solidFill>
+                  <a:srgbClr val="000000"/>
+                </a:solidFill>
+                <a:effectLst/>
+                <a:latin typeface="Lucida Console" panose="020B0609040504020204" pitchFamily="49" charset="0"/>
+              </a:rPr>
+              <a:t>Ljung-Box</a:t>
+            </a:r>
+            <a:r>
+              <a:rPr kumimoji="0" lang="ko-KR" altLang="ko-KR" sz="1200" b="0" i="0" u="none" strike="noStrike" cap="none" normalizeH="0" baseline="0" dirty="0">
+                <a:ln>
+                  <a:noFill/>
+                </a:ln>
+                <a:solidFill>
+                  <a:srgbClr val="000000"/>
+                </a:solidFill>
+                <a:effectLst/>
+                <a:latin typeface="Lucida Console" panose="020B0609040504020204" pitchFamily="49" charset="0"/>
+              </a:rPr>
+              <a:t> </a:t>
+            </a:r>
+            <a:r>
+              <a:rPr kumimoji="0" lang="ko-KR" altLang="ko-KR" sz="1200" b="0" i="0" u="none" strike="noStrike" cap="none" normalizeH="0" baseline="0" dirty="0" err="1">
+                <a:ln>
+                  <a:noFill/>
+                </a:ln>
+                <a:solidFill>
+                  <a:srgbClr val="000000"/>
+                </a:solidFill>
+                <a:effectLst/>
+                <a:latin typeface="Lucida Console" panose="020B0609040504020204" pitchFamily="49" charset="0"/>
+              </a:rPr>
+              <a:t>test</a:t>
+            </a:r>
+            <a:r>
+              <a:rPr kumimoji="0" lang="ko-KR" altLang="ko-KR" sz="1200" b="0" i="0" u="none" strike="noStrike" cap="none" normalizeH="0" baseline="0" dirty="0">
+                <a:ln>
+                  <a:noFill/>
+                </a:ln>
+                <a:solidFill>
+                  <a:srgbClr val="000000"/>
+                </a:solidFill>
+                <a:effectLst/>
+                <a:latin typeface="Lucida Console" panose="020B0609040504020204" pitchFamily="49" charset="0"/>
+              </a:rPr>
+              <a:t> </a:t>
+            </a:r>
+            <a:endParaRPr kumimoji="0" lang="en-US" altLang="ko-KR" sz="1200" b="0" i="0" u="none" strike="noStrike" cap="none" normalizeH="0" baseline="0" dirty="0">
+              <a:ln>
+                <a:noFill/>
+              </a:ln>
+              <a:solidFill>
+                <a:srgbClr val="000000"/>
+              </a:solidFill>
+              <a:effectLst/>
+              <a:latin typeface="Lucida Console" panose="020B0609040504020204" pitchFamily="49" charset="0"/>
+            </a:endParaRPr>
+          </a:p>
+          <a:p>
+            <a:pPr marR="0" lvl="0" algn="l" defTabSz="914400" rtl="0" eaLnBrk="0" fontAlgn="base" latinLnBrk="0" hangingPunct="0">
+              <a:lnSpc>
+                <a:spcPct val="100000"/>
+              </a:lnSpc>
+              <a:spcBef>
+                <a:spcPct val="0"/>
+              </a:spcBef>
+              <a:spcAft>
+                <a:spcPct val="0"/>
+              </a:spcAft>
+              <a:buClrTx/>
+              <a:buSzTx/>
+              <a:tabLst/>
+            </a:pPr>
+            <a:r>
+              <a:rPr kumimoji="0" lang="ko-KR" altLang="ko-KR" sz="1200" b="0" i="0" u="none" strike="noStrike" cap="none" normalizeH="0" baseline="0" dirty="0" err="1">
+                <a:ln>
+                  <a:noFill/>
+                </a:ln>
+                <a:solidFill>
+                  <a:srgbClr val="000000"/>
+                </a:solidFill>
+                <a:effectLst/>
+                <a:latin typeface="Lucida Console" panose="020B0609040504020204" pitchFamily="49" charset="0"/>
+              </a:rPr>
+              <a:t>data</a:t>
+            </a:r>
+            <a:r>
+              <a:rPr kumimoji="0" lang="ko-KR" altLang="ko-KR" sz="1200" b="0" i="0" u="none" strike="noStrike" cap="none" normalizeH="0" baseline="0" dirty="0">
+                <a:ln>
+                  <a:noFill/>
+                </a:ln>
+                <a:solidFill>
+                  <a:srgbClr val="000000"/>
+                </a:solidFill>
+                <a:effectLst/>
+                <a:latin typeface="Lucida Console" panose="020B0609040504020204" pitchFamily="49" charset="0"/>
+              </a:rPr>
+              <a:t>: </a:t>
+            </a:r>
+            <a:r>
+              <a:rPr kumimoji="0" lang="ko-KR" altLang="ko-KR" sz="1200" b="0" i="0" u="none" strike="noStrike" cap="none" normalizeH="0" baseline="0" dirty="0" err="1">
+                <a:ln>
+                  <a:noFill/>
+                </a:ln>
+                <a:solidFill>
+                  <a:srgbClr val="000000"/>
+                </a:solidFill>
+                <a:effectLst/>
+                <a:latin typeface="Lucida Console" panose="020B0609040504020204" pitchFamily="49" charset="0"/>
+              </a:rPr>
+              <a:t>Residuals</a:t>
+            </a:r>
+            <a:r>
+              <a:rPr kumimoji="0" lang="ko-KR" altLang="ko-KR" sz="1200" b="0" i="0" u="none" strike="noStrike" cap="none" normalizeH="0" baseline="0" dirty="0">
+                <a:ln>
+                  <a:noFill/>
+                </a:ln>
+                <a:solidFill>
+                  <a:srgbClr val="000000"/>
+                </a:solidFill>
+                <a:effectLst/>
+                <a:latin typeface="Lucida Console" panose="020B0609040504020204" pitchFamily="49" charset="0"/>
+              </a:rPr>
+              <a:t> </a:t>
+            </a:r>
+            <a:r>
+              <a:rPr kumimoji="0" lang="ko-KR" altLang="ko-KR" sz="1200" b="0" i="0" u="none" strike="noStrike" cap="none" normalizeH="0" baseline="0" dirty="0" err="1">
+                <a:ln>
+                  <a:noFill/>
+                </a:ln>
+                <a:solidFill>
+                  <a:srgbClr val="000000"/>
+                </a:solidFill>
+                <a:effectLst/>
+                <a:latin typeface="Lucida Console" panose="020B0609040504020204" pitchFamily="49" charset="0"/>
+              </a:rPr>
+              <a:t>from</a:t>
+            </a:r>
+            <a:r>
+              <a:rPr kumimoji="0" lang="ko-KR" altLang="ko-KR" sz="1200" b="0" i="0" u="none" strike="noStrike" cap="none" normalizeH="0" baseline="0" dirty="0">
+                <a:ln>
+                  <a:noFill/>
+                </a:ln>
+                <a:solidFill>
+                  <a:srgbClr val="000000"/>
+                </a:solidFill>
+                <a:effectLst/>
+                <a:latin typeface="Lucida Console" panose="020B0609040504020204" pitchFamily="49" charset="0"/>
+              </a:rPr>
+              <a:t> ARIMA(5,2,0) </a:t>
+            </a:r>
+            <a:endParaRPr kumimoji="0" lang="en-US" altLang="ko-KR" sz="1200" b="0" i="0" u="none" strike="noStrike" cap="none" normalizeH="0" baseline="0" dirty="0">
+              <a:ln>
+                <a:noFill/>
+              </a:ln>
+              <a:solidFill>
+                <a:srgbClr val="000000"/>
+              </a:solidFill>
+              <a:effectLst/>
+              <a:latin typeface="Lucida Console" panose="020B0609040504020204" pitchFamily="49" charset="0"/>
+            </a:endParaRPr>
+          </a:p>
+          <a:p>
+            <a:pPr marR="0" lvl="0" algn="l" defTabSz="914400" rtl="0" eaLnBrk="0" fontAlgn="base" latinLnBrk="0" hangingPunct="0">
+              <a:lnSpc>
+                <a:spcPct val="100000"/>
+              </a:lnSpc>
+              <a:spcBef>
+                <a:spcPct val="0"/>
+              </a:spcBef>
+              <a:spcAft>
+                <a:spcPct val="0"/>
+              </a:spcAft>
+              <a:buClrTx/>
+              <a:buSzTx/>
+              <a:tabLst/>
+            </a:pPr>
+            <a:r>
+              <a:rPr kumimoji="0" lang="ko-KR" altLang="ko-KR" sz="1200" b="0" i="0" u="none" strike="noStrike" cap="none" normalizeH="0" baseline="0" dirty="0" err="1">
+                <a:ln>
+                  <a:noFill/>
+                </a:ln>
+                <a:solidFill>
+                  <a:srgbClr val="000000"/>
+                </a:solidFill>
+                <a:effectLst/>
+                <a:latin typeface="Lucida Console" panose="020B0609040504020204" pitchFamily="49" charset="0"/>
+              </a:rPr>
+              <a:t>Q</a:t>
+            </a:r>
+            <a:r>
+              <a:rPr kumimoji="0" lang="ko-KR" altLang="ko-KR" sz="1200" b="0" i="0" u="none" strike="noStrike" cap="none" normalizeH="0" baseline="0" dirty="0">
+                <a:ln>
+                  <a:noFill/>
+                </a:ln>
+                <a:solidFill>
+                  <a:srgbClr val="000000"/>
+                </a:solidFill>
+                <a:effectLst/>
+                <a:latin typeface="Lucida Console" panose="020B0609040504020204" pitchFamily="49" charset="0"/>
+              </a:rPr>
+              <a:t>* = 16.012, </a:t>
+            </a:r>
+            <a:r>
+              <a:rPr kumimoji="0" lang="ko-KR" altLang="ko-KR" sz="1200" b="0" i="0" u="none" strike="noStrike" cap="none" normalizeH="0" baseline="0" dirty="0" err="1">
+                <a:ln>
+                  <a:noFill/>
+                </a:ln>
+                <a:solidFill>
+                  <a:srgbClr val="000000"/>
+                </a:solidFill>
+                <a:effectLst/>
+                <a:latin typeface="Lucida Console" panose="020B0609040504020204" pitchFamily="49" charset="0"/>
+              </a:rPr>
+              <a:t>df</a:t>
+            </a:r>
+            <a:r>
+              <a:rPr kumimoji="0" lang="ko-KR" altLang="ko-KR" sz="1200" b="0" i="0" u="none" strike="noStrike" cap="none" normalizeH="0" baseline="0" dirty="0">
+                <a:ln>
+                  <a:noFill/>
+                </a:ln>
+                <a:solidFill>
+                  <a:srgbClr val="000000"/>
+                </a:solidFill>
+                <a:effectLst/>
+                <a:latin typeface="Lucida Console" panose="020B0609040504020204" pitchFamily="49" charset="0"/>
+              </a:rPr>
+              <a:t> = 12, </a:t>
+            </a:r>
+            <a:r>
+              <a:rPr kumimoji="0" lang="ko-KR" altLang="ko-KR" sz="1200" b="0" i="0" u="none" strike="noStrike" cap="none" normalizeH="0" baseline="0" dirty="0" err="1">
+                <a:ln>
+                  <a:noFill/>
+                </a:ln>
+                <a:solidFill>
+                  <a:srgbClr val="000000"/>
+                </a:solidFill>
+                <a:effectLst/>
+                <a:latin typeface="Lucida Console" panose="020B0609040504020204" pitchFamily="49" charset="0"/>
+              </a:rPr>
+              <a:t>p-value</a:t>
+            </a:r>
+            <a:r>
+              <a:rPr kumimoji="0" lang="ko-KR" altLang="ko-KR" sz="1200" b="0" i="0" u="none" strike="noStrike" cap="none" normalizeH="0" baseline="0" dirty="0">
+                <a:ln>
+                  <a:noFill/>
+                </a:ln>
+                <a:solidFill>
+                  <a:srgbClr val="000000"/>
+                </a:solidFill>
+                <a:effectLst/>
+                <a:latin typeface="Lucida Console" panose="020B0609040504020204" pitchFamily="49" charset="0"/>
+              </a:rPr>
+              <a:t> = 0.1907 </a:t>
+            </a:r>
+            <a:endParaRPr kumimoji="0" lang="en-US" altLang="ko-KR" sz="1200" b="0" i="0" u="none" strike="noStrike" cap="none" normalizeH="0" baseline="0" dirty="0">
+              <a:ln>
+                <a:noFill/>
+              </a:ln>
+              <a:solidFill>
+                <a:srgbClr val="000000"/>
+              </a:solidFill>
+              <a:effectLst/>
+              <a:latin typeface="Lucida Console" panose="020B0609040504020204" pitchFamily="49" charset="0"/>
+            </a:endParaRPr>
+          </a:p>
+          <a:p>
+            <a:pPr marR="0" lvl="0" algn="l" defTabSz="914400" rtl="0" eaLnBrk="0" fontAlgn="base" latinLnBrk="0" hangingPunct="0">
+              <a:lnSpc>
+                <a:spcPct val="100000"/>
+              </a:lnSpc>
+              <a:spcBef>
+                <a:spcPct val="0"/>
+              </a:spcBef>
+              <a:spcAft>
+                <a:spcPct val="0"/>
+              </a:spcAft>
+              <a:buClrTx/>
+              <a:buSzTx/>
+              <a:tabLst/>
+            </a:pPr>
+            <a:r>
+              <a:rPr kumimoji="0" lang="ko-KR" altLang="ko-KR" sz="1200" b="0" i="0" u="none" strike="noStrike" cap="none" normalizeH="0" baseline="0" dirty="0" err="1">
+                <a:ln>
+                  <a:noFill/>
+                </a:ln>
+                <a:solidFill>
+                  <a:srgbClr val="000000"/>
+                </a:solidFill>
+                <a:effectLst/>
+                <a:latin typeface="Lucida Console" panose="020B0609040504020204" pitchFamily="49" charset="0"/>
+              </a:rPr>
+              <a:t>Model</a:t>
+            </a:r>
+            <a:r>
+              <a:rPr kumimoji="0" lang="ko-KR" altLang="ko-KR" sz="1200" b="0" i="0" u="none" strike="noStrike" cap="none" normalizeH="0" baseline="0" dirty="0">
+                <a:ln>
+                  <a:noFill/>
+                </a:ln>
+                <a:solidFill>
+                  <a:srgbClr val="000000"/>
+                </a:solidFill>
+                <a:effectLst/>
+                <a:latin typeface="Lucida Console" panose="020B0609040504020204" pitchFamily="49" charset="0"/>
+              </a:rPr>
+              <a:t> </a:t>
+            </a:r>
+            <a:r>
+              <a:rPr kumimoji="0" lang="ko-KR" altLang="ko-KR" sz="1200" b="0" i="0" u="none" strike="noStrike" cap="none" normalizeH="0" baseline="0" dirty="0" err="1">
+                <a:ln>
+                  <a:noFill/>
+                </a:ln>
+                <a:solidFill>
+                  <a:srgbClr val="000000"/>
+                </a:solidFill>
+                <a:effectLst/>
+                <a:latin typeface="Lucida Console" panose="020B0609040504020204" pitchFamily="49" charset="0"/>
+              </a:rPr>
+              <a:t>df</a:t>
+            </a:r>
+            <a:r>
+              <a:rPr kumimoji="0" lang="ko-KR" altLang="ko-KR" sz="1200" b="0" i="0" u="none" strike="noStrike" cap="none" normalizeH="0" baseline="0" dirty="0">
+                <a:ln>
+                  <a:noFill/>
+                </a:ln>
+                <a:solidFill>
+                  <a:srgbClr val="000000"/>
+                </a:solidFill>
+                <a:effectLst/>
+                <a:latin typeface="Lucida Console" panose="020B0609040504020204" pitchFamily="49" charset="0"/>
+              </a:rPr>
+              <a:t>: 5. </a:t>
+            </a:r>
+            <a:r>
+              <a:rPr kumimoji="0" lang="ko-KR" altLang="ko-KR" sz="1200" b="0" i="0" u="none" strike="noStrike" cap="none" normalizeH="0" baseline="0" dirty="0" err="1">
+                <a:ln>
+                  <a:noFill/>
+                </a:ln>
+                <a:solidFill>
+                  <a:srgbClr val="000000"/>
+                </a:solidFill>
+                <a:effectLst/>
+                <a:latin typeface="Lucida Console" panose="020B0609040504020204" pitchFamily="49" charset="0"/>
+              </a:rPr>
+              <a:t>Total</a:t>
+            </a:r>
+            <a:r>
+              <a:rPr kumimoji="0" lang="ko-KR" altLang="ko-KR" sz="1200" b="0" i="0" u="none" strike="noStrike" cap="none" normalizeH="0" baseline="0" dirty="0">
+                <a:ln>
+                  <a:noFill/>
+                </a:ln>
+                <a:solidFill>
+                  <a:srgbClr val="000000"/>
+                </a:solidFill>
+                <a:effectLst/>
+                <a:latin typeface="Lucida Console" panose="020B0609040504020204" pitchFamily="49" charset="0"/>
+              </a:rPr>
+              <a:t> </a:t>
+            </a:r>
+            <a:r>
+              <a:rPr kumimoji="0" lang="ko-KR" altLang="ko-KR" sz="1200" b="0" i="0" u="none" strike="noStrike" cap="none" normalizeH="0" baseline="0" dirty="0" err="1">
+                <a:ln>
+                  <a:noFill/>
+                </a:ln>
+                <a:solidFill>
+                  <a:srgbClr val="000000"/>
+                </a:solidFill>
+                <a:effectLst/>
+                <a:latin typeface="Lucida Console" panose="020B0609040504020204" pitchFamily="49" charset="0"/>
+              </a:rPr>
+              <a:t>lags</a:t>
+            </a:r>
+            <a:r>
+              <a:rPr kumimoji="0" lang="ko-KR" altLang="ko-KR" sz="1200" b="0" i="0" u="none" strike="noStrike" cap="none" normalizeH="0" baseline="0" dirty="0">
+                <a:ln>
+                  <a:noFill/>
+                </a:ln>
+                <a:solidFill>
+                  <a:srgbClr val="000000"/>
+                </a:solidFill>
+                <a:effectLst/>
+                <a:latin typeface="Lucida Console" panose="020B0609040504020204" pitchFamily="49" charset="0"/>
+              </a:rPr>
+              <a:t> </a:t>
+            </a:r>
+            <a:r>
+              <a:rPr kumimoji="0" lang="ko-KR" altLang="ko-KR" sz="1200" b="0" i="0" u="none" strike="noStrike" cap="none" normalizeH="0" baseline="0" dirty="0" err="1">
+                <a:ln>
+                  <a:noFill/>
+                </a:ln>
+                <a:solidFill>
+                  <a:srgbClr val="000000"/>
+                </a:solidFill>
+                <a:effectLst/>
+                <a:latin typeface="Lucida Console" panose="020B0609040504020204" pitchFamily="49" charset="0"/>
+              </a:rPr>
+              <a:t>used</a:t>
+            </a:r>
+            <a:r>
+              <a:rPr kumimoji="0" lang="ko-KR" altLang="ko-KR" sz="1200" b="0" i="0" u="none" strike="noStrike" cap="none" normalizeH="0" baseline="0" dirty="0">
+                <a:ln>
+                  <a:noFill/>
+                </a:ln>
+                <a:solidFill>
+                  <a:srgbClr val="000000"/>
+                </a:solidFill>
+                <a:effectLst/>
+                <a:latin typeface="Lucida Console" panose="020B0609040504020204" pitchFamily="49" charset="0"/>
+              </a:rPr>
+              <a:t>: 17</a:t>
+            </a:r>
+            <a:endParaRPr kumimoji="0" lang="ko-KR" altLang="ko-KR" sz="1800" b="0" i="0" u="none" strike="noStrike" cap="none" normalizeH="0" baseline="0" dirty="0">
+              <a:ln>
+                <a:noFill/>
+              </a:ln>
+              <a:solidFill>
+                <a:schemeClr val="tx1"/>
+              </a:solidFill>
+              <a:effectLst/>
+              <a:latin typeface="Arial" panose="020B0604020202020204" pitchFamily="34" charset="0"/>
+            </a:endParaRPr>
+          </a:p>
+        </p:txBody>
+      </p:sp>
+      <p:pic>
+        <p:nvPicPr>
+          <p:cNvPr id="4" name="그림 3">
+            <a:extLst>
+              <a:ext uri="{FF2B5EF4-FFF2-40B4-BE49-F238E27FC236}">
+                <a16:creationId xmlns:a16="http://schemas.microsoft.com/office/drawing/2014/main" id="{8A118470-5D94-46AD-920A-0BDB1D242D7A}"/>
+              </a:ext>
+            </a:extLst>
+          </p:cNvPr>
+          <p:cNvPicPr>
+            <a:picLocks noChangeAspect="1"/>
+          </p:cNvPicPr>
+          <p:nvPr/>
+        </p:nvPicPr>
+        <p:blipFill>
+          <a:blip r:embed="rId2">
+            <a:extLst>
+              <a:ext uri="{28A0092B-C50C-407E-A947-70E740481C1C}">
+                <a14:useLocalDpi xmlns:a14="http://schemas.microsoft.com/office/drawing/2010/main" val="0"/>
+              </a:ext>
+            </a:extLst>
+          </a:blip>
+          <a:stretch>
+            <a:fillRect/>
+          </a:stretch>
+        </p:blipFill>
+        <p:spPr>
+          <a:xfrm>
+            <a:off x="5403709" y="195580"/>
+            <a:ext cx="6324600" cy="6324600"/>
+          </a:xfrm>
+          <a:prstGeom prst="rect">
+            <a:avLst/>
+          </a:prstGeom>
+        </p:spPr>
+      </p:pic>
+      <p:sp>
+        <p:nvSpPr>
+          <p:cNvPr id="6" name="Rectangle 1">
+            <a:extLst>
+              <a:ext uri="{FF2B5EF4-FFF2-40B4-BE49-F238E27FC236}">
+                <a16:creationId xmlns:a16="http://schemas.microsoft.com/office/drawing/2014/main" id="{FCE47EBD-C2AF-43EE-8F8F-0807022C7E65}"/>
+              </a:ext>
+            </a:extLst>
+          </p:cNvPr>
+          <p:cNvSpPr>
+            <a:spLocks noChangeArrowheads="1"/>
+          </p:cNvSpPr>
+          <p:nvPr/>
+        </p:nvSpPr>
+        <p:spPr bwMode="auto">
+          <a:xfrm>
+            <a:off x="-11287" y="2301577"/>
+            <a:ext cx="5299528" cy="369332"/>
+          </a:xfrm>
+          <a:prstGeom prst="rect">
+            <a:avLst/>
+          </a:prstGeom>
+          <a:noFill/>
+          <a:ln>
+            <a:noFill/>
+          </a:ln>
+          <a:effectLst/>
+        </p:spPr>
+        <p:txBody>
+          <a:bodyPr vert="horz" wrap="none" lIns="0" tIns="0" rIns="0" bIns="0" numCol="1" anchor="ctr" anchorCtr="0" compatLnSpc="1">
+            <a:prstTxWarp prst="textNoShape">
+              <a:avLst/>
+            </a:prstTxWarp>
+            <a:spAutoFit/>
+          </a:bodyPr>
+          <a:lstStyle/>
+          <a:p>
+            <a:pPr lvl="0" eaLnBrk="0" fontAlgn="base" latinLnBrk="0" hangingPunct="0">
+              <a:spcBef>
+                <a:spcPct val="0"/>
+              </a:spcBef>
+              <a:spcAft>
+                <a:spcPct val="0"/>
+              </a:spcAft>
+            </a:pPr>
+            <a:r>
+              <a:rPr lang="en-US" altLang="ko-KR" sz="1200" dirty="0">
+                <a:solidFill>
+                  <a:srgbClr val="FF0000"/>
+                </a:solidFill>
+                <a:latin typeface="Lucida Console" panose="020B0609040504020204" pitchFamily="49" charset="0"/>
+              </a:rPr>
+              <a:t>※ </a:t>
+            </a:r>
+            <a:r>
+              <a:rPr kumimoji="0" lang="ko-KR" altLang="ko-KR" sz="1200" b="0" i="0" u="none" strike="noStrike" cap="none" normalizeH="0" baseline="0" dirty="0" err="1">
+                <a:ln>
+                  <a:noFill/>
+                </a:ln>
+                <a:solidFill>
+                  <a:srgbClr val="000000"/>
+                </a:solidFill>
+                <a:effectLst/>
+                <a:latin typeface="Lucida Console" panose="020B0609040504020204" pitchFamily="49" charset="0"/>
+              </a:rPr>
+              <a:t>p-value</a:t>
+            </a:r>
+            <a:r>
+              <a:rPr kumimoji="0" lang="ko-KR" altLang="ko-KR" sz="1200" b="0" i="0" u="none" strike="noStrike" cap="none" normalizeH="0" baseline="0" dirty="0">
+                <a:ln>
+                  <a:noFill/>
+                </a:ln>
+                <a:solidFill>
+                  <a:srgbClr val="000000"/>
+                </a:solidFill>
+                <a:effectLst/>
+                <a:latin typeface="Lucida Console" panose="020B0609040504020204" pitchFamily="49" charset="0"/>
+              </a:rPr>
+              <a:t> = 0.1907 </a:t>
+            </a:r>
+            <a:r>
+              <a:rPr kumimoji="0" lang="en-US" altLang="ko-KR" sz="1200" b="0" i="0" u="none" strike="noStrike" cap="none" normalizeH="0" baseline="0" dirty="0">
+                <a:ln>
+                  <a:noFill/>
+                </a:ln>
+                <a:solidFill>
+                  <a:srgbClr val="000000"/>
+                </a:solidFill>
+                <a:effectLst/>
+                <a:latin typeface="Lucida Console" panose="020B0609040504020204" pitchFamily="49" charset="0"/>
+              </a:rPr>
+              <a:t>:</a:t>
+            </a:r>
+          </a:p>
+          <a:p>
+            <a:pPr lvl="0" eaLnBrk="0" fontAlgn="base" latinLnBrk="0" hangingPunct="0">
+              <a:spcBef>
+                <a:spcPct val="0"/>
+              </a:spcBef>
+              <a:spcAft>
+                <a:spcPct val="0"/>
+              </a:spcAft>
+            </a:pPr>
+            <a:r>
+              <a:rPr lang="ko-KR" altLang="en-US" sz="1200" dirty="0">
+                <a:solidFill>
+                  <a:srgbClr val="FF0000"/>
+                </a:solidFill>
+                <a:latin typeface="Lucida Console" panose="020B0609040504020204" pitchFamily="49" charset="0"/>
+              </a:rPr>
+              <a:t>시계열 분석을 위한 표본데이터의 부족으로 예측 정확성이 조금 낮은 편</a:t>
+            </a:r>
+            <a:endParaRPr kumimoji="0" lang="ko-KR" altLang="ko-KR" sz="1800" b="0" i="0" u="none" strike="noStrike" cap="none" normalizeH="0" baseline="0" dirty="0">
+              <a:ln>
+                <a:noFill/>
+              </a:ln>
+              <a:solidFill>
+                <a:srgbClr val="FF0000"/>
+              </a:solidFill>
+              <a:effectLst/>
+              <a:latin typeface="Arial" panose="020B0604020202020204" pitchFamily="34" charset="0"/>
+            </a:endParaRPr>
+          </a:p>
+        </p:txBody>
+      </p:sp>
+    </p:spTree>
+    <p:extLst>
+      <p:ext uri="{BB962C8B-B14F-4D97-AF65-F5344CB8AC3E}">
+        <p14:creationId xmlns:p14="http://schemas.microsoft.com/office/powerpoint/2010/main" val="211880196"/>
+      </p:ext>
+    </p:extLst>
+  </p:cSld>
+  <p:clrMapOvr>
+    <a:masterClrMapping/>
+  </p:clrMapOvr>
+</p:sld>
+</file>
+
+<file path=ppt/slides/slide11.xml><?xml version="1.0" encoding="utf-8"?>
+<p:sld xmlns:a="http://schemas.openxmlformats.org/drawingml/2006/main" xmlns:r="http://schemas.openxmlformats.org/officeDocument/2006/relationships" xmlns:p="http://schemas.openxmlformats.org/presentationml/2006/main">
+  <p:cSld>
+    <p:spTree>
+      <p:nvGrpSpPr>
+        <p:cNvPr id="1" name=""/>
+        <p:cNvGrpSpPr/>
+        <p:nvPr/>
+      </p:nvGrpSpPr>
+      <p:grpSpPr>
+        <a:xfrm>
+          <a:off x="0" y="0"/>
+          <a:ext cx="0" cy="0"/>
+          <a:chOff x="0" y="0"/>
+          <a:chExt cx="0" cy="0"/>
+        </a:xfrm>
+      </p:grpSpPr>
+      <p:sp>
+        <p:nvSpPr>
+          <p:cNvPr id="2" name="Rectangle 2">
+            <a:extLst>
+              <a:ext uri="{FF2B5EF4-FFF2-40B4-BE49-F238E27FC236}">
+                <a16:creationId xmlns:a16="http://schemas.microsoft.com/office/drawing/2014/main" id="{C32B605D-F2CF-4940-B3DB-9330C51404EC}"/>
+              </a:ext>
+            </a:extLst>
+          </p:cNvPr>
+          <p:cNvSpPr>
+            <a:spLocks noChangeArrowheads="1"/>
+          </p:cNvSpPr>
+          <p:nvPr/>
+        </p:nvSpPr>
+        <p:spPr bwMode="auto">
+          <a:xfrm>
+            <a:off x="425593" y="1293058"/>
+            <a:ext cx="3962623" cy="738664"/>
+          </a:xfrm>
+          <a:prstGeom prst="rect">
+            <a:avLst/>
+          </a:prstGeom>
+          <a:noFill/>
+          <a:ln>
+            <a:noFill/>
+          </a:ln>
+          <a:effectLst/>
+        </p:spPr>
+        <p:txBody>
+          <a:bodyPr vert="horz" wrap="none" lIns="0" tIns="0" rIns="0" bIns="0" numCol="1" anchor="ctr" anchorCtr="0" compatLnSpc="1">
+            <a:prstTxWarp prst="textNoShape">
+              <a:avLst/>
+            </a:prstTxWarp>
+            <a:spAutoFit/>
+          </a:bodyPr>
+          <a:lstStyle/>
+          <a:p>
+            <a:pPr marR="0" lvl="0" algn="l" defTabSz="914400" rtl="0" eaLnBrk="0" fontAlgn="base" latinLnBrk="0" hangingPunct="0">
+              <a:lnSpc>
+                <a:spcPct val="100000"/>
+              </a:lnSpc>
+              <a:spcBef>
+                <a:spcPct val="0"/>
+              </a:spcBef>
+              <a:spcAft>
+                <a:spcPct val="0"/>
+              </a:spcAft>
+              <a:buClrTx/>
+              <a:buSzTx/>
+              <a:tabLst/>
+            </a:pPr>
+            <a:r>
+              <a:rPr kumimoji="0" lang="ko-KR" altLang="ko-KR" sz="1200" b="0" i="0" u="none" strike="noStrike" cap="none" normalizeH="0" baseline="0" dirty="0">
+                <a:ln>
+                  <a:noFill/>
+                </a:ln>
+                <a:solidFill>
+                  <a:srgbClr val="0000FF"/>
+                </a:solidFill>
+                <a:effectLst/>
+                <a:latin typeface="Lucida Console" panose="020B0609040504020204" pitchFamily="49" charset="0"/>
+              </a:rPr>
+              <a:t>ts_skt5 </a:t>
+            </a:r>
+            <a:endParaRPr kumimoji="0" lang="en-US" altLang="ko-KR" sz="1200" b="0" i="0" u="none" strike="noStrike" cap="none" normalizeH="0" baseline="0" dirty="0">
+              <a:ln>
+                <a:noFill/>
+              </a:ln>
+              <a:solidFill>
+                <a:srgbClr val="0000FF"/>
+              </a:solidFill>
+              <a:effectLst/>
+              <a:latin typeface="Lucida Console" panose="020B0609040504020204" pitchFamily="49" charset="0"/>
+            </a:endParaRPr>
+          </a:p>
+          <a:p>
+            <a:pPr marR="0" lvl="0" algn="l" defTabSz="914400" rtl="0" eaLnBrk="0" fontAlgn="base" latinLnBrk="0" hangingPunct="0">
+              <a:lnSpc>
+                <a:spcPct val="100000"/>
+              </a:lnSpc>
+              <a:spcBef>
+                <a:spcPct val="0"/>
+              </a:spcBef>
+              <a:spcAft>
+                <a:spcPct val="0"/>
+              </a:spcAft>
+              <a:buClrTx/>
+              <a:buSzTx/>
+              <a:tabLst/>
+            </a:pPr>
+            <a:r>
+              <a:rPr kumimoji="0" lang="ko-KR" altLang="ko-KR" sz="1200" b="0" i="0" u="none" strike="noStrike" cap="none" normalizeH="0" baseline="0" dirty="0">
+                <a:ln>
+                  <a:noFill/>
+                </a:ln>
+                <a:solidFill>
+                  <a:srgbClr val="0000FF"/>
+                </a:solidFill>
+                <a:effectLst/>
+                <a:latin typeface="Lucida Console" panose="020B0609040504020204" pitchFamily="49" charset="0"/>
+              </a:rPr>
+              <a:t>%&gt;%</a:t>
+            </a:r>
+            <a:r>
+              <a:rPr kumimoji="0" lang="en-US" altLang="ko-KR" sz="1200" b="0" i="0" u="none" strike="noStrike" cap="none" normalizeH="0" baseline="0" dirty="0">
+                <a:ln>
+                  <a:noFill/>
+                </a:ln>
+                <a:solidFill>
+                  <a:srgbClr val="0000FF"/>
+                </a:solidFill>
+                <a:effectLst/>
+                <a:latin typeface="Lucida Console" panose="020B0609040504020204" pitchFamily="49" charset="0"/>
+              </a:rPr>
+              <a:t> </a:t>
+            </a:r>
+            <a:r>
+              <a:rPr kumimoji="0" lang="ko-KR" altLang="ko-KR" sz="1200" b="0" i="0" u="none" strike="noStrike" cap="none" normalizeH="0" baseline="0" dirty="0" err="1">
+                <a:ln>
+                  <a:noFill/>
+                </a:ln>
+                <a:solidFill>
+                  <a:srgbClr val="0000FF"/>
+                </a:solidFill>
+                <a:effectLst/>
+                <a:latin typeface="Lucida Console" panose="020B0609040504020204" pitchFamily="49" charset="0"/>
+              </a:rPr>
+              <a:t>Arima</a:t>
+            </a:r>
+            <a:r>
+              <a:rPr kumimoji="0" lang="ko-KR" altLang="ko-KR" sz="1200" b="0" i="0" u="none" strike="noStrike" cap="none" normalizeH="0" baseline="0" dirty="0">
+                <a:ln>
+                  <a:noFill/>
+                </a:ln>
+                <a:solidFill>
+                  <a:srgbClr val="0000FF"/>
+                </a:solidFill>
+                <a:effectLst/>
+                <a:latin typeface="Lucida Console" panose="020B0609040504020204" pitchFamily="49" charset="0"/>
+              </a:rPr>
+              <a:t>(</a:t>
+            </a:r>
+            <a:r>
+              <a:rPr kumimoji="0" lang="ko-KR" altLang="ko-KR" sz="1200" b="0" i="0" u="none" strike="noStrike" cap="none" normalizeH="0" baseline="0" dirty="0" err="1">
+                <a:ln>
+                  <a:noFill/>
+                </a:ln>
+                <a:solidFill>
+                  <a:srgbClr val="0000FF"/>
+                </a:solidFill>
+                <a:effectLst/>
+                <a:latin typeface="Lucida Console" panose="020B0609040504020204" pitchFamily="49" charset="0"/>
+              </a:rPr>
+              <a:t>order</a:t>
+            </a:r>
+            <a:r>
+              <a:rPr kumimoji="0" lang="ko-KR" altLang="ko-KR" sz="1200" b="0" i="0" u="none" strike="noStrike" cap="none" normalizeH="0" baseline="0" dirty="0">
+                <a:ln>
+                  <a:noFill/>
+                </a:ln>
+                <a:solidFill>
+                  <a:srgbClr val="0000FF"/>
+                </a:solidFill>
+                <a:effectLst/>
+                <a:latin typeface="Lucida Console" panose="020B0609040504020204" pitchFamily="49" charset="0"/>
+              </a:rPr>
+              <a:t>=c(5,2,0)) </a:t>
+            </a:r>
+            <a:endParaRPr kumimoji="0" lang="en-US" altLang="ko-KR" sz="1200" b="0" i="0" u="none" strike="noStrike" cap="none" normalizeH="0" baseline="0" dirty="0">
+              <a:ln>
+                <a:noFill/>
+              </a:ln>
+              <a:solidFill>
+                <a:srgbClr val="0000FF"/>
+              </a:solidFill>
+              <a:effectLst/>
+              <a:latin typeface="Lucida Console" panose="020B0609040504020204" pitchFamily="49" charset="0"/>
+            </a:endParaRPr>
+          </a:p>
+          <a:p>
+            <a:pPr marR="0" lvl="0" algn="l" defTabSz="914400" rtl="0" eaLnBrk="0" fontAlgn="base" latinLnBrk="0" hangingPunct="0">
+              <a:lnSpc>
+                <a:spcPct val="100000"/>
+              </a:lnSpc>
+              <a:spcBef>
+                <a:spcPct val="0"/>
+              </a:spcBef>
+              <a:spcAft>
+                <a:spcPct val="0"/>
+              </a:spcAft>
+              <a:buClrTx/>
+              <a:buSzTx/>
+              <a:tabLst/>
+            </a:pPr>
+            <a:r>
+              <a:rPr kumimoji="0" lang="ko-KR" altLang="ko-KR" sz="1200" b="0" i="0" u="none" strike="noStrike" cap="none" normalizeH="0" baseline="0" dirty="0">
+                <a:ln>
+                  <a:noFill/>
+                </a:ln>
+                <a:solidFill>
+                  <a:srgbClr val="0000FF"/>
+                </a:solidFill>
+                <a:effectLst/>
+                <a:latin typeface="Lucida Console" panose="020B0609040504020204" pitchFamily="49" charset="0"/>
+              </a:rPr>
+              <a:t>%&gt;% </a:t>
+            </a:r>
+            <a:r>
+              <a:rPr kumimoji="0" lang="ko-KR" altLang="ko-KR" sz="1200" b="0" i="0" u="none" strike="noStrike" cap="none" normalizeH="0" baseline="0" dirty="0" err="1">
+                <a:ln>
+                  <a:noFill/>
+                </a:ln>
+                <a:solidFill>
+                  <a:srgbClr val="0000FF"/>
+                </a:solidFill>
+                <a:effectLst/>
+                <a:latin typeface="Lucida Console" panose="020B0609040504020204" pitchFamily="49" charset="0"/>
+              </a:rPr>
+              <a:t>forecast</a:t>
+            </a:r>
+            <a:r>
+              <a:rPr kumimoji="0" lang="ko-KR" altLang="ko-KR" sz="1200" b="0" i="0" u="none" strike="noStrike" cap="none" normalizeH="0" baseline="0" dirty="0">
+                <a:ln>
+                  <a:noFill/>
+                </a:ln>
+                <a:solidFill>
+                  <a:srgbClr val="0000FF"/>
+                </a:solidFill>
+                <a:effectLst/>
+                <a:latin typeface="Lucida Console" panose="020B0609040504020204" pitchFamily="49" charset="0"/>
+              </a:rPr>
+              <a:t>() </a:t>
+            </a:r>
+            <a:endParaRPr kumimoji="0" lang="en-US" altLang="ko-KR" sz="1200" b="0" i="0" u="none" strike="noStrike" cap="none" normalizeH="0" baseline="0" dirty="0">
+              <a:ln>
+                <a:noFill/>
+              </a:ln>
+              <a:solidFill>
+                <a:srgbClr val="0000FF"/>
+              </a:solidFill>
+              <a:effectLst/>
+              <a:latin typeface="Lucida Console" panose="020B0609040504020204" pitchFamily="49" charset="0"/>
+            </a:endParaRPr>
+          </a:p>
+          <a:p>
+            <a:pPr marR="0" lvl="0" algn="l" defTabSz="914400" rtl="0" eaLnBrk="0" fontAlgn="base" latinLnBrk="0" hangingPunct="0">
+              <a:lnSpc>
+                <a:spcPct val="100000"/>
+              </a:lnSpc>
+              <a:spcBef>
+                <a:spcPct val="0"/>
+              </a:spcBef>
+              <a:spcAft>
+                <a:spcPct val="0"/>
+              </a:spcAft>
+              <a:buClrTx/>
+              <a:buSzTx/>
+              <a:tabLst/>
+            </a:pPr>
+            <a:r>
+              <a:rPr kumimoji="0" lang="ko-KR" altLang="ko-KR" sz="1200" b="0" i="0" u="none" strike="noStrike" cap="none" normalizeH="0" baseline="0" dirty="0">
+                <a:ln>
+                  <a:noFill/>
+                </a:ln>
+                <a:solidFill>
+                  <a:srgbClr val="0000FF"/>
+                </a:solidFill>
+                <a:effectLst/>
+                <a:latin typeface="Lucida Console" panose="020B0609040504020204" pitchFamily="49" charset="0"/>
+              </a:rPr>
+              <a:t>%&gt;% </a:t>
+            </a:r>
+            <a:r>
+              <a:rPr kumimoji="0" lang="ko-KR" altLang="ko-KR" sz="1200" b="0" i="0" u="none" strike="noStrike" cap="none" normalizeH="0" baseline="0" dirty="0" err="1">
+                <a:ln>
+                  <a:noFill/>
+                </a:ln>
+                <a:solidFill>
+                  <a:srgbClr val="0000FF"/>
+                </a:solidFill>
+                <a:effectLst/>
+                <a:latin typeface="Lucida Console" panose="020B0609040504020204" pitchFamily="49" charset="0"/>
+              </a:rPr>
+              <a:t>autoplot</a:t>
+            </a:r>
+            <a:r>
+              <a:rPr kumimoji="0" lang="ko-KR" altLang="ko-KR" sz="1200" b="0" i="0" u="none" strike="noStrike" cap="none" normalizeH="0" baseline="0" dirty="0">
+                <a:ln>
+                  <a:noFill/>
+                </a:ln>
+                <a:solidFill>
+                  <a:srgbClr val="0000FF"/>
+                </a:solidFill>
+                <a:effectLst/>
+                <a:latin typeface="Lucida Console" panose="020B0609040504020204" pitchFamily="49" charset="0"/>
+              </a:rPr>
+              <a:t>() + </a:t>
+            </a:r>
+            <a:r>
+              <a:rPr kumimoji="0" lang="ko-KR" altLang="ko-KR" sz="1200" b="0" i="0" u="none" strike="noStrike" cap="none" normalizeH="0" baseline="0" dirty="0" err="1">
+                <a:ln>
+                  <a:noFill/>
+                </a:ln>
+                <a:solidFill>
+                  <a:srgbClr val="0000FF"/>
+                </a:solidFill>
+                <a:effectLst/>
+                <a:latin typeface="Lucida Console" panose="020B0609040504020204" pitchFamily="49" charset="0"/>
+              </a:rPr>
+              <a:t>ggtitle</a:t>
+            </a:r>
+            <a:r>
+              <a:rPr kumimoji="0" lang="ko-KR" altLang="ko-KR" sz="1200" b="0" i="0" u="none" strike="noStrike" cap="none" normalizeH="0" baseline="0" dirty="0">
+                <a:ln>
+                  <a:noFill/>
+                </a:ln>
+                <a:solidFill>
+                  <a:srgbClr val="0000FF"/>
+                </a:solidFill>
+                <a:effectLst/>
+                <a:latin typeface="Lucida Console" panose="020B0609040504020204" pitchFamily="49" charset="0"/>
+              </a:rPr>
+              <a:t>('SKT 5g 예측 모델')</a:t>
+            </a:r>
+            <a:endParaRPr kumimoji="0" lang="ko-KR" altLang="ko-KR" sz="1800" b="0" i="0" u="none" strike="noStrike" cap="none" normalizeH="0" baseline="0" dirty="0">
+              <a:ln>
+                <a:noFill/>
+              </a:ln>
+              <a:solidFill>
+                <a:schemeClr val="tx1"/>
+              </a:solidFill>
+              <a:effectLst/>
+              <a:latin typeface="Arial" panose="020B0604020202020204" pitchFamily="34" charset="0"/>
+            </a:endParaRPr>
+          </a:p>
+        </p:txBody>
+      </p:sp>
+      <p:pic>
+        <p:nvPicPr>
+          <p:cNvPr id="4" name="그림 3">
+            <a:extLst>
+              <a:ext uri="{FF2B5EF4-FFF2-40B4-BE49-F238E27FC236}">
+                <a16:creationId xmlns:a16="http://schemas.microsoft.com/office/drawing/2014/main" id="{55549511-B97D-4DF0-81F9-4E9C4C71FC87}"/>
+              </a:ext>
+            </a:extLst>
+          </p:cNvPr>
+          <p:cNvPicPr>
+            <a:picLocks noChangeAspect="1"/>
+          </p:cNvPicPr>
+          <p:nvPr/>
+        </p:nvPicPr>
+        <p:blipFill>
+          <a:blip r:embed="rId2">
+            <a:extLst>
+              <a:ext uri="{28A0092B-C50C-407E-A947-70E740481C1C}">
+                <a14:useLocalDpi xmlns:a14="http://schemas.microsoft.com/office/drawing/2010/main" val="0"/>
+              </a:ext>
+            </a:extLst>
+          </a:blip>
+          <a:stretch>
+            <a:fillRect/>
+          </a:stretch>
+        </p:blipFill>
+        <p:spPr>
+          <a:xfrm>
+            <a:off x="5148580" y="266700"/>
+            <a:ext cx="6324600" cy="6324600"/>
+          </a:xfrm>
+          <a:prstGeom prst="rect">
+            <a:avLst/>
+          </a:prstGeom>
+        </p:spPr>
+      </p:pic>
+    </p:spTree>
+    <p:extLst>
+      <p:ext uri="{BB962C8B-B14F-4D97-AF65-F5344CB8AC3E}">
+        <p14:creationId xmlns:p14="http://schemas.microsoft.com/office/powerpoint/2010/main" val="1820569116"/>
+      </p:ext>
+    </p:extLst>
+  </p:cSld>
+  <p:clrMapOvr>
+    <a:masterClrMapping/>
+  </p:clrMapOvr>
+</p:sld>
+</file>
+
+<file path=ppt/slides/slide12.xml><?xml version="1.0" encoding="utf-8"?>
+<p:sld xmlns:a="http://schemas.openxmlformats.org/drawingml/2006/main" xmlns:r="http://schemas.openxmlformats.org/officeDocument/2006/relationships" xmlns:p="http://schemas.openxmlformats.org/presentationml/2006/main">
+  <p:cSld>
+    <p:spTree>
+      <p:nvGrpSpPr>
+        <p:cNvPr id="1" name=""/>
+        <p:cNvGrpSpPr/>
+        <p:nvPr/>
+      </p:nvGrpSpPr>
+      <p:grpSpPr>
+        <a:xfrm>
+          <a:off x="0" y="0"/>
+          <a:ext cx="0" cy="0"/>
+          <a:chOff x="0" y="0"/>
+          <a:chExt cx="0" cy="0"/>
+        </a:xfrm>
+      </p:grpSpPr>
       <p:grpSp>
         <p:nvGrpSpPr>
           <p:cNvPr id="6" name="그룹 5">
@@ -3499,7 +4635,7 @@
 </p:sld>
 </file>
 
-<file path=ppt/slides/slide11.xml><?xml version="1.0" encoding="utf-8"?>
+<file path=ppt/slides/slide13.xml><?xml version="1.0" encoding="utf-8"?>
 <p:sld xmlns:a="http://schemas.openxmlformats.org/drawingml/2006/main" xmlns:r="http://schemas.openxmlformats.org/officeDocument/2006/relationships" xmlns:p="http://schemas.openxmlformats.org/presentationml/2006/main">
   <p:cSld>
     <p:spTree>
@@ -3516,10 +4652,49 @@
           <a:chExt cx="0" cy="0"/>
         </a:xfrm>
       </p:grpSpPr>
+      <p:sp>
+        <p:nvSpPr>
+          <p:cNvPr id="2" name="TextBox 1">
+            <a:extLst>
+              <a:ext uri="{FF2B5EF4-FFF2-40B4-BE49-F238E27FC236}">
+                <a16:creationId xmlns:a16="http://schemas.microsoft.com/office/drawing/2014/main" id="{10A98064-25B2-4F08-9EFF-6E2E8668BF0B}"/>
+              </a:ext>
+            </a:extLst>
+          </p:cNvPr>
+          <p:cNvSpPr txBox="1"/>
+          <p:nvPr/>
+        </p:nvSpPr>
+        <p:spPr>
+          <a:xfrm>
+            <a:off x="538483" y="708552"/>
+            <a:ext cx="3734420" cy="307777"/>
+          </a:xfrm>
+          <a:prstGeom prst="rect">
+            <a:avLst/>
+          </a:prstGeom>
+          <a:noFill/>
+        </p:spPr>
+        <p:txBody>
+          <a:bodyPr wrap="none" rtlCol="0">
+            <a:spAutoFit/>
+          </a:bodyPr>
+          <a:lstStyle/>
+          <a:p>
+            <a:r>
+              <a:rPr lang="en-US" altLang="ko-KR" sz="1400" b="1" dirty="0"/>
+              <a:t>KT </a:t>
+            </a:r>
+            <a:r>
+              <a:rPr lang="ko-KR" altLang="en-US" sz="1400" b="1" dirty="0"/>
+              <a:t>가입자 현황에 대한 시계열 데이터 분석</a:t>
+            </a:r>
+          </a:p>
+        </p:txBody>
+      </p:sp>
     </p:spTree>
     <p:extLst>
       <p:ext uri="{BB962C8B-B14F-4D97-AF65-F5344CB8AC3E}">
-        <p14:creationId xmlns:p14="http://schemas.microsoft.com/office/powerpoint/2010/main" val="1374180743"/>
+        <p14:creationId xmlns:p14="http://schemas.microsoft.com/office/powerpoint/2010/main" val="2205281770"/>
       </p:ext>
     </p:extLst>
   </p:cSld>
@@ -3529,7 +4704,7 @@
 </p:sld>
 </file>
 
-<file path=ppt/slides/slide12.xml><?xml version="1.0" encoding="utf-8"?>
+<file path=ppt/slides/slide14.xml><?xml version="1.0" encoding="utf-8"?>
 <p:sld xmlns:a="http://schemas.openxmlformats.org/drawingml/2006/main" xmlns:r="http://schemas.openxmlformats.org/officeDocument/2006/relationships" xmlns:p="http://schemas.openxmlformats.org/presentationml/2006/main">
   <p:cSld>
     <p:spTree>
@@ -3546,6 +4721,1456 @@
           <a:chExt cx="0" cy="0"/>
         </a:xfrm>
       </p:grpSpPr>
+      <p:sp>
+        <p:nvSpPr>
+          <p:cNvPr id="2" name="TextBox 1">
+            <a:extLst>
+              <a:ext uri="{FF2B5EF4-FFF2-40B4-BE49-F238E27FC236}">
+                <a16:creationId xmlns:a16="http://schemas.microsoft.com/office/drawing/2014/main" id="{4B1E5309-C327-4D0E-B280-797783630625}"/>
+              </a:ext>
+            </a:extLst>
+          </p:cNvPr>
+          <p:cNvSpPr txBox="1"/>
+          <p:nvPr/>
+        </p:nvSpPr>
+        <p:spPr>
+          <a:xfrm>
+            <a:off x="538483" y="385283"/>
+            <a:ext cx="2768707" cy="307777"/>
+          </a:xfrm>
+          <a:prstGeom prst="rect">
+            <a:avLst/>
+          </a:prstGeom>
+          <a:noFill/>
+        </p:spPr>
+        <p:txBody>
+          <a:bodyPr wrap="none" rtlCol="0">
+            <a:spAutoFit/>
+          </a:bodyPr>
+          <a:lstStyle/>
+          <a:p>
+            <a:r>
+              <a:rPr lang="ko-KR" altLang="en-US" sz="1400" b="1" dirty="0"/>
+              <a:t>원본 데이터 시계열 데이터 분석</a:t>
+            </a:r>
+          </a:p>
+        </p:txBody>
+      </p:sp>
+      <p:pic>
+        <p:nvPicPr>
+          <p:cNvPr id="4" name="그림 3">
+            <a:extLst>
+              <a:ext uri="{FF2B5EF4-FFF2-40B4-BE49-F238E27FC236}">
+                <a16:creationId xmlns:a16="http://schemas.microsoft.com/office/drawing/2014/main" id="{5AD884F3-0160-4FF5-B9AA-CA9D18FF00EE}"/>
+              </a:ext>
+            </a:extLst>
+          </p:cNvPr>
+          <p:cNvPicPr>
+            <a:picLocks noChangeAspect="1"/>
+          </p:cNvPicPr>
+          <p:nvPr/>
+        </p:nvPicPr>
+        <p:blipFill rotWithShape="1">
+          <a:blip r:embed="rId2">
+            <a:extLst>
+              <a:ext uri="{28A0092B-C50C-407E-A947-70E740481C1C}">
+                <a14:useLocalDpi xmlns:a14="http://schemas.microsoft.com/office/drawing/2010/main" val="0"/>
+              </a:ext>
+            </a:extLst>
+          </a:blip>
+          <a:srcRect t="50000"/>
+          <a:stretch/>
+        </p:blipFill>
+        <p:spPr>
+          <a:xfrm>
+            <a:off x="4336761" y="3695700"/>
+            <a:ext cx="7600950" cy="3162300"/>
+          </a:xfrm>
+          <a:prstGeom prst="rect">
+            <a:avLst/>
+          </a:prstGeom>
+        </p:spPr>
+      </p:pic>
+      <p:pic>
+        <p:nvPicPr>
+          <p:cNvPr id="5" name="그림 4">
+            <a:extLst>
+              <a:ext uri="{FF2B5EF4-FFF2-40B4-BE49-F238E27FC236}">
+                <a16:creationId xmlns:a16="http://schemas.microsoft.com/office/drawing/2014/main" id="{08719B77-96ED-40B7-80F0-C47FA6C7ED4A}"/>
+              </a:ext>
+            </a:extLst>
+          </p:cNvPr>
+          <p:cNvPicPr>
+            <a:picLocks noChangeAspect="1"/>
+          </p:cNvPicPr>
+          <p:nvPr/>
+        </p:nvPicPr>
+        <p:blipFill rotWithShape="1">
+          <a:blip r:embed="rId2">
+            <a:extLst>
+              <a:ext uri="{28A0092B-C50C-407E-A947-70E740481C1C}">
+                <a14:useLocalDpi xmlns:a14="http://schemas.microsoft.com/office/drawing/2010/main" val="0"/>
+              </a:ext>
+            </a:extLst>
+          </a:blip>
+          <a:srcRect t="3159" b="52409"/>
+          <a:stretch/>
+        </p:blipFill>
+        <p:spPr>
+          <a:xfrm>
+            <a:off x="0" y="803568"/>
+            <a:ext cx="7600950" cy="2810164"/>
+          </a:xfrm>
+          <a:prstGeom prst="rect">
+            <a:avLst/>
+          </a:prstGeom>
+        </p:spPr>
+      </p:pic>
+    </p:spTree>
+    <p:extLst>
+      <p:ext uri="{BB962C8B-B14F-4D97-AF65-F5344CB8AC3E}">
+        <p14:creationId xmlns:p14="http://schemas.microsoft.com/office/powerpoint/2010/main" val="1374180743"/>
+      </p:ext>
+    </p:extLst>
+  </p:cSld>
+  <p:clrMapOvr>
+    <a:masterClrMapping/>
+  </p:clrMapOvr>
+</p:sld>
+</file>
+
+<file path=ppt/slides/slide15.xml><?xml version="1.0" encoding="utf-8"?>
+<p:sld xmlns:a="http://schemas.openxmlformats.org/drawingml/2006/main" xmlns:r="http://schemas.openxmlformats.org/officeDocument/2006/relationships" xmlns:p="http://schemas.openxmlformats.org/presentationml/2006/main">
+  <p:cSld>
+    <p:spTree>
+      <p:nvGrpSpPr>
+        <p:cNvPr id="1" name=""/>
+        <p:cNvGrpSpPr/>
+        <p:nvPr/>
+      </p:nvGrpSpPr>
+      <p:grpSpPr>
+        <a:xfrm>
+          <a:off x="0" y="0"/>
+          <a:ext cx="0" cy="0"/>
+          <a:chOff x="0" y="0"/>
+          <a:chExt cx="0" cy="0"/>
+        </a:xfrm>
+      </p:grpSpPr>
+      <p:sp>
+        <p:nvSpPr>
+          <p:cNvPr id="2" name="Rectangle 1">
+            <a:extLst>
+              <a:ext uri="{FF2B5EF4-FFF2-40B4-BE49-F238E27FC236}">
+                <a16:creationId xmlns:a16="http://schemas.microsoft.com/office/drawing/2014/main" id="{2630A8F8-F143-4DA7-8859-7ECDA783ED49}"/>
+              </a:ext>
+            </a:extLst>
+          </p:cNvPr>
+          <p:cNvSpPr>
+            <a:spLocks noChangeArrowheads="1"/>
+          </p:cNvSpPr>
+          <p:nvPr/>
+        </p:nvSpPr>
+        <p:spPr bwMode="auto">
+          <a:xfrm>
+            <a:off x="158477" y="376658"/>
+            <a:ext cx="5937523" cy="1661993"/>
+          </a:xfrm>
+          <a:prstGeom prst="rect">
+            <a:avLst/>
+          </a:prstGeom>
+          <a:solidFill>
+            <a:srgbClr val="FFFFFF"/>
+          </a:solidFill>
+          <a:ln>
+            <a:noFill/>
+          </a:ln>
+          <a:effectLst/>
+          <a:extLst>
+            <a:ext uri="{91240B29-F687-4F45-9708-019B960494DF}">
+              <a14:hiddenLine xmlns:a14="http://schemas.microsoft.com/office/drawing/2010/main" w="9525">
+                <a:solidFill>
+                  <a:schemeClr val="tx1"/>
+                </a:solidFill>
+                <a:miter lim="800000"/>
+                <a:headEnd/>
+                <a:tailEnd/>
+              </a14:hiddenLine>
+            </a:ext>
+            <a:ext uri="{AF507438-7753-43E0-B8FC-AC1667EBCBE1}">
+              <a14:hiddenEffects xmlns:a14="http://schemas.microsoft.com/office/drawing/2010/main">
+                <a:effectLst>
+                  <a:outerShdw dist="35921" dir="2700000" algn="ctr" rotWithShape="0">
+                    <a:schemeClr val="bg2"/>
+                  </a:outerShdw>
+                </a:effectLst>
+              </a14:hiddenEffects>
+            </a:ext>
+          </a:extLst>
+        </p:spPr>
+        <p:txBody>
+          <a:bodyPr vert="horz" wrap="none" lIns="0" tIns="0" rIns="0" bIns="0" numCol="1" anchor="ctr" anchorCtr="0" compatLnSpc="1">
+            <a:prstTxWarp prst="textNoShape">
+              <a:avLst/>
+            </a:prstTxWarp>
+            <a:spAutoFit/>
+          </a:bodyPr>
+          <a:lstStyle/>
+          <a:p>
+            <a:pPr marR="0" lvl="0" algn="l" defTabSz="914400" rtl="0" eaLnBrk="0" fontAlgn="base" latinLnBrk="0" hangingPunct="0">
+              <a:lnSpc>
+                <a:spcPct val="100000"/>
+              </a:lnSpc>
+              <a:spcBef>
+                <a:spcPct val="0"/>
+              </a:spcBef>
+              <a:spcAft>
+                <a:spcPct val="0"/>
+              </a:spcAft>
+              <a:buClrTx/>
+              <a:buSzTx/>
+              <a:tabLst/>
+            </a:pPr>
+            <a:r>
+              <a:rPr kumimoji="0" lang="ko-KR" altLang="ko-KR" sz="1200" b="0" i="0" u="none" strike="noStrike" cap="none" normalizeH="0" baseline="0" dirty="0" err="1">
+                <a:ln>
+                  <a:noFill/>
+                </a:ln>
+                <a:solidFill>
+                  <a:srgbClr val="0000FF"/>
+                </a:solidFill>
+                <a:effectLst/>
+                <a:latin typeface="Lucida Console" panose="020B0609040504020204" pitchFamily="49" charset="0"/>
+              </a:rPr>
+              <a:t>auto.arima</a:t>
+            </a:r>
+            <a:r>
+              <a:rPr kumimoji="0" lang="ko-KR" altLang="ko-KR" sz="1200" b="0" i="0" u="none" strike="noStrike" cap="none" normalizeH="0" baseline="0" dirty="0">
+                <a:ln>
+                  <a:noFill/>
+                </a:ln>
+                <a:solidFill>
+                  <a:srgbClr val="0000FF"/>
+                </a:solidFill>
+                <a:effectLst/>
+                <a:latin typeface="Lucida Console" panose="020B0609040504020204" pitchFamily="49" charset="0"/>
+              </a:rPr>
+              <a:t>(ts_kt5,seasonal = </a:t>
+            </a:r>
+            <a:r>
+              <a:rPr kumimoji="0" lang="ko-KR" altLang="ko-KR" sz="1200" b="0" i="0" u="none" strike="noStrike" cap="none" normalizeH="0" baseline="0" dirty="0" err="1">
+                <a:ln>
+                  <a:noFill/>
+                </a:ln>
+                <a:solidFill>
+                  <a:srgbClr val="0000FF"/>
+                </a:solidFill>
+                <a:effectLst/>
+                <a:latin typeface="Lucida Console" panose="020B0609040504020204" pitchFamily="49" charset="0"/>
+              </a:rPr>
+              <a:t>F</a:t>
+            </a:r>
+            <a:r>
+              <a:rPr kumimoji="0" lang="ko-KR" altLang="ko-KR" sz="1200" b="0" i="0" u="none" strike="noStrike" cap="none" normalizeH="0" baseline="0" dirty="0">
+                <a:ln>
+                  <a:noFill/>
+                </a:ln>
+                <a:solidFill>
+                  <a:srgbClr val="0000FF"/>
+                </a:solidFill>
+                <a:effectLst/>
+                <a:latin typeface="Lucida Console" panose="020B0609040504020204" pitchFamily="49" charset="0"/>
+              </a:rPr>
+              <a:t>, </a:t>
+            </a:r>
+            <a:r>
+              <a:rPr kumimoji="0" lang="ko-KR" altLang="ko-KR" sz="1200" b="0" i="0" u="none" strike="noStrike" cap="none" normalizeH="0" baseline="0" dirty="0" err="1">
+                <a:ln>
+                  <a:noFill/>
+                </a:ln>
+                <a:solidFill>
+                  <a:srgbClr val="0000FF"/>
+                </a:solidFill>
+                <a:effectLst/>
+                <a:latin typeface="Lucida Console" panose="020B0609040504020204" pitchFamily="49" charset="0"/>
+              </a:rPr>
+              <a:t>stepwise</a:t>
+            </a:r>
+            <a:r>
+              <a:rPr kumimoji="0" lang="ko-KR" altLang="ko-KR" sz="1200" b="0" i="0" u="none" strike="noStrike" cap="none" normalizeH="0" baseline="0" dirty="0">
+                <a:ln>
+                  <a:noFill/>
+                </a:ln>
+                <a:solidFill>
+                  <a:srgbClr val="0000FF"/>
+                </a:solidFill>
+                <a:effectLst/>
+                <a:latin typeface="Lucida Console" panose="020B0609040504020204" pitchFamily="49" charset="0"/>
+              </a:rPr>
+              <a:t>=</a:t>
+            </a:r>
+            <a:r>
+              <a:rPr kumimoji="0" lang="ko-KR" altLang="ko-KR" sz="1200" b="0" i="0" u="none" strike="noStrike" cap="none" normalizeH="0" baseline="0" dirty="0" err="1">
+                <a:ln>
+                  <a:noFill/>
+                </a:ln>
+                <a:solidFill>
+                  <a:srgbClr val="0000FF"/>
+                </a:solidFill>
+                <a:effectLst/>
+                <a:latin typeface="Lucida Console" panose="020B0609040504020204" pitchFamily="49" charset="0"/>
+              </a:rPr>
+              <a:t>F</a:t>
+            </a:r>
+            <a:r>
+              <a:rPr kumimoji="0" lang="ko-KR" altLang="ko-KR" sz="1200" b="0" i="0" u="none" strike="noStrike" cap="none" normalizeH="0" baseline="0" dirty="0">
+                <a:ln>
+                  <a:noFill/>
+                </a:ln>
+                <a:solidFill>
+                  <a:srgbClr val="0000FF"/>
+                </a:solidFill>
+                <a:effectLst/>
+                <a:latin typeface="Lucida Console" panose="020B0609040504020204" pitchFamily="49" charset="0"/>
+              </a:rPr>
+              <a:t>, </a:t>
+            </a:r>
+            <a:r>
+              <a:rPr kumimoji="0" lang="ko-KR" altLang="ko-KR" sz="1200" b="0" i="0" u="none" strike="noStrike" cap="none" normalizeH="0" baseline="0" dirty="0" err="1">
+                <a:ln>
+                  <a:noFill/>
+                </a:ln>
+                <a:solidFill>
+                  <a:srgbClr val="0000FF"/>
+                </a:solidFill>
+                <a:effectLst/>
+                <a:latin typeface="Lucida Console" panose="020B0609040504020204" pitchFamily="49" charset="0"/>
+              </a:rPr>
+              <a:t>approximation</a:t>
+            </a:r>
+            <a:r>
+              <a:rPr kumimoji="0" lang="ko-KR" altLang="ko-KR" sz="1200" b="0" i="0" u="none" strike="noStrike" cap="none" normalizeH="0" baseline="0" dirty="0">
+                <a:ln>
+                  <a:noFill/>
+                </a:ln>
+                <a:solidFill>
+                  <a:srgbClr val="0000FF"/>
+                </a:solidFill>
+                <a:effectLst/>
+                <a:latin typeface="Lucida Console" panose="020B0609040504020204" pitchFamily="49" charset="0"/>
+              </a:rPr>
+              <a:t> = </a:t>
+            </a:r>
+            <a:r>
+              <a:rPr kumimoji="0" lang="ko-KR" altLang="ko-KR" sz="1200" b="0" i="0" u="none" strike="noStrike" cap="none" normalizeH="0" baseline="0" dirty="0" err="1">
+                <a:ln>
+                  <a:noFill/>
+                </a:ln>
+                <a:solidFill>
+                  <a:srgbClr val="0000FF"/>
+                </a:solidFill>
+                <a:effectLst/>
+                <a:latin typeface="Lucida Console" panose="020B0609040504020204" pitchFamily="49" charset="0"/>
+              </a:rPr>
+              <a:t>F</a:t>
+            </a:r>
+            <a:r>
+              <a:rPr kumimoji="0" lang="ko-KR" altLang="ko-KR" sz="1200" b="0" i="0" u="none" strike="noStrike" cap="none" normalizeH="0" baseline="0" dirty="0">
+                <a:ln>
+                  <a:noFill/>
+                </a:ln>
+                <a:solidFill>
+                  <a:srgbClr val="0000FF"/>
+                </a:solidFill>
+                <a:effectLst/>
+                <a:latin typeface="Lucida Console" panose="020B0609040504020204" pitchFamily="49" charset="0"/>
+              </a:rPr>
+              <a:t>)</a:t>
+            </a:r>
+            <a:endParaRPr kumimoji="0" lang="en-US" altLang="ko-KR" sz="1200" b="0" i="0" u="none" strike="noStrike" cap="none" normalizeH="0" baseline="0" dirty="0">
+              <a:ln>
+                <a:noFill/>
+              </a:ln>
+              <a:solidFill>
+                <a:srgbClr val="0000FF"/>
+              </a:solidFill>
+              <a:effectLst/>
+              <a:latin typeface="Lucida Console" panose="020B0609040504020204" pitchFamily="49" charset="0"/>
+            </a:endParaRPr>
+          </a:p>
+          <a:p>
+            <a:pPr marR="0" lvl="0" algn="l" defTabSz="914400" rtl="0" eaLnBrk="0" fontAlgn="base" latinLnBrk="0" hangingPunct="0">
+              <a:lnSpc>
+                <a:spcPct val="100000"/>
+              </a:lnSpc>
+              <a:spcBef>
+                <a:spcPct val="0"/>
+              </a:spcBef>
+              <a:spcAft>
+                <a:spcPct val="0"/>
+              </a:spcAft>
+              <a:buClrTx/>
+              <a:buSzTx/>
+              <a:tabLst/>
+            </a:pPr>
+            <a:r>
+              <a:rPr kumimoji="0" lang="ko-KR" altLang="ko-KR" sz="1200" b="0" i="0" u="none" strike="noStrike" cap="none" normalizeH="0" baseline="0" dirty="0">
+                <a:ln>
+                  <a:noFill/>
+                </a:ln>
+                <a:solidFill>
+                  <a:srgbClr val="0000FF"/>
+                </a:solidFill>
+                <a:effectLst/>
+                <a:latin typeface="Lucida Console" panose="020B0609040504020204" pitchFamily="49" charset="0"/>
+              </a:rPr>
+              <a:t> </a:t>
+            </a:r>
+            <a:r>
+              <a:rPr kumimoji="0" lang="ko-KR" altLang="ko-KR" sz="1200" b="0" i="0" u="none" strike="noStrike" cap="none" normalizeH="0" baseline="0" dirty="0" err="1">
+                <a:ln>
+                  <a:noFill/>
+                </a:ln>
+                <a:solidFill>
+                  <a:srgbClr val="000000"/>
+                </a:solidFill>
+                <a:effectLst/>
+                <a:latin typeface="Lucida Console" panose="020B0609040504020204" pitchFamily="49" charset="0"/>
+              </a:rPr>
+              <a:t>Series</a:t>
+            </a:r>
+            <a:r>
+              <a:rPr kumimoji="0" lang="ko-KR" altLang="ko-KR" sz="1200" b="0" i="0" u="none" strike="noStrike" cap="none" normalizeH="0" baseline="0" dirty="0">
+                <a:ln>
+                  <a:noFill/>
+                </a:ln>
+                <a:solidFill>
+                  <a:srgbClr val="000000"/>
+                </a:solidFill>
+                <a:effectLst/>
+                <a:latin typeface="Lucida Console" panose="020B0609040504020204" pitchFamily="49" charset="0"/>
+              </a:rPr>
+              <a:t>: ts_kt5 ARIMA(5,2,0)</a:t>
+            </a:r>
+            <a:endParaRPr kumimoji="0" lang="en-US" altLang="ko-KR" sz="1200" b="0" i="0" u="none" strike="noStrike" cap="none" normalizeH="0" baseline="0" dirty="0">
+              <a:ln>
+                <a:noFill/>
+              </a:ln>
+              <a:solidFill>
+                <a:srgbClr val="000000"/>
+              </a:solidFill>
+              <a:effectLst/>
+              <a:latin typeface="Lucida Console" panose="020B0609040504020204" pitchFamily="49" charset="0"/>
+            </a:endParaRPr>
+          </a:p>
+          <a:p>
+            <a:pPr marR="0" lvl="0" algn="l" defTabSz="914400" rtl="0" eaLnBrk="0" fontAlgn="base" latinLnBrk="0" hangingPunct="0">
+              <a:lnSpc>
+                <a:spcPct val="100000"/>
+              </a:lnSpc>
+              <a:spcBef>
+                <a:spcPct val="0"/>
+              </a:spcBef>
+              <a:spcAft>
+                <a:spcPct val="0"/>
+              </a:spcAft>
+              <a:buClrTx/>
+              <a:buSzTx/>
+              <a:tabLst/>
+            </a:pPr>
+            <a:r>
+              <a:rPr kumimoji="0" lang="ko-KR" altLang="ko-KR" sz="1200" b="0" i="0" u="none" strike="noStrike" cap="none" normalizeH="0" baseline="0" dirty="0">
+                <a:ln>
+                  <a:noFill/>
+                </a:ln>
+                <a:solidFill>
+                  <a:srgbClr val="000000"/>
+                </a:solidFill>
+                <a:effectLst/>
+                <a:latin typeface="Lucida Console" panose="020B0609040504020204" pitchFamily="49" charset="0"/>
+              </a:rPr>
+              <a:t> </a:t>
+            </a:r>
+            <a:r>
+              <a:rPr kumimoji="0" lang="ko-KR" altLang="ko-KR" sz="1200" b="0" i="0" u="none" strike="noStrike" cap="none" normalizeH="0" baseline="0" dirty="0" err="1">
+                <a:ln>
+                  <a:noFill/>
+                </a:ln>
+                <a:solidFill>
+                  <a:srgbClr val="000000"/>
+                </a:solidFill>
+                <a:effectLst/>
+                <a:latin typeface="Lucida Console" panose="020B0609040504020204" pitchFamily="49" charset="0"/>
+              </a:rPr>
+              <a:t>Coefficients</a:t>
+            </a:r>
+            <a:r>
+              <a:rPr kumimoji="0" lang="ko-KR" altLang="ko-KR" sz="1200" b="0" i="0" u="none" strike="noStrike" cap="none" normalizeH="0" baseline="0" dirty="0">
+                <a:ln>
+                  <a:noFill/>
+                </a:ln>
+                <a:solidFill>
+                  <a:srgbClr val="000000"/>
+                </a:solidFill>
+                <a:effectLst/>
+                <a:latin typeface="Lucida Console" panose="020B0609040504020204" pitchFamily="49" charset="0"/>
+              </a:rPr>
+              <a:t>: </a:t>
+            </a:r>
+            <a:endParaRPr kumimoji="0" lang="en-US" altLang="ko-KR" sz="1200" b="0" i="0" u="none" strike="noStrike" cap="none" normalizeH="0" baseline="0" dirty="0">
+              <a:ln>
+                <a:noFill/>
+              </a:ln>
+              <a:solidFill>
+                <a:srgbClr val="000000"/>
+              </a:solidFill>
+              <a:effectLst/>
+              <a:latin typeface="Lucida Console" panose="020B0609040504020204" pitchFamily="49" charset="0"/>
+            </a:endParaRPr>
+          </a:p>
+          <a:p>
+            <a:pPr marR="0" lvl="0" algn="l" defTabSz="914400" rtl="0" eaLnBrk="0" fontAlgn="base" latinLnBrk="0" hangingPunct="0">
+              <a:lnSpc>
+                <a:spcPct val="100000"/>
+              </a:lnSpc>
+              <a:spcBef>
+                <a:spcPct val="0"/>
+              </a:spcBef>
+              <a:spcAft>
+                <a:spcPct val="0"/>
+              </a:spcAft>
+              <a:buClrTx/>
+              <a:buSzTx/>
+              <a:tabLst/>
+            </a:pPr>
+            <a:r>
+              <a:rPr kumimoji="0" lang="ko-KR" altLang="ko-KR" sz="1200" b="0" i="0" u="none" strike="noStrike" cap="none" normalizeH="0" baseline="0" dirty="0">
+                <a:ln>
+                  <a:noFill/>
+                </a:ln>
+                <a:solidFill>
+                  <a:srgbClr val="000000"/>
+                </a:solidFill>
+                <a:effectLst/>
+                <a:latin typeface="Lucida Console" panose="020B0609040504020204" pitchFamily="49" charset="0"/>
+              </a:rPr>
+              <a:t>ar1 ar2 ar3 ar4 ar5 </a:t>
+            </a:r>
+            <a:endParaRPr kumimoji="0" lang="en-US" altLang="ko-KR" sz="1200" b="0" i="0" u="none" strike="noStrike" cap="none" normalizeH="0" baseline="0" dirty="0">
+              <a:ln>
+                <a:noFill/>
+              </a:ln>
+              <a:solidFill>
+                <a:srgbClr val="000000"/>
+              </a:solidFill>
+              <a:effectLst/>
+              <a:latin typeface="Lucida Console" panose="020B0609040504020204" pitchFamily="49" charset="0"/>
+            </a:endParaRPr>
+          </a:p>
+          <a:p>
+            <a:pPr marR="0" lvl="0" algn="l" defTabSz="914400" rtl="0" eaLnBrk="0" fontAlgn="base" latinLnBrk="0" hangingPunct="0">
+              <a:lnSpc>
+                <a:spcPct val="100000"/>
+              </a:lnSpc>
+              <a:spcBef>
+                <a:spcPct val="0"/>
+              </a:spcBef>
+              <a:spcAft>
+                <a:spcPct val="0"/>
+              </a:spcAft>
+              <a:buClrTx/>
+              <a:buSzTx/>
+              <a:tabLst/>
+            </a:pPr>
+            <a:r>
+              <a:rPr kumimoji="0" lang="ko-KR" altLang="ko-KR" sz="1200" b="0" i="0" u="none" strike="noStrike" cap="none" normalizeH="0" baseline="0" dirty="0">
+                <a:ln>
+                  <a:noFill/>
+                </a:ln>
+                <a:solidFill>
+                  <a:srgbClr val="000000"/>
+                </a:solidFill>
+                <a:effectLst/>
+                <a:latin typeface="Lucida Console" panose="020B0609040504020204" pitchFamily="49" charset="0"/>
+              </a:rPr>
+              <a:t>0.1476 0.0781 0.0011 0.1035 -0.4646 </a:t>
+            </a:r>
+            <a:endParaRPr kumimoji="0" lang="en-US" altLang="ko-KR" sz="1200" b="0" i="0" u="none" strike="noStrike" cap="none" normalizeH="0" baseline="0" dirty="0">
+              <a:ln>
+                <a:noFill/>
+              </a:ln>
+              <a:solidFill>
+                <a:srgbClr val="000000"/>
+              </a:solidFill>
+              <a:effectLst/>
+              <a:latin typeface="Lucida Console" panose="020B0609040504020204" pitchFamily="49" charset="0"/>
+            </a:endParaRPr>
+          </a:p>
+          <a:p>
+            <a:pPr marR="0" lvl="0" algn="l" defTabSz="914400" rtl="0" eaLnBrk="0" fontAlgn="base" latinLnBrk="0" hangingPunct="0">
+              <a:lnSpc>
+                <a:spcPct val="100000"/>
+              </a:lnSpc>
+              <a:spcBef>
+                <a:spcPct val="0"/>
+              </a:spcBef>
+              <a:spcAft>
+                <a:spcPct val="0"/>
+              </a:spcAft>
+              <a:buClrTx/>
+              <a:buSzTx/>
+              <a:tabLst/>
+            </a:pPr>
+            <a:r>
+              <a:rPr kumimoji="0" lang="ko-KR" altLang="ko-KR" sz="1200" b="0" i="0" u="none" strike="noStrike" cap="none" normalizeH="0" baseline="0" dirty="0" err="1">
+                <a:ln>
+                  <a:noFill/>
+                </a:ln>
+                <a:solidFill>
+                  <a:srgbClr val="000000"/>
+                </a:solidFill>
+                <a:effectLst/>
+                <a:latin typeface="Lucida Console" panose="020B0609040504020204" pitchFamily="49" charset="0"/>
+              </a:rPr>
+              <a:t>s.e</a:t>
+            </a:r>
+            <a:r>
+              <a:rPr kumimoji="0" lang="ko-KR" altLang="ko-KR" sz="1200" b="0" i="0" u="none" strike="noStrike" cap="none" normalizeH="0" baseline="0" dirty="0">
+                <a:ln>
+                  <a:noFill/>
+                </a:ln>
+                <a:solidFill>
+                  <a:srgbClr val="000000"/>
+                </a:solidFill>
+                <a:effectLst/>
+                <a:latin typeface="Lucida Console" panose="020B0609040504020204" pitchFamily="49" charset="0"/>
+              </a:rPr>
+              <a:t>. </a:t>
+            </a:r>
+            <a:endParaRPr kumimoji="0" lang="en-US" altLang="ko-KR" sz="1200" b="0" i="0" u="none" strike="noStrike" cap="none" normalizeH="0" baseline="0" dirty="0">
+              <a:ln>
+                <a:noFill/>
+              </a:ln>
+              <a:solidFill>
+                <a:srgbClr val="000000"/>
+              </a:solidFill>
+              <a:effectLst/>
+              <a:latin typeface="Lucida Console" panose="020B0609040504020204" pitchFamily="49" charset="0"/>
+            </a:endParaRPr>
+          </a:p>
+          <a:p>
+            <a:pPr marR="0" lvl="0" algn="l" defTabSz="914400" rtl="0" eaLnBrk="0" fontAlgn="base" latinLnBrk="0" hangingPunct="0">
+              <a:lnSpc>
+                <a:spcPct val="100000"/>
+              </a:lnSpc>
+              <a:spcBef>
+                <a:spcPct val="0"/>
+              </a:spcBef>
+              <a:spcAft>
+                <a:spcPct val="0"/>
+              </a:spcAft>
+              <a:buClrTx/>
+              <a:buSzTx/>
+              <a:tabLst/>
+            </a:pPr>
+            <a:r>
+              <a:rPr kumimoji="0" lang="ko-KR" altLang="ko-KR" sz="1200" b="0" i="0" u="none" strike="noStrike" cap="none" normalizeH="0" baseline="0" dirty="0">
+                <a:ln>
+                  <a:noFill/>
+                </a:ln>
+                <a:solidFill>
+                  <a:srgbClr val="000000"/>
+                </a:solidFill>
+                <a:effectLst/>
+                <a:latin typeface="Lucida Console" panose="020B0609040504020204" pitchFamily="49" charset="0"/>
+              </a:rPr>
+              <a:t>0.0937 0.0943 0.0965 0.0966 0.0950 </a:t>
+            </a:r>
+            <a:endParaRPr kumimoji="0" lang="en-US" altLang="ko-KR" sz="1200" b="0" i="0" u="none" strike="noStrike" cap="none" normalizeH="0" baseline="0" dirty="0">
+              <a:ln>
+                <a:noFill/>
+              </a:ln>
+              <a:solidFill>
+                <a:srgbClr val="000000"/>
+              </a:solidFill>
+              <a:effectLst/>
+              <a:latin typeface="Lucida Console" panose="020B0609040504020204" pitchFamily="49" charset="0"/>
+            </a:endParaRPr>
+          </a:p>
+          <a:p>
+            <a:pPr marR="0" lvl="0" algn="l" defTabSz="914400" rtl="0" eaLnBrk="0" fontAlgn="base" latinLnBrk="0" hangingPunct="0">
+              <a:lnSpc>
+                <a:spcPct val="100000"/>
+              </a:lnSpc>
+              <a:spcBef>
+                <a:spcPct val="0"/>
+              </a:spcBef>
+              <a:spcAft>
+                <a:spcPct val="0"/>
+              </a:spcAft>
+              <a:buClrTx/>
+              <a:buSzTx/>
+              <a:tabLst/>
+            </a:pPr>
+            <a:r>
+              <a:rPr kumimoji="0" lang="ko-KR" altLang="ko-KR" sz="1200" b="0" i="0" u="none" strike="noStrike" cap="none" normalizeH="0" baseline="0" dirty="0">
+                <a:ln>
+                  <a:noFill/>
+                </a:ln>
+                <a:solidFill>
+                  <a:srgbClr val="000000"/>
+                </a:solidFill>
+                <a:effectLst/>
+                <a:latin typeface="Lucida Console" panose="020B0609040504020204" pitchFamily="49" charset="0"/>
+              </a:rPr>
+              <a:t>sigma^2 </a:t>
+            </a:r>
+            <a:r>
+              <a:rPr kumimoji="0" lang="ko-KR" altLang="ko-KR" sz="1200" b="0" i="0" u="none" strike="noStrike" cap="none" normalizeH="0" baseline="0" dirty="0" err="1">
+                <a:ln>
+                  <a:noFill/>
+                </a:ln>
+                <a:solidFill>
+                  <a:srgbClr val="000000"/>
+                </a:solidFill>
+                <a:effectLst/>
+                <a:latin typeface="Lucida Console" panose="020B0609040504020204" pitchFamily="49" charset="0"/>
+              </a:rPr>
+              <a:t>estimated</a:t>
+            </a:r>
+            <a:r>
+              <a:rPr kumimoji="0" lang="ko-KR" altLang="ko-KR" sz="1200" b="0" i="0" u="none" strike="noStrike" cap="none" normalizeH="0" baseline="0" dirty="0">
+                <a:ln>
+                  <a:noFill/>
+                </a:ln>
+                <a:solidFill>
+                  <a:srgbClr val="000000"/>
+                </a:solidFill>
+                <a:effectLst/>
+                <a:latin typeface="Lucida Console" panose="020B0609040504020204" pitchFamily="49" charset="0"/>
+              </a:rPr>
+              <a:t> </a:t>
+            </a:r>
+            <a:r>
+              <a:rPr kumimoji="0" lang="ko-KR" altLang="ko-KR" sz="1200" b="0" i="0" u="none" strike="noStrike" cap="none" normalizeH="0" baseline="0" dirty="0" err="1">
+                <a:ln>
+                  <a:noFill/>
+                </a:ln>
+                <a:solidFill>
+                  <a:srgbClr val="000000"/>
+                </a:solidFill>
+                <a:effectLst/>
+                <a:latin typeface="Lucida Console" panose="020B0609040504020204" pitchFamily="49" charset="0"/>
+              </a:rPr>
+              <a:t>as</a:t>
+            </a:r>
+            <a:r>
+              <a:rPr kumimoji="0" lang="ko-KR" altLang="ko-KR" sz="1200" b="0" i="0" u="none" strike="noStrike" cap="none" normalizeH="0" baseline="0" dirty="0">
+                <a:ln>
+                  <a:noFill/>
+                </a:ln>
+                <a:solidFill>
+                  <a:srgbClr val="000000"/>
+                </a:solidFill>
+                <a:effectLst/>
+                <a:latin typeface="Lucida Console" panose="020B0609040504020204" pitchFamily="49" charset="0"/>
+              </a:rPr>
+              <a:t> 3.11e+08: </a:t>
+            </a:r>
+            <a:endParaRPr kumimoji="0" lang="en-US" altLang="ko-KR" sz="1200" b="0" i="0" u="none" strike="noStrike" cap="none" normalizeH="0" baseline="0" dirty="0">
+              <a:ln>
+                <a:noFill/>
+              </a:ln>
+              <a:solidFill>
+                <a:srgbClr val="000000"/>
+              </a:solidFill>
+              <a:effectLst/>
+              <a:latin typeface="Lucida Console" panose="020B0609040504020204" pitchFamily="49" charset="0"/>
+            </a:endParaRPr>
+          </a:p>
+          <a:p>
+            <a:pPr marR="0" lvl="0" algn="l" defTabSz="914400" rtl="0" eaLnBrk="0" fontAlgn="base" latinLnBrk="0" hangingPunct="0">
+              <a:lnSpc>
+                <a:spcPct val="100000"/>
+              </a:lnSpc>
+              <a:spcBef>
+                <a:spcPct val="0"/>
+              </a:spcBef>
+              <a:spcAft>
+                <a:spcPct val="0"/>
+              </a:spcAft>
+              <a:buClrTx/>
+              <a:buSzTx/>
+              <a:tabLst/>
+            </a:pPr>
+            <a:r>
+              <a:rPr kumimoji="0" lang="ko-KR" altLang="ko-KR" sz="1200" b="0" i="0" u="none" strike="noStrike" cap="none" normalizeH="0" baseline="0" dirty="0" err="1">
+                <a:ln>
+                  <a:noFill/>
+                </a:ln>
+                <a:solidFill>
+                  <a:srgbClr val="000000"/>
+                </a:solidFill>
+                <a:effectLst/>
+                <a:latin typeface="Lucida Console" panose="020B0609040504020204" pitchFamily="49" charset="0"/>
+              </a:rPr>
+              <a:t>log</a:t>
+            </a:r>
+            <a:r>
+              <a:rPr kumimoji="0" lang="ko-KR" altLang="ko-KR" sz="1200" b="0" i="0" u="none" strike="noStrike" cap="none" normalizeH="0" baseline="0" dirty="0">
+                <a:ln>
+                  <a:noFill/>
+                </a:ln>
+                <a:solidFill>
+                  <a:srgbClr val="000000"/>
+                </a:solidFill>
+                <a:effectLst/>
+                <a:latin typeface="Lucida Console" panose="020B0609040504020204" pitchFamily="49" charset="0"/>
+              </a:rPr>
+              <a:t> </a:t>
+            </a:r>
+            <a:r>
+              <a:rPr kumimoji="0" lang="ko-KR" altLang="ko-KR" sz="1200" b="0" i="0" u="none" strike="noStrike" cap="none" normalizeH="0" baseline="0" dirty="0" err="1">
+                <a:ln>
+                  <a:noFill/>
+                </a:ln>
+                <a:solidFill>
+                  <a:srgbClr val="000000"/>
+                </a:solidFill>
+                <a:effectLst/>
+                <a:latin typeface="Lucida Console" panose="020B0609040504020204" pitchFamily="49" charset="0"/>
+              </a:rPr>
+              <a:t>likelihood</a:t>
+            </a:r>
+            <a:r>
+              <a:rPr kumimoji="0" lang="ko-KR" altLang="ko-KR" sz="1200" b="0" i="0" u="none" strike="noStrike" cap="none" normalizeH="0" baseline="0" dirty="0">
+                <a:ln>
+                  <a:noFill/>
+                </a:ln>
+                <a:solidFill>
+                  <a:srgbClr val="000000"/>
+                </a:solidFill>
+                <a:effectLst/>
+                <a:latin typeface="Lucida Console" panose="020B0609040504020204" pitchFamily="49" charset="0"/>
+              </a:rPr>
+              <a:t>=-972.16 AIC=1956.31 </a:t>
+            </a:r>
+            <a:r>
+              <a:rPr kumimoji="0" lang="ko-KR" altLang="ko-KR" sz="1200" b="0" i="0" u="none" strike="noStrike" cap="none" normalizeH="0" baseline="0" dirty="0" err="1">
+                <a:ln>
+                  <a:noFill/>
+                </a:ln>
+                <a:solidFill>
+                  <a:srgbClr val="000000"/>
+                </a:solidFill>
+                <a:effectLst/>
+                <a:latin typeface="Lucida Console" panose="020B0609040504020204" pitchFamily="49" charset="0"/>
+              </a:rPr>
+              <a:t>AICc</a:t>
+            </a:r>
+            <a:r>
+              <a:rPr kumimoji="0" lang="ko-KR" altLang="ko-KR" sz="1200" b="0" i="0" u="none" strike="noStrike" cap="none" normalizeH="0" baseline="0" dirty="0">
+                <a:ln>
+                  <a:noFill/>
+                </a:ln>
+                <a:solidFill>
+                  <a:srgbClr val="000000"/>
+                </a:solidFill>
+                <a:effectLst/>
+                <a:latin typeface="Lucida Console" panose="020B0609040504020204" pitchFamily="49" charset="0"/>
+              </a:rPr>
+              <a:t>=1957.36 BIC=1971.11</a:t>
+            </a:r>
+            <a:endParaRPr kumimoji="0" lang="ko-KR" altLang="ko-KR" sz="1800" b="0" i="0" u="none" strike="noStrike" cap="none" normalizeH="0" baseline="0" dirty="0">
+              <a:ln>
+                <a:noFill/>
+              </a:ln>
+              <a:solidFill>
+                <a:schemeClr val="tx1"/>
+              </a:solidFill>
+              <a:effectLst/>
+              <a:latin typeface="Arial" panose="020B0604020202020204" pitchFamily="34" charset="0"/>
+            </a:endParaRPr>
+          </a:p>
+        </p:txBody>
+      </p:sp>
+      <p:sp>
+        <p:nvSpPr>
+          <p:cNvPr id="3" name="Rectangle 2">
+            <a:extLst>
+              <a:ext uri="{FF2B5EF4-FFF2-40B4-BE49-F238E27FC236}">
+                <a16:creationId xmlns:a16="http://schemas.microsoft.com/office/drawing/2014/main" id="{14B35CDA-8A67-4266-ACC1-9D3CB1279E4E}"/>
+              </a:ext>
+            </a:extLst>
+          </p:cNvPr>
+          <p:cNvSpPr>
+            <a:spLocks noChangeArrowheads="1"/>
+          </p:cNvSpPr>
+          <p:nvPr/>
+        </p:nvSpPr>
+        <p:spPr bwMode="auto">
+          <a:xfrm>
+            <a:off x="0" y="2300585"/>
+            <a:ext cx="9842438" cy="923330"/>
+          </a:xfrm>
+          <a:prstGeom prst="rect">
+            <a:avLst/>
+          </a:prstGeom>
+          <a:solidFill>
+            <a:srgbClr val="FFFFFF"/>
+          </a:solidFill>
+          <a:ln>
+            <a:noFill/>
+          </a:ln>
+          <a:effectLst/>
+          <a:extLst>
+            <a:ext uri="{91240B29-F687-4F45-9708-019B960494DF}">
+              <a14:hiddenLine xmlns:a14="http://schemas.microsoft.com/office/drawing/2010/main" w="9525">
+                <a:solidFill>
+                  <a:schemeClr val="tx1"/>
+                </a:solidFill>
+                <a:miter lim="800000"/>
+                <a:headEnd/>
+                <a:tailEnd/>
+              </a14:hiddenLine>
+            </a:ext>
+            <a:ext uri="{AF507438-7753-43E0-B8FC-AC1667EBCBE1}">
+              <a14:hiddenEffects xmlns:a14="http://schemas.microsoft.com/office/drawing/2010/main">
+                <a:effectLst>
+                  <a:outerShdw dist="35921" dir="2700000" algn="ctr" rotWithShape="0">
+                    <a:schemeClr val="bg2"/>
+                  </a:outerShdw>
+                </a:effectLst>
+              </a14:hiddenEffects>
+            </a:ext>
+          </a:extLst>
+        </p:spPr>
+        <p:txBody>
+          <a:bodyPr vert="horz" wrap="none" lIns="0" tIns="0" rIns="0" bIns="0" numCol="1" anchor="ctr" anchorCtr="0" compatLnSpc="1">
+            <a:prstTxWarp prst="textNoShape">
+              <a:avLst/>
+            </a:prstTxWarp>
+            <a:spAutoFit/>
+          </a:bodyPr>
+          <a:lstStyle/>
+          <a:p>
+            <a:pPr marL="171450" marR="0" lvl="0" indent="-171450" algn="l" defTabSz="914400" rtl="0" eaLnBrk="0" fontAlgn="base" latinLnBrk="0" hangingPunct="0">
+              <a:lnSpc>
+                <a:spcPct val="100000"/>
+              </a:lnSpc>
+              <a:spcBef>
+                <a:spcPct val="0"/>
+              </a:spcBef>
+              <a:spcAft>
+                <a:spcPct val="0"/>
+              </a:spcAft>
+              <a:buClrTx/>
+              <a:buSzTx/>
+              <a:buFont typeface="Wingdings" panose="05000000000000000000" pitchFamily="2" charset="2"/>
+              <a:buChar char="Ø"/>
+              <a:tabLst/>
+            </a:pPr>
+            <a:r>
+              <a:rPr kumimoji="0" lang="ko-KR" altLang="ko-KR" sz="1200" b="0" i="0" u="none" strike="noStrike" cap="none" normalizeH="0" baseline="0" dirty="0" err="1">
+                <a:ln>
+                  <a:noFill/>
+                </a:ln>
+                <a:solidFill>
+                  <a:srgbClr val="0000FF"/>
+                </a:solidFill>
+                <a:effectLst/>
+                <a:latin typeface="Lucida Console" panose="020B0609040504020204" pitchFamily="49" charset="0"/>
+              </a:rPr>
+              <a:t>auto.arima</a:t>
+            </a:r>
+            <a:r>
+              <a:rPr kumimoji="0" lang="ko-KR" altLang="ko-KR" sz="1200" b="0" i="0" u="none" strike="noStrike" cap="none" normalizeH="0" baseline="0" dirty="0">
+                <a:ln>
+                  <a:noFill/>
+                </a:ln>
+                <a:solidFill>
+                  <a:srgbClr val="0000FF"/>
+                </a:solidFill>
+                <a:effectLst/>
+                <a:latin typeface="Lucida Console" panose="020B0609040504020204" pitchFamily="49" charset="0"/>
+              </a:rPr>
+              <a:t>(ts_kt4,seasonal = </a:t>
+            </a:r>
+            <a:r>
+              <a:rPr kumimoji="0" lang="ko-KR" altLang="ko-KR" sz="1200" b="0" i="0" u="none" strike="noStrike" cap="none" normalizeH="0" baseline="0" dirty="0" err="1">
+                <a:ln>
+                  <a:noFill/>
+                </a:ln>
+                <a:solidFill>
+                  <a:srgbClr val="0000FF"/>
+                </a:solidFill>
+                <a:effectLst/>
+                <a:latin typeface="Lucida Console" panose="020B0609040504020204" pitchFamily="49" charset="0"/>
+              </a:rPr>
+              <a:t>F</a:t>
+            </a:r>
+            <a:r>
+              <a:rPr kumimoji="0" lang="ko-KR" altLang="ko-KR" sz="1200" b="0" i="0" u="none" strike="noStrike" cap="none" normalizeH="0" baseline="0" dirty="0">
+                <a:ln>
+                  <a:noFill/>
+                </a:ln>
+                <a:solidFill>
+                  <a:srgbClr val="0000FF"/>
+                </a:solidFill>
+                <a:effectLst/>
+                <a:latin typeface="Lucida Console" panose="020B0609040504020204" pitchFamily="49" charset="0"/>
+              </a:rPr>
+              <a:t>, </a:t>
+            </a:r>
+            <a:r>
+              <a:rPr kumimoji="0" lang="ko-KR" altLang="ko-KR" sz="1200" b="0" i="0" u="none" strike="noStrike" cap="none" normalizeH="0" baseline="0" dirty="0" err="1">
+                <a:ln>
+                  <a:noFill/>
+                </a:ln>
+                <a:solidFill>
+                  <a:srgbClr val="0000FF"/>
+                </a:solidFill>
+                <a:effectLst/>
+                <a:latin typeface="Lucida Console" panose="020B0609040504020204" pitchFamily="49" charset="0"/>
+              </a:rPr>
+              <a:t>stepwise</a:t>
+            </a:r>
+            <a:r>
+              <a:rPr kumimoji="0" lang="ko-KR" altLang="ko-KR" sz="1200" b="0" i="0" u="none" strike="noStrike" cap="none" normalizeH="0" baseline="0" dirty="0">
+                <a:ln>
+                  <a:noFill/>
+                </a:ln>
+                <a:solidFill>
+                  <a:srgbClr val="0000FF"/>
+                </a:solidFill>
+                <a:effectLst/>
+                <a:latin typeface="Lucida Console" panose="020B0609040504020204" pitchFamily="49" charset="0"/>
+              </a:rPr>
+              <a:t>=</a:t>
+            </a:r>
+            <a:r>
+              <a:rPr kumimoji="0" lang="ko-KR" altLang="ko-KR" sz="1200" b="0" i="0" u="none" strike="noStrike" cap="none" normalizeH="0" baseline="0" dirty="0" err="1">
+                <a:ln>
+                  <a:noFill/>
+                </a:ln>
+                <a:solidFill>
+                  <a:srgbClr val="0000FF"/>
+                </a:solidFill>
+                <a:effectLst/>
+                <a:latin typeface="Lucida Console" panose="020B0609040504020204" pitchFamily="49" charset="0"/>
+              </a:rPr>
+              <a:t>F</a:t>
+            </a:r>
+            <a:r>
+              <a:rPr kumimoji="0" lang="ko-KR" altLang="ko-KR" sz="1200" b="0" i="0" u="none" strike="noStrike" cap="none" normalizeH="0" baseline="0" dirty="0">
+                <a:ln>
+                  <a:noFill/>
+                </a:ln>
+                <a:solidFill>
+                  <a:srgbClr val="0000FF"/>
+                </a:solidFill>
+                <a:effectLst/>
+                <a:latin typeface="Lucida Console" panose="020B0609040504020204" pitchFamily="49" charset="0"/>
+              </a:rPr>
+              <a:t>, </a:t>
+            </a:r>
+            <a:r>
+              <a:rPr kumimoji="0" lang="ko-KR" altLang="ko-KR" sz="1200" b="0" i="0" u="none" strike="noStrike" cap="none" normalizeH="0" baseline="0" dirty="0" err="1">
+                <a:ln>
+                  <a:noFill/>
+                </a:ln>
+                <a:solidFill>
+                  <a:srgbClr val="0000FF"/>
+                </a:solidFill>
+                <a:effectLst/>
+                <a:latin typeface="Lucida Console" panose="020B0609040504020204" pitchFamily="49" charset="0"/>
+              </a:rPr>
+              <a:t>approximation</a:t>
+            </a:r>
+            <a:r>
+              <a:rPr kumimoji="0" lang="ko-KR" altLang="ko-KR" sz="1200" b="0" i="0" u="none" strike="noStrike" cap="none" normalizeH="0" baseline="0" dirty="0">
+                <a:ln>
+                  <a:noFill/>
+                </a:ln>
+                <a:solidFill>
+                  <a:srgbClr val="0000FF"/>
+                </a:solidFill>
+                <a:effectLst/>
+                <a:latin typeface="Lucida Console" panose="020B0609040504020204" pitchFamily="49" charset="0"/>
+              </a:rPr>
+              <a:t> = </a:t>
+            </a:r>
+            <a:r>
+              <a:rPr kumimoji="0" lang="ko-KR" altLang="ko-KR" sz="1200" b="0" i="0" u="none" strike="noStrike" cap="none" normalizeH="0" baseline="0" dirty="0" err="1">
+                <a:ln>
+                  <a:noFill/>
+                </a:ln>
+                <a:solidFill>
+                  <a:srgbClr val="0000FF"/>
+                </a:solidFill>
+                <a:effectLst/>
+                <a:latin typeface="Lucida Console" panose="020B0609040504020204" pitchFamily="49" charset="0"/>
+              </a:rPr>
+              <a:t>F</a:t>
+            </a:r>
+            <a:r>
+              <a:rPr kumimoji="0" lang="ko-KR" altLang="ko-KR" sz="1200" b="0" i="0" u="none" strike="noStrike" cap="none" normalizeH="0" baseline="0" dirty="0">
+                <a:ln>
+                  <a:noFill/>
+                </a:ln>
+                <a:solidFill>
+                  <a:srgbClr val="0000FF"/>
+                </a:solidFill>
+                <a:effectLst/>
+                <a:latin typeface="Lucida Console" panose="020B0609040504020204" pitchFamily="49" charset="0"/>
+              </a:rPr>
+              <a:t>)</a:t>
+            </a:r>
+            <a:endParaRPr kumimoji="0" lang="en-US" altLang="ko-KR" sz="1200" b="0" i="0" u="none" strike="noStrike" cap="none" normalizeH="0" baseline="0" dirty="0">
+              <a:ln>
+                <a:noFill/>
+              </a:ln>
+              <a:solidFill>
+                <a:srgbClr val="0000FF"/>
+              </a:solidFill>
+              <a:effectLst/>
+              <a:latin typeface="Lucida Console" panose="020B0609040504020204" pitchFamily="49" charset="0"/>
+            </a:endParaRPr>
+          </a:p>
+          <a:p>
+            <a:pPr marL="171450" marR="0" lvl="0" indent="-171450" algn="l" defTabSz="914400" rtl="0" eaLnBrk="0" fontAlgn="base" latinLnBrk="0" hangingPunct="0">
+              <a:lnSpc>
+                <a:spcPct val="100000"/>
+              </a:lnSpc>
+              <a:spcBef>
+                <a:spcPct val="0"/>
+              </a:spcBef>
+              <a:spcAft>
+                <a:spcPct val="0"/>
+              </a:spcAft>
+              <a:buClrTx/>
+              <a:buSzTx/>
+              <a:buFont typeface="Wingdings" panose="05000000000000000000" pitchFamily="2" charset="2"/>
+              <a:buChar char="Ø"/>
+              <a:tabLst/>
+            </a:pPr>
+            <a:r>
+              <a:rPr kumimoji="0" lang="ko-KR" altLang="ko-KR" sz="1200" b="0" i="0" u="none" strike="noStrike" cap="none" normalizeH="0" baseline="0" dirty="0" err="1">
+                <a:ln>
+                  <a:noFill/>
+                </a:ln>
+                <a:solidFill>
+                  <a:srgbClr val="000000"/>
+                </a:solidFill>
+                <a:effectLst/>
+                <a:latin typeface="Lucida Console" panose="020B0609040504020204" pitchFamily="49" charset="0"/>
+              </a:rPr>
+              <a:t>Series</a:t>
+            </a:r>
+            <a:r>
+              <a:rPr kumimoji="0" lang="ko-KR" altLang="ko-KR" sz="1200" b="0" i="0" u="none" strike="noStrike" cap="none" normalizeH="0" baseline="0" dirty="0">
+                <a:ln>
+                  <a:noFill/>
+                </a:ln>
+                <a:solidFill>
+                  <a:srgbClr val="000000"/>
+                </a:solidFill>
+                <a:effectLst/>
+                <a:latin typeface="Lucida Console" panose="020B0609040504020204" pitchFamily="49" charset="0"/>
+              </a:rPr>
+              <a:t>: ts_kt4 ARIMA(0,2,1) </a:t>
+            </a:r>
+            <a:endParaRPr kumimoji="0" lang="en-US" altLang="ko-KR" sz="1200" b="0" i="0" u="none" strike="noStrike" cap="none" normalizeH="0" baseline="0" dirty="0">
+              <a:ln>
+                <a:noFill/>
+              </a:ln>
+              <a:solidFill>
+                <a:srgbClr val="000000"/>
+              </a:solidFill>
+              <a:effectLst/>
+              <a:latin typeface="Lucida Console" panose="020B0609040504020204" pitchFamily="49" charset="0"/>
+            </a:endParaRPr>
+          </a:p>
+          <a:p>
+            <a:pPr marL="171450" marR="0" lvl="0" indent="-171450" algn="l" defTabSz="914400" rtl="0" eaLnBrk="0" fontAlgn="base" latinLnBrk="0" hangingPunct="0">
+              <a:lnSpc>
+                <a:spcPct val="100000"/>
+              </a:lnSpc>
+              <a:spcBef>
+                <a:spcPct val="0"/>
+              </a:spcBef>
+              <a:spcAft>
+                <a:spcPct val="0"/>
+              </a:spcAft>
+              <a:buClrTx/>
+              <a:buSzTx/>
+              <a:buFont typeface="Wingdings" panose="05000000000000000000" pitchFamily="2" charset="2"/>
+              <a:buChar char="Ø"/>
+              <a:tabLst/>
+            </a:pPr>
+            <a:r>
+              <a:rPr kumimoji="0" lang="ko-KR" altLang="ko-KR" sz="1200" b="0" i="0" u="none" strike="noStrike" cap="none" normalizeH="0" baseline="0" dirty="0" err="1">
+                <a:ln>
+                  <a:noFill/>
+                </a:ln>
+                <a:solidFill>
+                  <a:srgbClr val="000000"/>
+                </a:solidFill>
+                <a:effectLst/>
+                <a:latin typeface="Lucida Console" panose="020B0609040504020204" pitchFamily="49" charset="0"/>
+              </a:rPr>
+              <a:t>Coefficients</a:t>
+            </a:r>
+            <a:r>
+              <a:rPr kumimoji="0" lang="ko-KR" altLang="ko-KR" sz="1200" b="0" i="0" u="none" strike="noStrike" cap="none" normalizeH="0" baseline="0" dirty="0">
+                <a:ln>
+                  <a:noFill/>
+                </a:ln>
+                <a:solidFill>
+                  <a:srgbClr val="000000"/>
+                </a:solidFill>
+                <a:effectLst/>
+                <a:latin typeface="Lucida Console" panose="020B0609040504020204" pitchFamily="49" charset="0"/>
+              </a:rPr>
+              <a:t>: </a:t>
+            </a:r>
+            <a:endParaRPr kumimoji="0" lang="en-US" altLang="ko-KR" sz="1200" b="0" i="0" u="none" strike="noStrike" cap="none" normalizeH="0" baseline="0" dirty="0">
+              <a:ln>
+                <a:noFill/>
+              </a:ln>
+              <a:solidFill>
+                <a:srgbClr val="000000"/>
+              </a:solidFill>
+              <a:effectLst/>
+              <a:latin typeface="Lucida Console" panose="020B0609040504020204" pitchFamily="49" charset="0"/>
+            </a:endParaRPr>
+          </a:p>
+          <a:p>
+            <a:pPr marL="171450" marR="0" lvl="0" indent="-171450" algn="l" defTabSz="914400" rtl="0" eaLnBrk="0" fontAlgn="base" latinLnBrk="0" hangingPunct="0">
+              <a:lnSpc>
+                <a:spcPct val="100000"/>
+              </a:lnSpc>
+              <a:spcBef>
+                <a:spcPct val="0"/>
+              </a:spcBef>
+              <a:spcAft>
+                <a:spcPct val="0"/>
+              </a:spcAft>
+              <a:buClrTx/>
+              <a:buSzTx/>
+              <a:buFont typeface="Wingdings" panose="05000000000000000000" pitchFamily="2" charset="2"/>
+              <a:buChar char="Ø"/>
+              <a:tabLst/>
+            </a:pPr>
+            <a:r>
+              <a:rPr kumimoji="0" lang="ko-KR" altLang="ko-KR" sz="1200" b="0" i="0" u="none" strike="noStrike" cap="none" normalizeH="0" baseline="0" dirty="0">
+                <a:ln>
+                  <a:noFill/>
+                </a:ln>
+                <a:solidFill>
+                  <a:srgbClr val="000000"/>
+                </a:solidFill>
+                <a:effectLst/>
+                <a:latin typeface="Lucida Console" panose="020B0609040504020204" pitchFamily="49" charset="0"/>
+              </a:rPr>
+              <a:t>ma1 -0.7087 </a:t>
+            </a:r>
+            <a:endParaRPr kumimoji="0" lang="en-US" altLang="ko-KR" sz="1200" b="0" i="0" u="none" strike="noStrike" cap="none" normalizeH="0" baseline="0" dirty="0">
+              <a:ln>
+                <a:noFill/>
+              </a:ln>
+              <a:solidFill>
+                <a:srgbClr val="000000"/>
+              </a:solidFill>
+              <a:effectLst/>
+              <a:latin typeface="Lucida Console" panose="020B0609040504020204" pitchFamily="49" charset="0"/>
+            </a:endParaRPr>
+          </a:p>
+          <a:p>
+            <a:pPr marL="171450" marR="0" lvl="0" indent="-171450" algn="l" defTabSz="914400" rtl="0" eaLnBrk="0" fontAlgn="base" latinLnBrk="0" hangingPunct="0">
+              <a:lnSpc>
+                <a:spcPct val="100000"/>
+              </a:lnSpc>
+              <a:spcBef>
+                <a:spcPct val="0"/>
+              </a:spcBef>
+              <a:spcAft>
+                <a:spcPct val="0"/>
+              </a:spcAft>
+              <a:buClrTx/>
+              <a:buSzTx/>
+              <a:buFont typeface="Wingdings" panose="05000000000000000000" pitchFamily="2" charset="2"/>
+              <a:buChar char="Ø"/>
+              <a:tabLst/>
+            </a:pPr>
+            <a:r>
+              <a:rPr kumimoji="0" lang="ko-KR" altLang="ko-KR" sz="1200" b="0" i="0" u="none" strike="noStrike" cap="none" normalizeH="0" baseline="0" dirty="0" err="1">
+                <a:ln>
+                  <a:noFill/>
+                </a:ln>
+                <a:solidFill>
+                  <a:srgbClr val="000000"/>
+                </a:solidFill>
+                <a:effectLst/>
+                <a:latin typeface="Lucida Console" panose="020B0609040504020204" pitchFamily="49" charset="0"/>
+              </a:rPr>
+              <a:t>s.e</a:t>
+            </a:r>
+            <a:r>
+              <a:rPr kumimoji="0" lang="ko-KR" altLang="ko-KR" sz="1200" b="0" i="0" u="none" strike="noStrike" cap="none" normalizeH="0" baseline="0" dirty="0">
+                <a:ln>
+                  <a:noFill/>
+                </a:ln>
+                <a:solidFill>
+                  <a:srgbClr val="000000"/>
+                </a:solidFill>
+                <a:effectLst/>
+                <a:latin typeface="Lucida Console" panose="020B0609040504020204" pitchFamily="49" charset="0"/>
+              </a:rPr>
+              <a:t>. 0.0758 sigma^2 </a:t>
+            </a:r>
+            <a:r>
+              <a:rPr kumimoji="0" lang="ko-KR" altLang="ko-KR" sz="1200" b="0" i="0" u="none" strike="noStrike" cap="none" normalizeH="0" baseline="0" dirty="0" err="1">
+                <a:ln>
+                  <a:noFill/>
+                </a:ln>
+                <a:solidFill>
+                  <a:srgbClr val="000000"/>
+                </a:solidFill>
+                <a:effectLst/>
+                <a:latin typeface="Lucida Console" panose="020B0609040504020204" pitchFamily="49" charset="0"/>
+              </a:rPr>
+              <a:t>estimated</a:t>
+            </a:r>
+            <a:r>
+              <a:rPr kumimoji="0" lang="ko-KR" altLang="ko-KR" sz="1200" b="0" i="0" u="none" strike="noStrike" cap="none" normalizeH="0" baseline="0" dirty="0">
+                <a:ln>
+                  <a:noFill/>
+                </a:ln>
+                <a:solidFill>
+                  <a:srgbClr val="000000"/>
+                </a:solidFill>
+                <a:effectLst/>
+                <a:latin typeface="Lucida Console" panose="020B0609040504020204" pitchFamily="49" charset="0"/>
+              </a:rPr>
+              <a:t> </a:t>
+            </a:r>
+            <a:r>
+              <a:rPr kumimoji="0" lang="ko-KR" altLang="ko-KR" sz="1200" b="0" i="0" u="none" strike="noStrike" cap="none" normalizeH="0" baseline="0" dirty="0" err="1">
+                <a:ln>
+                  <a:noFill/>
+                </a:ln>
+                <a:solidFill>
+                  <a:srgbClr val="000000"/>
+                </a:solidFill>
+                <a:effectLst/>
+                <a:latin typeface="Lucida Console" panose="020B0609040504020204" pitchFamily="49" charset="0"/>
+              </a:rPr>
+              <a:t>as</a:t>
+            </a:r>
+            <a:r>
+              <a:rPr kumimoji="0" lang="ko-KR" altLang="ko-KR" sz="1200" b="0" i="0" u="none" strike="noStrike" cap="none" normalizeH="0" baseline="0" dirty="0">
+                <a:ln>
+                  <a:noFill/>
+                </a:ln>
+                <a:solidFill>
+                  <a:srgbClr val="000000"/>
+                </a:solidFill>
+                <a:effectLst/>
+                <a:latin typeface="Lucida Console" panose="020B0609040504020204" pitchFamily="49" charset="0"/>
+              </a:rPr>
+              <a:t> 5.714e+09: </a:t>
+            </a:r>
+            <a:r>
+              <a:rPr kumimoji="0" lang="ko-KR" altLang="ko-KR" sz="1200" b="0" i="0" u="none" strike="noStrike" cap="none" normalizeH="0" baseline="0" dirty="0" err="1">
+                <a:ln>
+                  <a:noFill/>
+                </a:ln>
+                <a:solidFill>
+                  <a:srgbClr val="000000"/>
+                </a:solidFill>
+                <a:effectLst/>
+                <a:latin typeface="Lucida Console" panose="020B0609040504020204" pitchFamily="49" charset="0"/>
+              </a:rPr>
+              <a:t>log</a:t>
+            </a:r>
+            <a:r>
+              <a:rPr kumimoji="0" lang="ko-KR" altLang="ko-KR" sz="1200" b="0" i="0" u="none" strike="noStrike" cap="none" normalizeH="0" baseline="0" dirty="0">
+                <a:ln>
+                  <a:noFill/>
+                </a:ln>
+                <a:solidFill>
+                  <a:srgbClr val="000000"/>
+                </a:solidFill>
+                <a:effectLst/>
+                <a:latin typeface="Lucida Console" panose="020B0609040504020204" pitchFamily="49" charset="0"/>
+              </a:rPr>
+              <a:t> </a:t>
+            </a:r>
+            <a:r>
+              <a:rPr kumimoji="0" lang="ko-KR" altLang="ko-KR" sz="1200" b="0" i="0" u="none" strike="noStrike" cap="none" normalizeH="0" baseline="0" dirty="0" err="1">
+                <a:ln>
+                  <a:noFill/>
+                </a:ln>
+                <a:solidFill>
+                  <a:srgbClr val="000000"/>
+                </a:solidFill>
+                <a:effectLst/>
+                <a:latin typeface="Lucida Console" panose="020B0609040504020204" pitchFamily="49" charset="0"/>
+              </a:rPr>
+              <a:t>likelihood</a:t>
+            </a:r>
+            <a:r>
+              <a:rPr kumimoji="0" lang="ko-KR" altLang="ko-KR" sz="1200" b="0" i="0" u="none" strike="noStrike" cap="none" normalizeH="0" baseline="0" dirty="0">
+                <a:ln>
+                  <a:noFill/>
+                </a:ln>
+                <a:solidFill>
+                  <a:srgbClr val="000000"/>
+                </a:solidFill>
+                <a:effectLst/>
+                <a:latin typeface="Lucida Console" panose="020B0609040504020204" pitchFamily="49" charset="0"/>
+              </a:rPr>
+              <a:t>=-1100.57 AIC=2205.13 </a:t>
+            </a:r>
+            <a:r>
+              <a:rPr kumimoji="0" lang="ko-KR" altLang="ko-KR" sz="1200" b="0" i="0" u="none" strike="noStrike" cap="none" normalizeH="0" baseline="0" dirty="0" err="1">
+                <a:ln>
+                  <a:noFill/>
+                </a:ln>
+                <a:solidFill>
+                  <a:srgbClr val="000000"/>
+                </a:solidFill>
+                <a:effectLst/>
+                <a:latin typeface="Lucida Console" panose="020B0609040504020204" pitchFamily="49" charset="0"/>
+              </a:rPr>
+              <a:t>AICc</a:t>
+            </a:r>
+            <a:r>
+              <a:rPr kumimoji="0" lang="ko-KR" altLang="ko-KR" sz="1200" b="0" i="0" u="none" strike="noStrike" cap="none" normalizeH="0" baseline="0" dirty="0">
+                <a:ln>
+                  <a:noFill/>
+                </a:ln>
+                <a:solidFill>
+                  <a:srgbClr val="000000"/>
+                </a:solidFill>
+                <a:effectLst/>
+                <a:latin typeface="Lucida Console" panose="020B0609040504020204" pitchFamily="49" charset="0"/>
+              </a:rPr>
+              <a:t>=2205.28 BIC=2210.06</a:t>
+            </a:r>
+            <a:endParaRPr kumimoji="0" lang="ko-KR" altLang="ko-KR" sz="1800" b="0" i="0" u="none" strike="noStrike" cap="none" normalizeH="0" baseline="0" dirty="0">
+              <a:ln>
+                <a:noFill/>
+              </a:ln>
+              <a:solidFill>
+                <a:schemeClr val="tx1"/>
+              </a:solidFill>
+              <a:effectLst/>
+              <a:latin typeface="Arial" panose="020B0604020202020204" pitchFamily="34" charset="0"/>
+            </a:endParaRPr>
+          </a:p>
+        </p:txBody>
+      </p:sp>
     </p:spTree>
     <p:extLst>
       <p:ext uri="{BB962C8B-B14F-4D97-AF65-F5344CB8AC3E}">
@@ -3559,7 +6184,7 @@
 </p:sld>
 </file>
 
-<file path=ppt/slides/slide13.xml><?xml version="1.0" encoding="utf-8"?>
+<file path=ppt/slides/slide16.xml><?xml version="1.0" encoding="utf-8"?>
 <p:sld xmlns:a="http://schemas.openxmlformats.org/drawingml/2006/main" xmlns:r="http://schemas.openxmlformats.org/officeDocument/2006/relationships" xmlns:p="http://schemas.openxmlformats.org/presentationml/2006/main">
   <p:cSld>
     <p:spTree>
@@ -3785,7 +6410,7 @@
             </a:endParaRPr>
           </a:p>
           <a:p>
-            <a:pPr marL="171450" marR="0" lvl="0" indent="-171450" defTabSz="914400" rtl="0" eaLnBrk="0" fontAlgn="base" latinLnBrk="0" hangingPunct="0">
+            <a:pPr marR="0" lvl="0" defTabSz="914400" rtl="0" eaLnBrk="0" fontAlgn="base" latinLnBrk="0" hangingPunct="0">
               <a:lnSpc>
                 <a:spcPct val="100000"/>
               </a:lnSpc>
@@ -3797,8 +6422,6 @@
               </a:spcAft>
               <a:buClrTx/>
               <a:buSzTx/>
-              <a:buFont typeface="Wingdings" panose="05000000000000000000" pitchFamily="2" charset="2"/>
-              <a:buChar char="Ø"/>
               <a:tabLst/>
             </a:pPr>
             <a:r>
@@ -3839,7 +6462,7 @@
             </a:endParaRPr>
           </a:p>
           <a:p>
-            <a:pPr marL="171450" marR="0" lvl="0" indent="-171450" defTabSz="914400" rtl="0" eaLnBrk="0" fontAlgn="base" latinLnBrk="0" hangingPunct="0">
+            <a:pPr marR="0" lvl="0" defTabSz="914400" rtl="0" eaLnBrk="0" fontAlgn="base" latinLnBrk="0" hangingPunct="0">
               <a:lnSpc>
                 <a:spcPct val="100000"/>
               </a:lnSpc>
@@ -3851,8 +6474,6 @@
               </a:spcAft>
               <a:buClrTx/>
               <a:buSzTx/>
-              <a:buFont typeface="Wingdings" panose="05000000000000000000" pitchFamily="2" charset="2"/>
-              <a:buChar char="Ø"/>
               <a:tabLst/>
             </a:pPr>
             <a:r>
@@ -3997,7 +6618,7 @@
             </a:endParaRPr>
           </a:p>
           <a:p>
-            <a:pPr marL="171450" marR="0" lvl="0" indent="-171450" defTabSz="914400" rtl="0" eaLnBrk="0" fontAlgn="base" latinLnBrk="0" hangingPunct="0">
+            <a:pPr marR="0" lvl="0" defTabSz="914400" rtl="0" eaLnBrk="0" fontAlgn="base" latinLnBrk="0" hangingPunct="0">
               <a:lnSpc>
                 <a:spcPct val="100000"/>
               </a:lnSpc>
@@ -4009,8 +6630,6 @@
               </a:spcAft>
               <a:buClrTx/>
               <a:buSzTx/>
-              <a:buFont typeface="Wingdings" panose="05000000000000000000" pitchFamily="2" charset="2"/>
-              <a:buChar char="Ø"/>
               <a:tabLst/>
             </a:pPr>
             <a:r>
@@ -4283,7 +6902,369 @@
 </p:sld>
 </file>
 
-<file path=ppt/slides/slide14.xml><?xml version="1.0" encoding="utf-8"?>
+<file path=ppt/slides/slide17.xml><?xml version="1.0" encoding="utf-8"?>
+<p:sld xmlns:a="http://schemas.openxmlformats.org/drawingml/2006/main" xmlns:r="http://schemas.openxmlformats.org/officeDocument/2006/relationships" xmlns:p="http://schemas.openxmlformats.org/presentationml/2006/main">
+  <p:cSld>
+    <p:spTree>
+      <p:nvGrpSpPr>
+        <p:cNvPr id="1" name=""/>
+        <p:cNvGrpSpPr/>
+        <p:nvPr/>
+      </p:nvGrpSpPr>
+      <p:grpSpPr>
+        <a:xfrm>
+          <a:off x="0" y="0"/>
+          <a:ext cx="0" cy="0"/>
+          <a:chOff x="0" y="0"/>
+          <a:chExt cx="0" cy="0"/>
+        </a:xfrm>
+      </p:grpSpPr>
+      <p:pic>
+        <p:nvPicPr>
+          <p:cNvPr id="6" name="그림 5">
+            <a:extLst>
+              <a:ext uri="{FF2B5EF4-FFF2-40B4-BE49-F238E27FC236}">
+                <a16:creationId xmlns:a16="http://schemas.microsoft.com/office/drawing/2014/main" id="{72EE3AFB-0D78-420A-88C5-C184C01247AF}"/>
+              </a:ext>
+            </a:extLst>
+          </p:cNvPr>
+          <p:cNvPicPr>
+            <a:picLocks noChangeAspect="1"/>
+          </p:cNvPicPr>
+          <p:nvPr/>
+        </p:nvPicPr>
+        <p:blipFill>
+          <a:blip r:embed="rId2">
+            <a:extLst>
+              <a:ext uri="{28A0092B-C50C-407E-A947-70E740481C1C}">
+                <a14:useLocalDpi xmlns:a14="http://schemas.microsoft.com/office/drawing/2010/main" val="0"/>
+              </a:ext>
+            </a:extLst>
+          </a:blip>
+          <a:stretch>
+            <a:fillRect/>
+          </a:stretch>
+        </p:blipFill>
+        <p:spPr>
+          <a:xfrm>
+            <a:off x="5325918" y="-1152"/>
+            <a:ext cx="6859152" cy="6859152"/>
+          </a:xfrm>
+          <a:prstGeom prst="rect">
+            <a:avLst/>
+          </a:prstGeom>
+        </p:spPr>
+      </p:pic>
+    </p:spTree>
+    <p:extLst>
+      <p:ext uri="{BB962C8B-B14F-4D97-AF65-F5344CB8AC3E}">
+        <p14:creationId xmlns:p14="http://schemas.microsoft.com/office/powerpoint/2010/main" val="213033174"/>
+      </p:ext>
+    </p:extLst>
+  </p:cSld>
+  <p:clrMapOvr>
+    <a:masterClrMapping/>
+  </p:clrMapOvr>
+</p:sld>
+</file>
+
+<file path=ppt/slides/slide18.xml><?xml version="1.0" encoding="utf-8"?>
+<p:sld xmlns:a="http://schemas.openxmlformats.org/drawingml/2006/main" xmlns:r="http://schemas.openxmlformats.org/officeDocument/2006/relationships" xmlns:p="http://schemas.openxmlformats.org/presentationml/2006/main">
+  <p:cSld>
+    <p:spTree>
+      <p:nvGrpSpPr>
+        <p:cNvPr id="1" name=""/>
+        <p:cNvGrpSpPr/>
+        <p:nvPr/>
+      </p:nvGrpSpPr>
+      <p:grpSpPr>
+        <a:xfrm>
+          <a:off x="0" y="0"/>
+          <a:ext cx="0" cy="0"/>
+          <a:chOff x="0" y="0"/>
+          <a:chExt cx="0" cy="0"/>
+        </a:xfrm>
+      </p:grpSpPr>
+      <p:pic>
+        <p:nvPicPr>
+          <p:cNvPr id="3" name="그림 2">
+            <a:extLst>
+              <a:ext uri="{FF2B5EF4-FFF2-40B4-BE49-F238E27FC236}">
+                <a16:creationId xmlns:a16="http://schemas.microsoft.com/office/drawing/2014/main" id="{FD71395A-BA51-4620-ABE3-310A15A50486}"/>
+              </a:ext>
+            </a:extLst>
+          </p:cNvPr>
+          <p:cNvPicPr>
+            <a:picLocks noChangeAspect="1"/>
+          </p:cNvPicPr>
+          <p:nvPr/>
+        </p:nvPicPr>
+        <p:blipFill>
+          <a:blip r:embed="rId2">
+            <a:extLst>
+              <a:ext uri="{28A0092B-C50C-407E-A947-70E740481C1C}">
+                <a14:useLocalDpi xmlns:a14="http://schemas.microsoft.com/office/drawing/2010/main" val="0"/>
+              </a:ext>
+            </a:extLst>
+          </a:blip>
+          <a:stretch>
+            <a:fillRect/>
+          </a:stretch>
+        </p:blipFill>
+        <p:spPr>
+          <a:xfrm>
+            <a:off x="24247" y="681173"/>
+            <a:ext cx="6172200" cy="6172200"/>
+          </a:xfrm>
+          <a:prstGeom prst="rect">
+            <a:avLst/>
+          </a:prstGeom>
+        </p:spPr>
+      </p:pic>
+      <p:pic>
+        <p:nvPicPr>
+          <p:cNvPr id="5" name="그림 4">
+            <a:extLst>
+              <a:ext uri="{FF2B5EF4-FFF2-40B4-BE49-F238E27FC236}">
+                <a16:creationId xmlns:a16="http://schemas.microsoft.com/office/drawing/2014/main" id="{8B79D7FF-3538-4FF5-BE03-06103D4BF8C5}"/>
+              </a:ext>
+            </a:extLst>
+          </p:cNvPr>
+          <p:cNvPicPr>
+            <a:picLocks noChangeAspect="1"/>
+          </p:cNvPicPr>
+          <p:nvPr/>
+        </p:nvPicPr>
+        <p:blipFill>
+          <a:blip r:embed="rId3">
+            <a:extLst>
+              <a:ext uri="{28A0092B-C50C-407E-A947-70E740481C1C}">
+                <a14:useLocalDpi xmlns:a14="http://schemas.microsoft.com/office/drawing/2010/main" val="0"/>
+              </a:ext>
+            </a:extLst>
+          </a:blip>
+          <a:stretch>
+            <a:fillRect/>
+          </a:stretch>
+        </p:blipFill>
+        <p:spPr>
+          <a:xfrm>
+            <a:off x="5992092" y="681173"/>
+            <a:ext cx="6172200" cy="6172200"/>
+          </a:xfrm>
+          <a:prstGeom prst="rect">
+            <a:avLst/>
+          </a:prstGeom>
+        </p:spPr>
+      </p:pic>
+      <p:sp>
+        <p:nvSpPr>
+          <p:cNvPr id="6" name="TextBox 5">
+            <a:extLst>
+              <a:ext uri="{FF2B5EF4-FFF2-40B4-BE49-F238E27FC236}">
+                <a16:creationId xmlns:a16="http://schemas.microsoft.com/office/drawing/2014/main" id="{B5E944EC-8BE4-4245-9480-5505C5F018F8}"/>
+              </a:ext>
+            </a:extLst>
+          </p:cNvPr>
+          <p:cNvSpPr txBox="1"/>
+          <p:nvPr/>
+        </p:nvSpPr>
+        <p:spPr>
+          <a:xfrm>
+            <a:off x="36947" y="381586"/>
+            <a:ext cx="2876941" cy="307777"/>
+          </a:xfrm>
+          <a:prstGeom prst="rect">
+            <a:avLst/>
+          </a:prstGeom>
+          <a:noFill/>
+        </p:spPr>
+        <p:txBody>
+          <a:bodyPr wrap="none" rtlCol="0">
+            <a:spAutoFit/>
+          </a:bodyPr>
+          <a:lstStyle/>
+          <a:p>
+            <a:r>
+              <a:rPr lang="en-US" altLang="ko-KR" sz="1400" b="1" dirty="0"/>
+              <a:t>※ </a:t>
+            </a:r>
+            <a:r>
+              <a:rPr lang="ko-KR" altLang="en-US" sz="1400" b="1" dirty="0"/>
+              <a:t>원본 데이터의 </a:t>
+            </a:r>
+            <a:r>
+              <a:rPr lang="en-US" altLang="ko-KR" sz="1400" b="1" dirty="0"/>
+              <a:t>ACF, PACF </a:t>
+            </a:r>
+            <a:r>
+              <a:rPr lang="ko-KR" altLang="en-US" sz="1400" b="1" dirty="0"/>
+              <a:t>확인</a:t>
+            </a:r>
+          </a:p>
+        </p:txBody>
+      </p:sp>
+    </p:spTree>
+    <p:extLst>
+      <p:ext uri="{BB962C8B-B14F-4D97-AF65-F5344CB8AC3E}">
+        <p14:creationId xmlns:p14="http://schemas.microsoft.com/office/powerpoint/2010/main" val="2374777974"/>
+      </p:ext>
+    </p:extLst>
+  </p:cSld>
+  <p:clrMapOvr>
+    <a:masterClrMapping/>
+  </p:clrMapOvr>
+</p:sld>
+</file>
+
+<file path=ppt/slides/slide19.xml><?xml version="1.0" encoding="utf-8"?>
+<p:sld xmlns:a="http://schemas.openxmlformats.org/drawingml/2006/main" xmlns:r="http://schemas.openxmlformats.org/officeDocument/2006/relationships" xmlns:p="http://schemas.openxmlformats.org/presentationml/2006/main">
+  <p:cSld>
+    <p:spTree>
+      <p:nvGrpSpPr>
+        <p:cNvPr id="1" name=""/>
+        <p:cNvGrpSpPr/>
+        <p:nvPr/>
+      </p:nvGrpSpPr>
+      <p:grpSpPr>
+        <a:xfrm>
+          <a:off x="0" y="0"/>
+          <a:ext cx="0" cy="0"/>
+          <a:chOff x="0" y="0"/>
+          <a:chExt cx="0" cy="0"/>
+        </a:xfrm>
+      </p:grpSpPr>
+      <p:pic>
+        <p:nvPicPr>
+          <p:cNvPr id="3" name="그림 2">
+            <a:extLst>
+              <a:ext uri="{FF2B5EF4-FFF2-40B4-BE49-F238E27FC236}">
+                <a16:creationId xmlns:a16="http://schemas.microsoft.com/office/drawing/2014/main" id="{3BC53879-28CE-42DB-85C8-DF0B87406486}"/>
+              </a:ext>
+            </a:extLst>
+          </p:cNvPr>
+          <p:cNvPicPr>
+            <a:picLocks noChangeAspect="1"/>
+          </p:cNvPicPr>
+          <p:nvPr/>
+        </p:nvPicPr>
+        <p:blipFill rotWithShape="1">
+          <a:blip r:embed="rId2">
+            <a:extLst>
+              <a:ext uri="{28A0092B-C50C-407E-A947-70E740481C1C}">
+                <a14:useLocalDpi xmlns:a14="http://schemas.microsoft.com/office/drawing/2010/main" val="0"/>
+              </a:ext>
+            </a:extLst>
+          </a:blip>
+          <a:srcRect t="3432"/>
+          <a:stretch/>
+        </p:blipFill>
+        <p:spPr>
+          <a:xfrm>
+            <a:off x="6095999" y="837042"/>
+            <a:ext cx="6016337" cy="5809900"/>
+          </a:xfrm>
+          <a:prstGeom prst="rect">
+            <a:avLst/>
+          </a:prstGeom>
+        </p:spPr>
+      </p:pic>
+      <p:pic>
+        <p:nvPicPr>
+          <p:cNvPr id="5" name="그림 4">
+            <a:extLst>
+              <a:ext uri="{FF2B5EF4-FFF2-40B4-BE49-F238E27FC236}">
+                <a16:creationId xmlns:a16="http://schemas.microsoft.com/office/drawing/2014/main" id="{561AC392-618E-47F9-9981-4E32523FA97C}"/>
+              </a:ext>
+            </a:extLst>
+          </p:cNvPr>
+          <p:cNvPicPr>
+            <a:picLocks noChangeAspect="1"/>
+          </p:cNvPicPr>
+          <p:nvPr/>
+        </p:nvPicPr>
+        <p:blipFill rotWithShape="1">
+          <a:blip r:embed="rId3">
+            <a:extLst>
+              <a:ext uri="{28A0092B-C50C-407E-A947-70E740481C1C}">
+                <a14:useLocalDpi xmlns:a14="http://schemas.microsoft.com/office/drawing/2010/main" val="0"/>
+              </a:ext>
+            </a:extLst>
+          </a:blip>
+          <a:srcRect t="3377"/>
+          <a:stretch/>
+        </p:blipFill>
+        <p:spPr>
+          <a:xfrm>
+            <a:off x="-1" y="837042"/>
+            <a:ext cx="6012967" cy="5809900"/>
+          </a:xfrm>
+          <a:prstGeom prst="rect">
+            <a:avLst/>
+          </a:prstGeom>
+        </p:spPr>
+      </p:pic>
+      <p:sp>
+        <p:nvSpPr>
+          <p:cNvPr id="6" name="TextBox 5">
+            <a:extLst>
+              <a:ext uri="{FF2B5EF4-FFF2-40B4-BE49-F238E27FC236}">
+                <a16:creationId xmlns:a16="http://schemas.microsoft.com/office/drawing/2014/main" id="{2A197379-B124-4331-9672-0587373BDB13}"/>
+              </a:ext>
+            </a:extLst>
+          </p:cNvPr>
+          <p:cNvSpPr txBox="1"/>
+          <p:nvPr/>
+        </p:nvSpPr>
+        <p:spPr>
+          <a:xfrm>
+            <a:off x="36947" y="381586"/>
+            <a:ext cx="6753772" cy="307777"/>
+          </a:xfrm>
+          <a:prstGeom prst="rect">
+            <a:avLst/>
+          </a:prstGeom>
+          <a:noFill/>
+        </p:spPr>
+        <p:txBody>
+          <a:bodyPr wrap="none" rtlCol="0">
+            <a:spAutoFit/>
+          </a:bodyPr>
+          <a:lstStyle/>
+          <a:p>
+            <a:r>
+              <a:rPr lang="en-US" altLang="ko-KR" sz="1400" b="1" dirty="0"/>
+              <a:t>※ </a:t>
+            </a:r>
+            <a:r>
+              <a:rPr lang="ko-KR" altLang="en-US" sz="1400" b="1" dirty="0"/>
+              <a:t>원본 데이터의 시계열 데이터과 차분 </a:t>
+            </a:r>
+            <a:r>
+              <a:rPr lang="en-US" altLang="ko-KR" sz="1400" b="1" dirty="0"/>
+              <a:t>diff=2</a:t>
+            </a:r>
+            <a:r>
+              <a:rPr lang="ko-KR" altLang="en-US" sz="1400" b="1" dirty="0"/>
+              <a:t>로 시행했을 때 시계열 데이터 비교</a:t>
+            </a:r>
+          </a:p>
+        </p:txBody>
+      </p:sp>
+    </p:spTree>
+    <p:extLst>
+      <p:ext uri="{BB962C8B-B14F-4D97-AF65-F5344CB8AC3E}">
+        <p14:creationId xmlns:p14="http://schemas.microsoft.com/office/powerpoint/2010/main" val="3236421729"/>
+      </p:ext>
+    </p:extLst>
+  </p:cSld>
+  <p:clrMapOvr>
+    <a:masterClrMapping/>
+  </p:clrMapOvr>
+</p:sld>
+</file>
+
+<file path=ppt/slides/slide2.xml><?xml version="1.0" encoding="utf-8"?>
 <p:sld xmlns:a="http://schemas.openxmlformats.org/drawingml/2006/main" xmlns:r="http://schemas.openxmlformats.org/officeDocument/2006/relationships" xmlns:p="http://schemas.openxmlformats.org/presentationml/2006/main">
   <p:cSld>
     <p:spTree>
@@ -4303,7 +7284,7 @@
     </p:spTree>
     <p:extLst>
       <p:ext uri="{BB962C8B-B14F-4D97-AF65-F5344CB8AC3E}">
-        <p14:creationId xmlns:p14="http://schemas.microsoft.com/office/powerpoint/2010/main" val="213033174"/>
+        <p14:creationId xmlns:p14="http://schemas.microsoft.com/office/powerpoint/2010/main" val="3748769622"/>
       </p:ext>
     </p:extLst>
   </p:cSld>
@@ -4313,7 +7294,7 @@
 </p:sld>
 </file>
 
-<file path=ppt/slides/slide15.xml><?xml version="1.0" encoding="utf-8"?>
+<file path=ppt/slides/slide20.xml><?xml version="1.0" encoding="utf-8"?>
 <p:sld xmlns:a="http://schemas.openxmlformats.org/drawingml/2006/main" xmlns:r="http://schemas.openxmlformats.org/officeDocument/2006/relationships" xmlns:p="http://schemas.openxmlformats.org/presentationml/2006/main">
   <p:cSld>
     <p:spTree>
@@ -4333,7 +7314,7 @@
     </p:spTree>
     <p:extLst>
       <p:ext uri="{BB962C8B-B14F-4D97-AF65-F5344CB8AC3E}">
-        <p14:creationId xmlns:p14="http://schemas.microsoft.com/office/powerpoint/2010/main" val="2374777974"/>
+        <p14:creationId xmlns:p14="http://schemas.microsoft.com/office/powerpoint/2010/main" val="1759036888"/>
       </p:ext>
     </p:extLst>
   </p:cSld>
@@ -4343,7 +7324,7 @@
 </p:sld>
 </file>
 
-<file path=ppt/slides/slide16.xml><?xml version="1.0" encoding="utf-8"?>
+<file path=ppt/slides/slide21.xml><?xml version="1.0" encoding="utf-8"?>
 <p:sld xmlns:a="http://schemas.openxmlformats.org/drawingml/2006/main" xmlns:r="http://schemas.openxmlformats.org/officeDocument/2006/relationships" xmlns:p="http://schemas.openxmlformats.org/presentationml/2006/main">
   <p:cSld>
     <p:spTree>
@@ -4363,7 +7344,7 @@
     </p:spTree>
     <p:extLst>
       <p:ext uri="{BB962C8B-B14F-4D97-AF65-F5344CB8AC3E}">
-        <p14:creationId xmlns:p14="http://schemas.microsoft.com/office/powerpoint/2010/main" val="3236421729"/>
+        <p14:creationId xmlns:p14="http://schemas.microsoft.com/office/powerpoint/2010/main" val="3869920575"/>
       </p:ext>
     </p:extLst>
   </p:cSld>
@@ -4373,7 +7354,76 @@
 </p:sld>
 </file>
 
-<file path=ppt/slides/slide2.xml><?xml version="1.0" encoding="utf-8"?>
+<file path=ppt/slides/slide3.xml><?xml version="1.0" encoding="utf-8"?>
+<p:sld xmlns:a="http://schemas.openxmlformats.org/drawingml/2006/main" xmlns:r="http://schemas.openxmlformats.org/officeDocument/2006/relationships" xmlns:p="http://schemas.openxmlformats.org/presentationml/2006/main">
+  <p:cSld>
+    <p:spTree>
+      <p:nvGrpSpPr>
+        <p:cNvPr id="1" name=""/>
+        <p:cNvGrpSpPr/>
+        <p:nvPr/>
+      </p:nvGrpSpPr>
+      <p:grpSpPr>
+        <a:xfrm>
+          <a:off x="0" y="0"/>
+          <a:ext cx="0" cy="0"/>
+          <a:chOff x="0" y="0"/>
+          <a:chExt cx="0" cy="0"/>
+        </a:xfrm>
+      </p:grpSpPr>
+      <p:sp>
+        <p:nvSpPr>
+          <p:cNvPr id="2" name="TextBox 1">
+            <a:extLst>
+              <a:ext uri="{FF2B5EF4-FFF2-40B4-BE49-F238E27FC236}">
+                <a16:creationId xmlns:a16="http://schemas.microsoft.com/office/drawing/2014/main" id="{10A98064-25B2-4F08-9EFF-6E2E8668BF0B}"/>
+              </a:ext>
+            </a:extLst>
+          </p:cNvPr>
+          <p:cNvSpPr txBox="1"/>
+          <p:nvPr/>
+        </p:nvSpPr>
+        <p:spPr>
+          <a:xfrm>
+            <a:off x="538483" y="708552"/>
+            <a:ext cx="4410118" cy="307777"/>
+          </a:xfrm>
+          <a:prstGeom prst="rect">
+            <a:avLst/>
+          </a:prstGeom>
+          <a:noFill/>
+        </p:spPr>
+        <p:txBody>
+          <a:bodyPr wrap="none" rtlCol="0">
+            <a:spAutoFit/>
+          </a:bodyPr>
+          <a:lstStyle/>
+          <a:p>
+            <a:r>
+              <a:rPr lang="en-US" altLang="ko-KR" sz="1400" b="1" dirty="0"/>
+              <a:t>SK Telecom </a:t>
+            </a:r>
+            <a:r>
+              <a:rPr lang="ko-KR" altLang="en-US" sz="1400" b="1" dirty="0"/>
+              <a:t>가입자 현황에 대한 시계열 데이터 분석</a:t>
+            </a:r>
+          </a:p>
+        </p:txBody>
+      </p:sp>
+    </p:spTree>
+    <p:extLst>
+      <p:ext uri="{BB962C8B-B14F-4D97-AF65-F5344CB8AC3E}">
+        <p14:creationId xmlns:p14="http://schemas.microsoft.com/office/powerpoint/2010/main" val="1595714208"/>
+      </p:ext>
+    </p:extLst>
+  </p:cSld>
+  <p:clrMapOvr>
+    <a:masterClrMapping/>
+  </p:clrMapOvr>
+</p:sld>
+</file>
+
+<file path=ppt/slides/slide4.xml><?xml version="1.0" encoding="utf-8"?>
 <p:sld xmlns:a="http://schemas.openxmlformats.org/drawingml/2006/main" xmlns:r="http://schemas.openxmlformats.org/officeDocument/2006/relationships" xmlns:p="http://schemas.openxmlformats.org/presentationml/2006/main">
   <p:cSld>
     <p:spTree>
@@ -4487,1005 +7537,7 @@
 </p:sld>
 </file>
 
-<file path=ppt/slides/slide3.xml><?xml version="1.0" encoding="utf-8"?>
-<p:sld xmlns:a="http://schemas.openxmlformats.org/drawingml/2006/main" xmlns:r="http://schemas.openxmlformats.org/officeDocument/2006/relationships" xmlns:p="http://schemas.openxmlformats.org/presentationml/2006/main">
-  <p:cSld>
-    <p:spTree>
-      <p:nvGrpSpPr>
-        <p:cNvPr id="1" name=""/>
-        <p:cNvGrpSpPr/>
-        <p:nvPr/>
-      </p:nvGrpSpPr>
-      <p:grpSpPr>
-        <a:xfrm>
-          <a:off x="0" y="0"/>
-          <a:ext cx="0" cy="0"/>
-          <a:chOff x="0" y="0"/>
-          <a:chExt cx="0" cy="0"/>
-        </a:xfrm>
-      </p:grpSpPr>
-      <p:sp>
-        <p:nvSpPr>
-          <p:cNvPr id="2" name="Rectangle 1">
-            <a:extLst>
-              <a:ext uri="{FF2B5EF4-FFF2-40B4-BE49-F238E27FC236}">
-                <a16:creationId xmlns:a16="http://schemas.microsoft.com/office/drawing/2014/main" id="{C16D85ED-2BB6-4968-AA7B-C7F281C6327B}"/>
-              </a:ext>
-            </a:extLst>
-          </p:cNvPr>
-          <p:cNvSpPr>
-            <a:spLocks noChangeArrowheads="1"/>
-          </p:cNvSpPr>
-          <p:nvPr/>
-        </p:nvSpPr>
-        <p:spPr bwMode="auto">
-          <a:xfrm>
-            <a:off x="0" y="-2035"/>
-            <a:ext cx="6123471" cy="1661993"/>
-          </a:xfrm>
-          <a:prstGeom prst="rect">
-            <a:avLst/>
-          </a:prstGeom>
-          <a:solidFill>
-            <a:srgbClr val="FFFFFF"/>
-          </a:solidFill>
-          <a:ln>
-            <a:noFill/>
-          </a:ln>
-          <a:effectLst/>
-          <a:extLst>
-            <a:ext uri="{91240B29-F687-4F45-9708-019B960494DF}">
-              <a14:hiddenLine xmlns:a14="http://schemas.microsoft.com/office/drawing/2010/main" w="9525">
-                <a:solidFill>
-                  <a:schemeClr val="tx1"/>
-                </a:solidFill>
-                <a:miter lim="800000"/>
-                <a:headEnd/>
-                <a:tailEnd/>
-              </a14:hiddenLine>
-            </a:ext>
-            <a:ext uri="{AF507438-7753-43E0-B8FC-AC1667EBCBE1}">
-              <a14:hiddenEffects xmlns:a14="http://schemas.microsoft.com/office/drawing/2010/main">
-                <a:effectLst>
-                  <a:outerShdw dist="35921" dir="2700000" algn="ctr" rotWithShape="0">
-                    <a:schemeClr val="bg2"/>
-                  </a:outerShdw>
-                </a:effectLst>
-              </a14:hiddenEffects>
-            </a:ext>
-          </a:extLst>
-        </p:spPr>
-        <p:txBody>
-          <a:bodyPr vert="horz" wrap="none" lIns="0" tIns="0" rIns="0" bIns="0" numCol="1" anchor="ctr" anchorCtr="0" compatLnSpc="1">
-            <a:prstTxWarp prst="textNoShape">
-              <a:avLst/>
-            </a:prstTxWarp>
-            <a:spAutoFit/>
-          </a:bodyPr>
-          <a:lstStyle/>
-          <a:p>
-            <a:pPr marR="0" lvl="0" algn="l" defTabSz="914400" rtl="0" eaLnBrk="0" fontAlgn="base" latinLnBrk="0" hangingPunct="0">
-              <a:lnSpc>
-                <a:spcPct val="100000"/>
-              </a:lnSpc>
-              <a:spcBef>
-                <a:spcPct val="0"/>
-              </a:spcBef>
-              <a:spcAft>
-                <a:spcPct val="0"/>
-              </a:spcAft>
-              <a:buClrTx/>
-              <a:buSzTx/>
-              <a:tabLst/>
-            </a:pPr>
-            <a:r>
-              <a:rPr kumimoji="0" lang="ko-KR" altLang="ko-KR" sz="1200" b="0" i="0" u="none" strike="noStrike" cap="none" normalizeH="0" baseline="0" dirty="0" err="1">
-                <a:ln>
-                  <a:noFill/>
-                </a:ln>
-                <a:solidFill>
-                  <a:srgbClr val="0000FF"/>
-                </a:solidFill>
-                <a:effectLst/>
-                <a:latin typeface="Lucida Console" panose="020B0609040504020204" pitchFamily="49" charset="0"/>
-              </a:rPr>
-              <a:t>auto.arima</a:t>
-            </a:r>
-            <a:r>
-              <a:rPr kumimoji="0" lang="ko-KR" altLang="ko-KR" sz="1200" b="0" i="0" u="none" strike="noStrike" cap="none" normalizeH="0" baseline="0" dirty="0">
-                <a:ln>
-                  <a:noFill/>
-                </a:ln>
-                <a:solidFill>
-                  <a:srgbClr val="0000FF"/>
-                </a:solidFill>
-                <a:effectLst/>
-                <a:latin typeface="Lucida Console" panose="020B0609040504020204" pitchFamily="49" charset="0"/>
-              </a:rPr>
-              <a:t>(ts_skt4,seasonal = </a:t>
-            </a:r>
-            <a:r>
-              <a:rPr kumimoji="0" lang="ko-KR" altLang="ko-KR" sz="1200" b="0" i="0" u="none" strike="noStrike" cap="none" normalizeH="0" baseline="0" dirty="0" err="1">
-                <a:ln>
-                  <a:noFill/>
-                </a:ln>
-                <a:solidFill>
-                  <a:srgbClr val="0000FF"/>
-                </a:solidFill>
-                <a:effectLst/>
-                <a:latin typeface="Lucida Console" panose="020B0609040504020204" pitchFamily="49" charset="0"/>
-              </a:rPr>
-              <a:t>F</a:t>
-            </a:r>
-            <a:r>
-              <a:rPr kumimoji="0" lang="ko-KR" altLang="ko-KR" sz="1200" b="0" i="0" u="none" strike="noStrike" cap="none" normalizeH="0" baseline="0" dirty="0">
-                <a:ln>
-                  <a:noFill/>
-                </a:ln>
-                <a:solidFill>
-                  <a:srgbClr val="0000FF"/>
-                </a:solidFill>
-                <a:effectLst/>
-                <a:latin typeface="Lucida Console" panose="020B0609040504020204" pitchFamily="49" charset="0"/>
-              </a:rPr>
-              <a:t>, </a:t>
-            </a:r>
-            <a:r>
-              <a:rPr kumimoji="0" lang="ko-KR" altLang="ko-KR" sz="1200" b="0" i="0" u="none" strike="noStrike" cap="none" normalizeH="0" baseline="0" dirty="0" err="1">
-                <a:ln>
-                  <a:noFill/>
-                </a:ln>
-                <a:solidFill>
-                  <a:srgbClr val="0000FF"/>
-                </a:solidFill>
-                <a:effectLst/>
-                <a:latin typeface="Lucida Console" panose="020B0609040504020204" pitchFamily="49" charset="0"/>
-              </a:rPr>
-              <a:t>stepwise</a:t>
-            </a:r>
-            <a:r>
-              <a:rPr kumimoji="0" lang="ko-KR" altLang="ko-KR" sz="1200" b="0" i="0" u="none" strike="noStrike" cap="none" normalizeH="0" baseline="0" dirty="0">
-                <a:ln>
-                  <a:noFill/>
-                </a:ln>
-                <a:solidFill>
-                  <a:srgbClr val="0000FF"/>
-                </a:solidFill>
-                <a:effectLst/>
-                <a:latin typeface="Lucida Console" panose="020B0609040504020204" pitchFamily="49" charset="0"/>
-              </a:rPr>
-              <a:t>=</a:t>
-            </a:r>
-            <a:r>
-              <a:rPr kumimoji="0" lang="ko-KR" altLang="ko-KR" sz="1200" b="0" i="0" u="none" strike="noStrike" cap="none" normalizeH="0" baseline="0" dirty="0" err="1">
-                <a:ln>
-                  <a:noFill/>
-                </a:ln>
-                <a:solidFill>
-                  <a:srgbClr val="0000FF"/>
-                </a:solidFill>
-                <a:effectLst/>
-                <a:latin typeface="Lucida Console" panose="020B0609040504020204" pitchFamily="49" charset="0"/>
-              </a:rPr>
-              <a:t>F</a:t>
-            </a:r>
-            <a:r>
-              <a:rPr kumimoji="0" lang="ko-KR" altLang="ko-KR" sz="1200" b="0" i="0" u="none" strike="noStrike" cap="none" normalizeH="0" baseline="0" dirty="0">
-                <a:ln>
-                  <a:noFill/>
-                </a:ln>
-                <a:solidFill>
-                  <a:srgbClr val="0000FF"/>
-                </a:solidFill>
-                <a:effectLst/>
-                <a:latin typeface="Lucida Console" panose="020B0609040504020204" pitchFamily="49" charset="0"/>
-              </a:rPr>
-              <a:t>, </a:t>
-            </a:r>
-            <a:r>
-              <a:rPr kumimoji="0" lang="ko-KR" altLang="ko-KR" sz="1200" b="0" i="0" u="none" strike="noStrike" cap="none" normalizeH="0" baseline="0" dirty="0" err="1">
-                <a:ln>
-                  <a:noFill/>
-                </a:ln>
-                <a:solidFill>
-                  <a:srgbClr val="0000FF"/>
-                </a:solidFill>
-                <a:effectLst/>
-                <a:latin typeface="Lucida Console" panose="020B0609040504020204" pitchFamily="49" charset="0"/>
-              </a:rPr>
-              <a:t>approximation</a:t>
-            </a:r>
-            <a:r>
-              <a:rPr kumimoji="0" lang="ko-KR" altLang="ko-KR" sz="1200" b="0" i="0" u="none" strike="noStrike" cap="none" normalizeH="0" baseline="0" dirty="0">
-                <a:ln>
-                  <a:noFill/>
-                </a:ln>
-                <a:solidFill>
-                  <a:srgbClr val="0000FF"/>
-                </a:solidFill>
-                <a:effectLst/>
-                <a:latin typeface="Lucida Console" panose="020B0609040504020204" pitchFamily="49" charset="0"/>
-              </a:rPr>
-              <a:t> = </a:t>
-            </a:r>
-            <a:r>
-              <a:rPr kumimoji="0" lang="ko-KR" altLang="ko-KR" sz="1200" b="0" i="0" u="none" strike="noStrike" cap="none" normalizeH="0" baseline="0" dirty="0" err="1">
-                <a:ln>
-                  <a:noFill/>
-                </a:ln>
-                <a:solidFill>
-                  <a:srgbClr val="0000FF"/>
-                </a:solidFill>
-                <a:effectLst/>
-                <a:latin typeface="Lucida Console" panose="020B0609040504020204" pitchFamily="49" charset="0"/>
-              </a:rPr>
-              <a:t>F</a:t>
-            </a:r>
-            <a:r>
-              <a:rPr kumimoji="0" lang="ko-KR" altLang="ko-KR" sz="1200" b="0" i="0" u="none" strike="noStrike" cap="none" normalizeH="0" baseline="0" dirty="0">
-                <a:ln>
-                  <a:noFill/>
-                </a:ln>
-                <a:solidFill>
-                  <a:srgbClr val="0000FF"/>
-                </a:solidFill>
-                <a:effectLst/>
-                <a:latin typeface="Lucida Console" panose="020B0609040504020204" pitchFamily="49" charset="0"/>
-              </a:rPr>
-              <a:t>) </a:t>
-            </a:r>
-            <a:endParaRPr kumimoji="0" lang="en-US" altLang="ko-KR" sz="1200" b="0" i="0" u="none" strike="noStrike" cap="none" normalizeH="0" baseline="0" dirty="0">
-              <a:ln>
-                <a:noFill/>
-              </a:ln>
-              <a:solidFill>
-                <a:srgbClr val="0000FF"/>
-              </a:solidFill>
-              <a:effectLst/>
-              <a:latin typeface="Lucida Console" panose="020B0609040504020204" pitchFamily="49" charset="0"/>
-            </a:endParaRPr>
-          </a:p>
-          <a:p>
-            <a:pPr marR="0" lvl="0" algn="l" defTabSz="914400" rtl="0" eaLnBrk="0" fontAlgn="base" latinLnBrk="0" hangingPunct="0">
-              <a:lnSpc>
-                <a:spcPct val="100000"/>
-              </a:lnSpc>
-              <a:spcBef>
-                <a:spcPct val="0"/>
-              </a:spcBef>
-              <a:spcAft>
-                <a:spcPct val="0"/>
-              </a:spcAft>
-              <a:buClrTx/>
-              <a:buSzTx/>
-              <a:tabLst/>
-            </a:pPr>
-            <a:r>
-              <a:rPr kumimoji="0" lang="ko-KR" altLang="ko-KR" sz="1200" b="0" i="0" u="none" strike="noStrike" cap="none" normalizeH="0" baseline="0" dirty="0" err="1">
-                <a:ln>
-                  <a:noFill/>
-                </a:ln>
-                <a:solidFill>
-                  <a:srgbClr val="000000"/>
-                </a:solidFill>
-                <a:effectLst/>
-                <a:latin typeface="Lucida Console" panose="020B0609040504020204" pitchFamily="49" charset="0"/>
-              </a:rPr>
-              <a:t>Series</a:t>
-            </a:r>
-            <a:r>
-              <a:rPr kumimoji="0" lang="ko-KR" altLang="ko-KR" sz="1200" b="0" i="0" u="none" strike="noStrike" cap="none" normalizeH="0" baseline="0" dirty="0">
-                <a:ln>
-                  <a:noFill/>
-                </a:ln>
-                <a:solidFill>
-                  <a:srgbClr val="000000"/>
-                </a:solidFill>
-                <a:effectLst/>
-                <a:latin typeface="Lucida Console" panose="020B0609040504020204" pitchFamily="49" charset="0"/>
-              </a:rPr>
-              <a:t>: </a:t>
-            </a:r>
-            <a:r>
-              <a:rPr kumimoji="0" lang="ko-KR" altLang="ko-KR" sz="1200" b="0" i="0" u="none" strike="noStrike" cap="none" normalizeH="0" baseline="0" dirty="0">
-                <a:ln>
-                  <a:noFill/>
-                </a:ln>
-                <a:solidFill>
-                  <a:srgbClr val="FF0000"/>
-                </a:solidFill>
-                <a:effectLst/>
-                <a:latin typeface="Lucida Console" panose="020B0609040504020204" pitchFamily="49" charset="0"/>
-              </a:rPr>
-              <a:t>ts_skt4 ARIMA(5,2,0) </a:t>
-            </a:r>
-            <a:endParaRPr kumimoji="0" lang="en-US" altLang="ko-KR" sz="1200" b="0" i="0" u="none" strike="noStrike" cap="none" normalizeH="0" baseline="0" dirty="0">
-              <a:ln>
-                <a:noFill/>
-              </a:ln>
-              <a:solidFill>
-                <a:srgbClr val="FF0000"/>
-              </a:solidFill>
-              <a:effectLst/>
-              <a:latin typeface="Lucida Console" panose="020B0609040504020204" pitchFamily="49" charset="0"/>
-            </a:endParaRPr>
-          </a:p>
-          <a:p>
-            <a:pPr marR="0" lvl="0" algn="l" defTabSz="914400" rtl="0" eaLnBrk="0" fontAlgn="base" latinLnBrk="0" hangingPunct="0">
-              <a:lnSpc>
-                <a:spcPct val="100000"/>
-              </a:lnSpc>
-              <a:spcBef>
-                <a:spcPct val="0"/>
-              </a:spcBef>
-              <a:spcAft>
-                <a:spcPct val="0"/>
-              </a:spcAft>
-              <a:buClrTx/>
-              <a:buSzTx/>
-              <a:tabLst/>
-            </a:pPr>
-            <a:r>
-              <a:rPr kumimoji="0" lang="ko-KR" altLang="ko-KR" sz="1200" b="0" i="0" u="none" strike="noStrike" cap="none" normalizeH="0" baseline="0" dirty="0" err="1">
-                <a:ln>
-                  <a:noFill/>
-                </a:ln>
-                <a:solidFill>
-                  <a:srgbClr val="000000"/>
-                </a:solidFill>
-                <a:effectLst/>
-                <a:latin typeface="Lucida Console" panose="020B0609040504020204" pitchFamily="49" charset="0"/>
-              </a:rPr>
-              <a:t>Coefficients</a:t>
-            </a:r>
-            <a:r>
-              <a:rPr kumimoji="0" lang="ko-KR" altLang="ko-KR" sz="1200" b="0" i="0" u="none" strike="noStrike" cap="none" normalizeH="0" baseline="0" dirty="0">
-                <a:ln>
-                  <a:noFill/>
-                </a:ln>
-                <a:solidFill>
-                  <a:srgbClr val="000000"/>
-                </a:solidFill>
-                <a:effectLst/>
-                <a:latin typeface="Lucida Console" panose="020B0609040504020204" pitchFamily="49" charset="0"/>
-              </a:rPr>
-              <a:t>: </a:t>
-            </a:r>
-            <a:endParaRPr kumimoji="0" lang="en-US" altLang="ko-KR" sz="1200" b="0" i="0" u="none" strike="noStrike" cap="none" normalizeH="0" baseline="0" dirty="0">
-              <a:ln>
-                <a:noFill/>
-              </a:ln>
-              <a:solidFill>
-                <a:srgbClr val="000000"/>
-              </a:solidFill>
-              <a:effectLst/>
-              <a:latin typeface="Lucida Console" panose="020B0609040504020204" pitchFamily="49" charset="0"/>
-            </a:endParaRPr>
-          </a:p>
-          <a:p>
-            <a:pPr marR="0" lvl="0" algn="l" defTabSz="914400" rtl="0" eaLnBrk="0" fontAlgn="base" latinLnBrk="0" hangingPunct="0">
-              <a:lnSpc>
-                <a:spcPct val="100000"/>
-              </a:lnSpc>
-              <a:spcBef>
-                <a:spcPct val="0"/>
-              </a:spcBef>
-              <a:spcAft>
-                <a:spcPct val="0"/>
-              </a:spcAft>
-              <a:buClrTx/>
-              <a:buSzTx/>
-              <a:tabLst/>
-            </a:pPr>
-            <a:r>
-              <a:rPr kumimoji="0" lang="en-US" altLang="ko-KR" sz="1200" b="0" i="0" u="none" strike="noStrike" cap="none" normalizeH="0" baseline="0" dirty="0">
-                <a:ln>
-                  <a:noFill/>
-                </a:ln>
-                <a:solidFill>
-                  <a:srgbClr val="000000"/>
-                </a:solidFill>
-                <a:effectLst/>
-                <a:latin typeface="Lucida Console" panose="020B0609040504020204" pitchFamily="49" charset="0"/>
-              </a:rPr>
-              <a:t>  </a:t>
-            </a:r>
-            <a:r>
-              <a:rPr kumimoji="0" lang="ko-KR" altLang="ko-KR" sz="1200" b="0" i="0" u="none" strike="noStrike" cap="none" normalizeH="0" baseline="0" dirty="0">
-                <a:ln>
-                  <a:noFill/>
-                </a:ln>
-                <a:solidFill>
-                  <a:srgbClr val="000000"/>
-                </a:solidFill>
-                <a:effectLst/>
-                <a:latin typeface="Lucida Console" panose="020B0609040504020204" pitchFamily="49" charset="0"/>
-              </a:rPr>
-              <a:t>ar1</a:t>
-            </a:r>
-            <a:r>
-              <a:rPr kumimoji="0" lang="en-US" altLang="ko-KR" sz="1200" b="0" i="0" u="none" strike="noStrike" cap="none" normalizeH="0" baseline="0" dirty="0">
-                <a:ln>
-                  <a:noFill/>
-                </a:ln>
-                <a:solidFill>
-                  <a:srgbClr val="000000"/>
-                </a:solidFill>
-                <a:effectLst/>
-                <a:latin typeface="Lucida Console" panose="020B0609040504020204" pitchFamily="49" charset="0"/>
-              </a:rPr>
-              <a:t>     </a:t>
-            </a:r>
-            <a:r>
-              <a:rPr kumimoji="0" lang="ko-KR" altLang="ko-KR" sz="1200" b="0" i="0" u="none" strike="noStrike" cap="none" normalizeH="0" baseline="0" dirty="0">
-                <a:ln>
-                  <a:noFill/>
-                </a:ln>
-                <a:solidFill>
-                  <a:srgbClr val="000000"/>
-                </a:solidFill>
-                <a:effectLst/>
-                <a:latin typeface="Lucida Console" panose="020B0609040504020204" pitchFamily="49" charset="0"/>
-              </a:rPr>
-              <a:t> ar2 </a:t>
-            </a:r>
-            <a:r>
-              <a:rPr kumimoji="0" lang="en-US" altLang="ko-KR" sz="1200" b="0" i="0" u="none" strike="noStrike" cap="none" normalizeH="0" baseline="0" dirty="0">
-                <a:ln>
-                  <a:noFill/>
-                </a:ln>
-                <a:solidFill>
-                  <a:srgbClr val="000000"/>
-                </a:solidFill>
-                <a:effectLst/>
-                <a:latin typeface="Lucida Console" panose="020B0609040504020204" pitchFamily="49" charset="0"/>
-              </a:rPr>
-              <a:t>   </a:t>
-            </a:r>
-            <a:r>
-              <a:rPr kumimoji="0" lang="ko-KR" altLang="ko-KR" sz="1200" b="0" i="0" u="none" strike="noStrike" cap="none" normalizeH="0" baseline="0" dirty="0">
-                <a:ln>
-                  <a:noFill/>
-                </a:ln>
-                <a:solidFill>
-                  <a:srgbClr val="000000"/>
-                </a:solidFill>
-                <a:effectLst/>
-                <a:latin typeface="Lucida Console" panose="020B0609040504020204" pitchFamily="49" charset="0"/>
-              </a:rPr>
-              <a:t>ar3</a:t>
-            </a:r>
-            <a:r>
-              <a:rPr kumimoji="0" lang="en-US" altLang="ko-KR" sz="1200" b="0" i="0" u="none" strike="noStrike" cap="none" normalizeH="0" baseline="0" dirty="0">
-                <a:ln>
-                  <a:noFill/>
-                </a:ln>
-                <a:solidFill>
-                  <a:srgbClr val="000000"/>
-                </a:solidFill>
-                <a:effectLst/>
-                <a:latin typeface="Lucida Console" panose="020B0609040504020204" pitchFamily="49" charset="0"/>
-              </a:rPr>
-              <a:t>    </a:t>
-            </a:r>
-            <a:r>
-              <a:rPr kumimoji="0" lang="ko-KR" altLang="ko-KR" sz="1200" b="0" i="0" u="none" strike="noStrike" cap="none" normalizeH="0" baseline="0" dirty="0">
-                <a:ln>
-                  <a:noFill/>
-                </a:ln>
-                <a:solidFill>
-                  <a:srgbClr val="000000"/>
-                </a:solidFill>
-                <a:effectLst/>
-                <a:latin typeface="Lucida Console" panose="020B0609040504020204" pitchFamily="49" charset="0"/>
-              </a:rPr>
-              <a:t> ar4</a:t>
-            </a:r>
-            <a:r>
-              <a:rPr kumimoji="0" lang="en-US" altLang="ko-KR" sz="1200" b="0" i="0" u="none" strike="noStrike" cap="none" normalizeH="0" baseline="0" dirty="0">
-                <a:ln>
-                  <a:noFill/>
-                </a:ln>
-                <a:solidFill>
-                  <a:srgbClr val="000000"/>
-                </a:solidFill>
-                <a:effectLst/>
-                <a:latin typeface="Lucida Console" panose="020B0609040504020204" pitchFamily="49" charset="0"/>
-              </a:rPr>
-              <a:t>     </a:t>
-            </a:r>
-            <a:r>
-              <a:rPr kumimoji="0" lang="ko-KR" altLang="ko-KR" sz="1200" b="0" i="0" u="none" strike="noStrike" cap="none" normalizeH="0" baseline="0" dirty="0">
-                <a:ln>
-                  <a:noFill/>
-                </a:ln>
-                <a:solidFill>
-                  <a:srgbClr val="000000"/>
-                </a:solidFill>
-                <a:effectLst/>
-                <a:latin typeface="Lucida Console" panose="020B0609040504020204" pitchFamily="49" charset="0"/>
-              </a:rPr>
-              <a:t> ar5 </a:t>
-            </a:r>
-            <a:endParaRPr kumimoji="0" lang="en-US" altLang="ko-KR" sz="1200" b="0" i="0" u="none" strike="noStrike" cap="none" normalizeH="0" baseline="0" dirty="0">
-              <a:ln>
-                <a:noFill/>
-              </a:ln>
-              <a:solidFill>
-                <a:srgbClr val="000000"/>
-              </a:solidFill>
-              <a:effectLst/>
-              <a:latin typeface="Lucida Console" panose="020B0609040504020204" pitchFamily="49" charset="0"/>
-            </a:endParaRPr>
-          </a:p>
-          <a:p>
-            <a:pPr marR="0" lvl="0" algn="l" defTabSz="914400" rtl="0" eaLnBrk="0" fontAlgn="base" latinLnBrk="0" hangingPunct="0">
-              <a:lnSpc>
-                <a:spcPct val="100000"/>
-              </a:lnSpc>
-              <a:spcBef>
-                <a:spcPct val="0"/>
-              </a:spcBef>
-              <a:spcAft>
-                <a:spcPct val="0"/>
-              </a:spcAft>
-              <a:buClrTx/>
-              <a:buSzTx/>
-              <a:tabLst/>
-            </a:pPr>
-            <a:r>
-              <a:rPr kumimoji="0" lang="ko-KR" altLang="ko-KR" sz="1200" b="0" i="0" u="none" strike="noStrike" cap="none" normalizeH="0" baseline="0" dirty="0">
-                <a:ln>
-                  <a:noFill/>
-                </a:ln>
-                <a:solidFill>
-                  <a:srgbClr val="000000"/>
-                </a:solidFill>
-                <a:effectLst/>
-                <a:latin typeface="Lucida Console" panose="020B0609040504020204" pitchFamily="49" charset="0"/>
-              </a:rPr>
-              <a:t>-0.5695 -0.3621 -0.1858 -0.2284 -0.4046 </a:t>
-            </a:r>
-            <a:endParaRPr kumimoji="0" lang="en-US" altLang="ko-KR" sz="1200" b="0" i="0" u="none" strike="noStrike" cap="none" normalizeH="0" baseline="0" dirty="0">
-              <a:ln>
-                <a:noFill/>
-              </a:ln>
-              <a:solidFill>
-                <a:srgbClr val="000000"/>
-              </a:solidFill>
-              <a:effectLst/>
-              <a:latin typeface="Lucida Console" panose="020B0609040504020204" pitchFamily="49" charset="0"/>
-            </a:endParaRPr>
-          </a:p>
-          <a:p>
-            <a:pPr marR="0" lvl="0" algn="l" defTabSz="914400" rtl="0" eaLnBrk="0" fontAlgn="base" latinLnBrk="0" hangingPunct="0">
-              <a:lnSpc>
-                <a:spcPct val="100000"/>
-              </a:lnSpc>
-              <a:spcBef>
-                <a:spcPct val="0"/>
-              </a:spcBef>
-              <a:spcAft>
-                <a:spcPct val="0"/>
-              </a:spcAft>
-              <a:buClrTx/>
-              <a:buSzTx/>
-              <a:tabLst/>
-            </a:pPr>
-            <a:r>
-              <a:rPr kumimoji="0" lang="ko-KR" altLang="ko-KR" sz="1200" b="0" i="0" u="none" strike="noStrike" cap="none" normalizeH="0" baseline="0" dirty="0" err="1">
-                <a:ln>
-                  <a:noFill/>
-                </a:ln>
-                <a:solidFill>
-                  <a:srgbClr val="000000"/>
-                </a:solidFill>
-                <a:effectLst/>
-                <a:latin typeface="Lucida Console" panose="020B0609040504020204" pitchFamily="49" charset="0"/>
-              </a:rPr>
-              <a:t>s.e</a:t>
-            </a:r>
-            <a:r>
-              <a:rPr kumimoji="0" lang="ko-KR" altLang="ko-KR" sz="1200" b="0" i="0" u="none" strike="noStrike" cap="none" normalizeH="0" baseline="0" dirty="0">
-                <a:ln>
-                  <a:noFill/>
-                </a:ln>
-                <a:solidFill>
-                  <a:srgbClr val="000000"/>
-                </a:solidFill>
-                <a:effectLst/>
-                <a:latin typeface="Lucida Console" panose="020B0609040504020204" pitchFamily="49" charset="0"/>
-              </a:rPr>
-              <a:t>. </a:t>
-            </a:r>
-            <a:endParaRPr kumimoji="0" lang="en-US" altLang="ko-KR" sz="1200" b="0" i="0" u="none" strike="noStrike" cap="none" normalizeH="0" baseline="0" dirty="0">
-              <a:ln>
-                <a:noFill/>
-              </a:ln>
-              <a:solidFill>
-                <a:srgbClr val="000000"/>
-              </a:solidFill>
-              <a:effectLst/>
-              <a:latin typeface="Lucida Console" panose="020B0609040504020204" pitchFamily="49" charset="0"/>
-            </a:endParaRPr>
-          </a:p>
-          <a:p>
-            <a:pPr marR="0" lvl="0" algn="l" defTabSz="914400" rtl="0" eaLnBrk="0" fontAlgn="base" latinLnBrk="0" hangingPunct="0">
-              <a:lnSpc>
-                <a:spcPct val="100000"/>
-              </a:lnSpc>
-              <a:spcBef>
-                <a:spcPct val="0"/>
-              </a:spcBef>
-              <a:spcAft>
-                <a:spcPct val="0"/>
-              </a:spcAft>
-              <a:buClrTx/>
-              <a:buSzTx/>
-              <a:tabLst/>
-            </a:pPr>
-            <a:r>
-              <a:rPr kumimoji="0" lang="ko-KR" altLang="ko-KR" sz="1200" b="0" i="0" u="none" strike="noStrike" cap="none" normalizeH="0" baseline="0" dirty="0">
-                <a:ln>
-                  <a:noFill/>
-                </a:ln>
-                <a:solidFill>
-                  <a:srgbClr val="000000"/>
-                </a:solidFill>
-                <a:effectLst/>
-                <a:latin typeface="Lucida Console" panose="020B0609040504020204" pitchFamily="49" charset="0"/>
-              </a:rPr>
-              <a:t>0.0989 0.1133 0.1212 0.1183 0.1080 </a:t>
-            </a:r>
-            <a:endParaRPr kumimoji="0" lang="en-US" altLang="ko-KR" sz="1200" b="0" i="0" u="none" strike="noStrike" cap="none" normalizeH="0" baseline="0" dirty="0">
-              <a:ln>
-                <a:noFill/>
-              </a:ln>
-              <a:solidFill>
-                <a:srgbClr val="000000"/>
-              </a:solidFill>
-              <a:effectLst/>
-              <a:latin typeface="Lucida Console" panose="020B0609040504020204" pitchFamily="49" charset="0"/>
-            </a:endParaRPr>
-          </a:p>
-          <a:p>
-            <a:pPr marR="0" lvl="0" algn="l" defTabSz="914400" rtl="0" eaLnBrk="0" fontAlgn="base" latinLnBrk="0" hangingPunct="0">
-              <a:lnSpc>
-                <a:spcPct val="100000"/>
-              </a:lnSpc>
-              <a:spcBef>
-                <a:spcPct val="0"/>
-              </a:spcBef>
-              <a:spcAft>
-                <a:spcPct val="0"/>
-              </a:spcAft>
-              <a:buClrTx/>
-              <a:buSzTx/>
-              <a:tabLst/>
-            </a:pPr>
-            <a:r>
-              <a:rPr kumimoji="0" lang="ko-KR" altLang="ko-KR" sz="1200" b="0" i="0" u="none" strike="noStrike" cap="none" normalizeH="0" baseline="0" dirty="0">
-                <a:ln>
-                  <a:noFill/>
-                </a:ln>
-                <a:solidFill>
-                  <a:srgbClr val="000000"/>
-                </a:solidFill>
-                <a:effectLst/>
-                <a:latin typeface="Lucida Console" panose="020B0609040504020204" pitchFamily="49" charset="0"/>
-              </a:rPr>
-              <a:t>sigma^2 </a:t>
-            </a:r>
-            <a:r>
-              <a:rPr kumimoji="0" lang="ko-KR" altLang="ko-KR" sz="1200" b="0" i="0" u="none" strike="noStrike" cap="none" normalizeH="0" baseline="0" dirty="0" err="1">
-                <a:ln>
-                  <a:noFill/>
-                </a:ln>
-                <a:solidFill>
-                  <a:srgbClr val="000000"/>
-                </a:solidFill>
-                <a:effectLst/>
-                <a:latin typeface="Lucida Console" panose="020B0609040504020204" pitchFamily="49" charset="0"/>
-              </a:rPr>
-              <a:t>estimated</a:t>
-            </a:r>
-            <a:r>
-              <a:rPr kumimoji="0" lang="ko-KR" altLang="ko-KR" sz="1200" b="0" i="0" u="none" strike="noStrike" cap="none" normalizeH="0" baseline="0" dirty="0">
-                <a:ln>
-                  <a:noFill/>
-                </a:ln>
-                <a:solidFill>
-                  <a:srgbClr val="000000"/>
-                </a:solidFill>
-                <a:effectLst/>
-                <a:latin typeface="Lucida Console" panose="020B0609040504020204" pitchFamily="49" charset="0"/>
-              </a:rPr>
-              <a:t> </a:t>
-            </a:r>
-            <a:r>
-              <a:rPr kumimoji="0" lang="ko-KR" altLang="ko-KR" sz="1200" b="0" i="0" u="none" strike="noStrike" cap="none" normalizeH="0" baseline="0" dirty="0" err="1">
-                <a:ln>
-                  <a:noFill/>
-                </a:ln>
-                <a:solidFill>
-                  <a:srgbClr val="000000"/>
-                </a:solidFill>
-                <a:effectLst/>
-                <a:latin typeface="Lucida Console" panose="020B0609040504020204" pitchFamily="49" charset="0"/>
-              </a:rPr>
-              <a:t>as</a:t>
-            </a:r>
-            <a:r>
-              <a:rPr kumimoji="0" lang="ko-KR" altLang="ko-KR" sz="1200" b="0" i="0" u="none" strike="noStrike" cap="none" normalizeH="0" baseline="0" dirty="0">
-                <a:ln>
-                  <a:noFill/>
-                </a:ln>
-                <a:solidFill>
-                  <a:srgbClr val="000000"/>
-                </a:solidFill>
-                <a:effectLst/>
-                <a:latin typeface="Lucida Console" panose="020B0609040504020204" pitchFamily="49" charset="0"/>
-              </a:rPr>
-              <a:t> 8.764e+09: </a:t>
-            </a:r>
-            <a:endParaRPr kumimoji="0" lang="en-US" altLang="ko-KR" sz="1200" b="0" i="0" u="none" strike="noStrike" cap="none" normalizeH="0" baseline="0" dirty="0">
-              <a:ln>
-                <a:noFill/>
-              </a:ln>
-              <a:solidFill>
-                <a:srgbClr val="000000"/>
-              </a:solidFill>
-              <a:effectLst/>
-              <a:latin typeface="Lucida Console" panose="020B0609040504020204" pitchFamily="49" charset="0"/>
-            </a:endParaRPr>
-          </a:p>
-          <a:p>
-            <a:pPr marR="0" lvl="0" algn="l" defTabSz="914400" rtl="0" eaLnBrk="0" fontAlgn="base" latinLnBrk="0" hangingPunct="0">
-              <a:lnSpc>
-                <a:spcPct val="100000"/>
-              </a:lnSpc>
-              <a:spcBef>
-                <a:spcPct val="0"/>
-              </a:spcBef>
-              <a:spcAft>
-                <a:spcPct val="0"/>
-              </a:spcAft>
-              <a:buClrTx/>
-              <a:buSzTx/>
-              <a:tabLst/>
-            </a:pPr>
-            <a:r>
-              <a:rPr kumimoji="0" lang="ko-KR" altLang="ko-KR" sz="1200" b="0" i="0" u="none" strike="noStrike" cap="none" normalizeH="0" baseline="0" dirty="0" err="1">
-                <a:ln>
-                  <a:noFill/>
-                </a:ln>
-                <a:solidFill>
-                  <a:srgbClr val="000000"/>
-                </a:solidFill>
-                <a:effectLst/>
-                <a:latin typeface="Lucida Console" panose="020B0609040504020204" pitchFamily="49" charset="0"/>
-              </a:rPr>
-              <a:t>log</a:t>
-            </a:r>
-            <a:r>
-              <a:rPr kumimoji="0" lang="ko-KR" altLang="ko-KR" sz="1200" b="0" i="0" u="none" strike="noStrike" cap="none" normalizeH="0" baseline="0" dirty="0">
-                <a:ln>
-                  <a:noFill/>
-                </a:ln>
-                <a:solidFill>
-                  <a:srgbClr val="000000"/>
-                </a:solidFill>
-                <a:effectLst/>
-                <a:latin typeface="Lucida Console" panose="020B0609040504020204" pitchFamily="49" charset="0"/>
-              </a:rPr>
-              <a:t> </a:t>
-            </a:r>
-            <a:r>
-              <a:rPr kumimoji="0" lang="ko-KR" altLang="ko-KR" sz="1200" b="0" i="0" u="none" strike="noStrike" cap="none" normalizeH="0" baseline="0" dirty="0" err="1">
-                <a:ln>
-                  <a:noFill/>
-                </a:ln>
-                <a:solidFill>
-                  <a:srgbClr val="000000"/>
-                </a:solidFill>
-                <a:effectLst/>
-                <a:latin typeface="Lucida Console" panose="020B0609040504020204" pitchFamily="49" charset="0"/>
-              </a:rPr>
-              <a:t>likelihood</a:t>
-            </a:r>
-            <a:r>
-              <a:rPr kumimoji="0" lang="ko-KR" altLang="ko-KR" sz="1200" b="0" i="0" u="none" strike="noStrike" cap="none" normalizeH="0" baseline="0" dirty="0">
-                <a:ln>
-                  <a:noFill/>
-                </a:ln>
-                <a:solidFill>
-                  <a:srgbClr val="000000"/>
-                </a:solidFill>
-                <a:effectLst/>
-                <a:latin typeface="Lucida Console" panose="020B0609040504020204" pitchFamily="49" charset="0"/>
-              </a:rPr>
-              <a:t>=-1117.4 AIC=2246.81 </a:t>
-            </a:r>
-            <a:r>
-              <a:rPr kumimoji="0" lang="ko-KR" altLang="ko-KR" sz="1200" b="0" i="0" u="none" strike="noStrike" cap="none" normalizeH="0" baseline="0" dirty="0" err="1">
-                <a:ln>
-                  <a:noFill/>
-                </a:ln>
-                <a:solidFill>
-                  <a:srgbClr val="000000"/>
-                </a:solidFill>
-                <a:effectLst/>
-                <a:latin typeface="Lucida Console" panose="020B0609040504020204" pitchFamily="49" charset="0"/>
-              </a:rPr>
-              <a:t>AICc</a:t>
-            </a:r>
-            <a:r>
-              <a:rPr kumimoji="0" lang="ko-KR" altLang="ko-KR" sz="1200" b="0" i="0" u="none" strike="noStrike" cap="none" normalizeH="0" baseline="0" dirty="0">
-                <a:ln>
-                  <a:noFill/>
-                </a:ln>
-                <a:solidFill>
-                  <a:srgbClr val="000000"/>
-                </a:solidFill>
-                <a:effectLst/>
-                <a:latin typeface="Lucida Console" panose="020B0609040504020204" pitchFamily="49" charset="0"/>
-              </a:rPr>
-              <a:t>=2247.86 BIC=2261.6</a:t>
-            </a:r>
-            <a:endParaRPr kumimoji="0" lang="ko-KR" altLang="ko-KR" sz="1800" b="0" i="0" u="none" strike="noStrike" cap="none" normalizeH="0" baseline="0" dirty="0">
-              <a:ln>
-                <a:noFill/>
-              </a:ln>
-              <a:solidFill>
-                <a:schemeClr val="tx1"/>
-              </a:solidFill>
-              <a:effectLst/>
-              <a:latin typeface="Arial" panose="020B0604020202020204" pitchFamily="34" charset="0"/>
-            </a:endParaRPr>
-          </a:p>
-        </p:txBody>
-      </p:sp>
-      <p:sp>
-        <p:nvSpPr>
-          <p:cNvPr id="4" name="TextBox 3">
-            <a:extLst>
-              <a:ext uri="{FF2B5EF4-FFF2-40B4-BE49-F238E27FC236}">
-                <a16:creationId xmlns:a16="http://schemas.microsoft.com/office/drawing/2014/main" id="{CCAFC865-C447-486D-8EDA-D5E57585BF84}"/>
-              </a:ext>
-            </a:extLst>
-          </p:cNvPr>
-          <p:cNvSpPr txBox="1"/>
-          <p:nvPr/>
-        </p:nvSpPr>
-        <p:spPr>
-          <a:xfrm>
-            <a:off x="3" y="1785512"/>
-            <a:ext cx="6830011" cy="307777"/>
-          </a:xfrm>
-          <a:prstGeom prst="rect">
-            <a:avLst/>
-          </a:prstGeom>
-          <a:noFill/>
-        </p:spPr>
-        <p:txBody>
-          <a:bodyPr wrap="none" rtlCol="0">
-            <a:spAutoFit/>
-          </a:bodyPr>
-          <a:lstStyle/>
-          <a:p>
-            <a:r>
-              <a:rPr lang="en-US" altLang="ko-KR" sz="1400" b="1" dirty="0"/>
-              <a:t>※ Auto ARIMA</a:t>
-            </a:r>
-            <a:r>
-              <a:rPr lang="ko-KR" altLang="en-US" sz="1400" b="1" dirty="0"/>
-              <a:t>를 통해 </a:t>
-            </a:r>
-            <a:r>
-              <a:rPr lang="en-US" altLang="ko-KR" sz="1400" b="1" dirty="0"/>
-              <a:t>ACF, PACF</a:t>
-            </a:r>
-            <a:r>
-              <a:rPr lang="ko-KR" altLang="en-US" sz="1400" b="1" dirty="0"/>
-              <a:t>와 차분 값을 확인 후 </a:t>
-            </a:r>
-            <a:r>
-              <a:rPr lang="en-US" altLang="ko-KR" sz="1400" b="1" dirty="0"/>
-              <a:t>fitted model</a:t>
-            </a:r>
-            <a:r>
-              <a:rPr lang="ko-KR" altLang="en-US" sz="1400" b="1" dirty="0"/>
-              <a:t>을 직접 생성</a:t>
-            </a:r>
-          </a:p>
-        </p:txBody>
-      </p:sp>
-      <p:pic>
-        <p:nvPicPr>
-          <p:cNvPr id="5" name="그림 4">
-            <a:extLst>
-              <a:ext uri="{FF2B5EF4-FFF2-40B4-BE49-F238E27FC236}">
-                <a16:creationId xmlns:a16="http://schemas.microsoft.com/office/drawing/2014/main" id="{94AE68E5-A1B8-46A7-A8FF-F3BAE088EB17}"/>
-              </a:ext>
-            </a:extLst>
-          </p:cNvPr>
-          <p:cNvPicPr>
-            <a:picLocks noChangeAspect="1"/>
-          </p:cNvPicPr>
-          <p:nvPr/>
-        </p:nvPicPr>
-        <p:blipFill>
-          <a:blip r:embed="rId2">
-            <a:extLst>
-              <a:ext uri="{28A0092B-C50C-407E-A947-70E740481C1C}">
-                <a14:useLocalDpi xmlns:a14="http://schemas.microsoft.com/office/drawing/2010/main" val="0"/>
-              </a:ext>
-            </a:extLst>
-          </a:blip>
-          <a:stretch>
-            <a:fillRect/>
-          </a:stretch>
-        </p:blipFill>
-        <p:spPr>
-          <a:xfrm>
-            <a:off x="228463" y="2225964"/>
-            <a:ext cx="4906712" cy="4632036"/>
-          </a:xfrm>
-          <a:prstGeom prst="rect">
-            <a:avLst/>
-          </a:prstGeom>
-        </p:spPr>
-      </p:pic>
-      <p:pic>
-        <p:nvPicPr>
-          <p:cNvPr id="7" name="그림 6">
-            <a:extLst>
-              <a:ext uri="{FF2B5EF4-FFF2-40B4-BE49-F238E27FC236}">
-                <a16:creationId xmlns:a16="http://schemas.microsoft.com/office/drawing/2014/main" id="{DCEC8E7D-B536-4A76-8FA3-2D12199B1FD0}"/>
-              </a:ext>
-            </a:extLst>
-          </p:cNvPr>
-          <p:cNvPicPr>
-            <a:picLocks noChangeAspect="1"/>
-          </p:cNvPicPr>
-          <p:nvPr/>
-        </p:nvPicPr>
-        <p:blipFill>
-          <a:blip r:embed="rId3">
-            <a:extLst>
-              <a:ext uri="{28A0092B-C50C-407E-A947-70E740481C1C}">
-                <a14:useLocalDpi xmlns:a14="http://schemas.microsoft.com/office/drawing/2010/main" val="0"/>
-              </a:ext>
-            </a:extLst>
-          </a:blip>
-          <a:stretch>
-            <a:fillRect/>
-          </a:stretch>
-        </p:blipFill>
-        <p:spPr>
-          <a:xfrm>
-            <a:off x="6482841" y="2225964"/>
-            <a:ext cx="4906712" cy="4632036"/>
-          </a:xfrm>
-          <a:prstGeom prst="rect">
-            <a:avLst/>
-          </a:prstGeom>
-        </p:spPr>
-      </p:pic>
-    </p:spTree>
-    <p:extLst>
-      <p:ext uri="{BB962C8B-B14F-4D97-AF65-F5344CB8AC3E}">
-        <p14:creationId xmlns:p14="http://schemas.microsoft.com/office/powerpoint/2010/main" val="89559589"/>
-      </p:ext>
-    </p:extLst>
-  </p:cSld>
-  <p:clrMapOvr>
-    <a:masterClrMapping/>
-  </p:clrMapOvr>
-</p:sld>
-</file>
-
-<file path=ppt/slides/slide4.xml><?xml version="1.0" encoding="utf-8"?>
+<file path=ppt/slides/slide5.xml><?xml version="1.0" encoding="utf-8"?>
 <p:sld xmlns:a="http://schemas.openxmlformats.org/drawingml/2006/main" xmlns:r="http://schemas.openxmlformats.org/officeDocument/2006/relationships" xmlns:p="http://schemas.openxmlformats.org/presentationml/2006/main">
   <p:cSld>
     <p:spTree>
@@ -6256,7 +8308,7 @@
 </p:sld>
 </file>
 
-<file path=ppt/slides/slide5.xml><?xml version="1.0" encoding="utf-8"?>
+<file path=ppt/slides/slide6.xml><?xml version="1.0" encoding="utf-8"?>
 <p:sld xmlns:a="http://schemas.openxmlformats.org/drawingml/2006/main" xmlns:r="http://schemas.openxmlformats.org/officeDocument/2006/relationships" xmlns:p="http://schemas.openxmlformats.org/presentationml/2006/main">
   <p:cSld>
     <p:spTree>
@@ -6275,10 +8327,10 @@
       </p:grpSpPr>
       <p:sp>
         <p:nvSpPr>
-          <p:cNvPr id="4" name="Rectangle 1">
+          <p:cNvPr id="2" name="Rectangle 1">
             <a:extLst>
               <a:ext uri="{FF2B5EF4-FFF2-40B4-BE49-F238E27FC236}">
-                <a16:creationId xmlns:a16="http://schemas.microsoft.com/office/drawing/2014/main" id="{9A9F3CBF-5F1A-446A-9A28-FFC7E6EED4F5}"/>
+                <a16:creationId xmlns:a16="http://schemas.microsoft.com/office/drawing/2014/main" id="{C16D85ED-2BB6-4968-AA7B-C7F281C6327B}"/>
               </a:ext>
             </a:extLst>
           </p:cNvPr>
@@ -6289,8 +8341,8 @@
         </p:nvSpPr>
         <p:spPr bwMode="auto">
           <a:xfrm>
-            <a:off x="83128" y="1004623"/>
-            <a:ext cx="4728859" cy="1015663"/>
+            <a:off x="0" y="-2035"/>
+            <a:ext cx="6123471" cy="1661993"/>
           </a:xfrm>
           <a:prstGeom prst="rect">
             <a:avLst/>
@@ -6358,7 +8410,7 @@
                 <a:effectLst/>
                 <a:latin typeface="Lucida Console" panose="020B0609040504020204" pitchFamily="49" charset="0"/>
               </a:rPr>
-              <a:t>checkresiduals</a:t>
+              <a:t>auto.arima</a:t>
             </a:r>
             <a:r>
               <a:rPr kumimoji="0" lang="ko-KR" altLang="ko-KR" sz="1200" b="0" i="0" u="none" strike="noStrike" cap="none" normalizeH="0" baseline="0" dirty="0">
@@ -6371,7 +8423,137 @@
                 <a:effectLst/>
                 <a:latin typeface="Lucida Console" panose="020B0609040504020204" pitchFamily="49" charset="0"/>
               </a:rPr>
-              <a:t>(skt4_fit) </a:t>
+              <a:t>(ts_skt4,seasonal = </a:t>
+            </a:r>
+            <a:r>
+              <a:rPr kumimoji="0" lang="ko-KR" altLang="ko-KR" sz="1200" b="0" i="0" u="none" strike="noStrike" cap="none" normalizeH="0" baseline="0" dirty="0" err="1">
+                <a:ln>
+                  <a:noFill/>
+                </a:ln>
+                <a:solidFill>
+                  <a:srgbClr val="0000FF"/>
+                </a:solidFill>
+                <a:effectLst/>
+                <a:latin typeface="Lucida Console" panose="020B0609040504020204" pitchFamily="49" charset="0"/>
+              </a:rPr>
+              <a:t>F</a:t>
+            </a:r>
+            <a:r>
+              <a:rPr kumimoji="0" lang="ko-KR" altLang="ko-KR" sz="1200" b="0" i="0" u="none" strike="noStrike" cap="none" normalizeH="0" baseline="0" dirty="0">
+                <a:ln>
+                  <a:noFill/>
+                </a:ln>
+                <a:solidFill>
+                  <a:srgbClr val="0000FF"/>
+                </a:solidFill>
+                <a:effectLst/>
+                <a:latin typeface="Lucida Console" panose="020B0609040504020204" pitchFamily="49" charset="0"/>
+              </a:rPr>
+              <a:t>, </a:t>
+            </a:r>
+            <a:r>
+              <a:rPr kumimoji="0" lang="ko-KR" altLang="ko-KR" sz="1200" b="0" i="0" u="none" strike="noStrike" cap="none" normalizeH="0" baseline="0" dirty="0" err="1">
+                <a:ln>
+                  <a:noFill/>
+                </a:ln>
+                <a:solidFill>
+                  <a:srgbClr val="0000FF"/>
+                </a:solidFill>
+                <a:effectLst/>
+                <a:latin typeface="Lucida Console" panose="020B0609040504020204" pitchFamily="49" charset="0"/>
+              </a:rPr>
+              <a:t>stepwise</a:t>
+            </a:r>
+            <a:r>
+              <a:rPr kumimoji="0" lang="ko-KR" altLang="ko-KR" sz="1200" b="0" i="0" u="none" strike="noStrike" cap="none" normalizeH="0" baseline="0" dirty="0">
+                <a:ln>
+                  <a:noFill/>
+                </a:ln>
+                <a:solidFill>
+                  <a:srgbClr val="0000FF"/>
+                </a:solidFill>
+                <a:effectLst/>
+                <a:latin typeface="Lucida Console" panose="020B0609040504020204" pitchFamily="49" charset="0"/>
+              </a:rPr>
+              <a:t>=</a:t>
+            </a:r>
+            <a:r>
+              <a:rPr kumimoji="0" lang="ko-KR" altLang="ko-KR" sz="1200" b="0" i="0" u="none" strike="noStrike" cap="none" normalizeH="0" baseline="0" dirty="0" err="1">
+                <a:ln>
+                  <a:noFill/>
+                </a:ln>
+                <a:solidFill>
+                  <a:srgbClr val="0000FF"/>
+                </a:solidFill>
+                <a:effectLst/>
+                <a:latin typeface="Lucida Console" panose="020B0609040504020204" pitchFamily="49" charset="0"/>
+              </a:rPr>
+              <a:t>F</a:t>
+            </a:r>
+            <a:r>
+              <a:rPr kumimoji="0" lang="ko-KR" altLang="ko-KR" sz="1200" b="0" i="0" u="none" strike="noStrike" cap="none" normalizeH="0" baseline="0" dirty="0">
+                <a:ln>
+                  <a:noFill/>
+                </a:ln>
+                <a:solidFill>
+                  <a:srgbClr val="0000FF"/>
+                </a:solidFill>
+                <a:effectLst/>
+                <a:latin typeface="Lucida Console" panose="020B0609040504020204" pitchFamily="49" charset="0"/>
+              </a:rPr>
+              <a:t>, </a:t>
+            </a:r>
+            <a:r>
+              <a:rPr kumimoji="0" lang="ko-KR" altLang="ko-KR" sz="1200" b="0" i="0" u="none" strike="noStrike" cap="none" normalizeH="0" baseline="0" dirty="0" err="1">
+                <a:ln>
+                  <a:noFill/>
+                </a:ln>
+                <a:solidFill>
+                  <a:srgbClr val="0000FF"/>
+                </a:solidFill>
+                <a:effectLst/>
+                <a:latin typeface="Lucida Console" panose="020B0609040504020204" pitchFamily="49" charset="0"/>
+              </a:rPr>
+              <a:t>approximation</a:t>
+            </a:r>
+            <a:r>
+              <a:rPr kumimoji="0" lang="ko-KR" altLang="ko-KR" sz="1200" b="0" i="0" u="none" strike="noStrike" cap="none" normalizeH="0" baseline="0" dirty="0">
+                <a:ln>
+                  <a:noFill/>
+                </a:ln>
+                <a:solidFill>
+                  <a:srgbClr val="0000FF"/>
+                </a:solidFill>
+                <a:effectLst/>
+                <a:latin typeface="Lucida Console" panose="020B0609040504020204" pitchFamily="49" charset="0"/>
+              </a:rPr>
+              <a:t> = </a:t>
+            </a:r>
+            <a:r>
+              <a:rPr kumimoji="0" lang="ko-KR" altLang="ko-KR" sz="1200" b="0" i="0" u="none" strike="noStrike" cap="none" normalizeH="0" baseline="0" dirty="0" err="1">
+                <a:ln>
+                  <a:noFill/>
+                </a:ln>
+                <a:solidFill>
+                  <a:srgbClr val="0000FF"/>
+                </a:solidFill>
+                <a:effectLst/>
+                <a:latin typeface="Lucida Console" panose="020B0609040504020204" pitchFamily="49" charset="0"/>
+              </a:rPr>
+              <a:t>F</a:t>
+            </a:r>
+            <a:r>
+              <a:rPr kumimoji="0" lang="ko-KR" altLang="ko-KR" sz="1200" b="0" i="0" u="none" strike="noStrike" cap="none" normalizeH="0" baseline="0" dirty="0">
+                <a:ln>
+                  <a:noFill/>
+                </a:ln>
+                <a:solidFill>
+                  <a:srgbClr val="0000FF"/>
+                </a:solidFill>
+                <a:effectLst/>
+                <a:latin typeface="Lucida Console" panose="020B0609040504020204" pitchFamily="49" charset="0"/>
+              </a:rPr>
+              <a:t>) </a:t>
             </a:r>
             <a:endParaRPr kumimoji="0" lang="en-US" altLang="ko-KR" sz="1200" b="0" i="0" u="none" strike="noStrike" cap="none" normalizeH="0" baseline="0" dirty="0">
               <a:ln>
@@ -6410,59 +8592,7 @@
                 <a:effectLst/>
                 <a:latin typeface="Lucida Console" panose="020B0609040504020204" pitchFamily="49" charset="0"/>
               </a:rPr>
-              <a:t>Ljung-Box</a:t>
-            </a:r>
-            <a:r>
-              <a:rPr kumimoji="0" lang="ko-KR" altLang="ko-KR" sz="1200" b="0" i="0" u="none" strike="noStrike" cap="none" normalizeH="0" baseline="0" dirty="0">
-                <a:ln>
-                  <a:noFill/>
-                </a:ln>
-                <a:solidFill>
-                  <a:srgbClr val="000000"/>
-                </a:solidFill>
-                <a:effectLst/>
-                <a:latin typeface="Lucida Console" panose="020B0609040504020204" pitchFamily="49" charset="0"/>
-              </a:rPr>
-              <a:t> </a:t>
-            </a:r>
-            <a:r>
-              <a:rPr kumimoji="0" lang="ko-KR" altLang="ko-KR" sz="1200" b="0" i="0" u="none" strike="noStrike" cap="none" normalizeH="0" baseline="0" dirty="0" err="1">
-                <a:ln>
-                  <a:noFill/>
-                </a:ln>
-                <a:solidFill>
-                  <a:srgbClr val="000000"/>
-                </a:solidFill>
-                <a:effectLst/>
-                <a:latin typeface="Lucida Console" panose="020B0609040504020204" pitchFamily="49" charset="0"/>
-              </a:rPr>
-              <a:t>test</a:t>
-            </a:r>
-            <a:r>
-              <a:rPr kumimoji="0" lang="ko-KR" altLang="ko-KR" sz="1200" b="0" i="0" u="none" strike="noStrike" cap="none" normalizeH="0" baseline="0" dirty="0">
-                <a:ln>
-                  <a:noFill/>
-                </a:ln>
-                <a:solidFill>
-                  <a:srgbClr val="000000"/>
-                </a:solidFill>
-                <a:effectLst/>
-                <a:latin typeface="Lucida Console" panose="020B0609040504020204" pitchFamily="49" charset="0"/>
-              </a:rPr>
-              <a:t> </a:t>
-            </a:r>
-            <a:r>
-              <a:rPr kumimoji="0" lang="ko-KR" altLang="ko-KR" sz="1200" b="0" i="0" u="none" strike="noStrike" cap="none" normalizeH="0" baseline="0" dirty="0" err="1">
-                <a:ln>
-                  <a:noFill/>
-                </a:ln>
-                <a:solidFill>
-                  <a:srgbClr val="000000"/>
-                </a:solidFill>
-                <a:effectLst/>
-                <a:latin typeface="Lucida Console" panose="020B0609040504020204" pitchFamily="49" charset="0"/>
-              </a:rPr>
-              <a:t>data</a:t>
+              <a:t>Series</a:t>
             </a:r>
             <a:r>
               <a:rPr kumimoji="0" lang="ko-KR" altLang="ko-KR" sz="1200" b="0" i="0" u="none" strike="noStrike" cap="none" normalizeH="0" baseline="0" dirty="0">
@@ -6478,63 +8608,24 @@
               <a:t>: </a:t>
             </a:r>
             <a:r>
-              <a:rPr kumimoji="0" lang="ko-KR" altLang="ko-KR" sz="1200" b="0" i="0" u="none" strike="noStrike" cap="none" normalizeH="0" baseline="0" dirty="0" err="1">
-                <a:ln>
-                  <a:noFill/>
-                </a:ln>
-                <a:solidFill>
-                  <a:srgbClr val="000000"/>
-                </a:solidFill>
-                <a:effectLst/>
-                <a:latin typeface="Lucida Console" panose="020B0609040504020204" pitchFamily="49" charset="0"/>
-              </a:rPr>
-              <a:t>Residuals</a:t>
-            </a:r>
-            <a:r>
-              <a:rPr kumimoji="0" lang="ko-KR" altLang="ko-KR" sz="1200" b="0" i="0" u="none" strike="noStrike" cap="none" normalizeH="0" baseline="0" dirty="0">
-                <a:ln>
-                  <a:noFill/>
-                </a:ln>
-                <a:solidFill>
-                  <a:srgbClr val="000000"/>
-                </a:solidFill>
-                <a:effectLst/>
-                <a:latin typeface="Lucida Console" panose="020B0609040504020204" pitchFamily="49" charset="0"/>
-              </a:rPr>
-              <a:t> </a:t>
-            </a:r>
-            <a:r>
-              <a:rPr kumimoji="0" lang="ko-KR" altLang="ko-KR" sz="1200" b="0" i="0" u="none" strike="noStrike" cap="none" normalizeH="0" baseline="0" dirty="0" err="1">
-                <a:ln>
-                  <a:noFill/>
-                </a:ln>
-                <a:solidFill>
-                  <a:srgbClr val="000000"/>
-                </a:solidFill>
-                <a:effectLst/>
-                <a:latin typeface="Lucida Console" panose="020B0609040504020204" pitchFamily="49" charset="0"/>
-              </a:rPr>
-              <a:t>from</a:t>
-            </a:r>
-            <a:r>
-              <a:rPr kumimoji="0" lang="ko-KR" altLang="ko-KR" sz="1200" b="0" i="0" u="none" strike="noStrike" cap="none" normalizeH="0" baseline="0" dirty="0">
-                <a:ln>
-                  <a:noFill/>
-                </a:ln>
-                <a:solidFill>
-                  <a:srgbClr val="000000"/>
-                </a:solidFill>
-                <a:effectLst/>
-                <a:latin typeface="Lucida Console" panose="020B0609040504020204" pitchFamily="49" charset="0"/>
-              </a:rPr>
-              <a:t> ARIMA(4,2,0) </a:t>
+              <a:rPr kumimoji="0" lang="ko-KR" altLang="ko-KR" sz="1200" b="0" i="0" u="none" strike="noStrike" cap="none" normalizeH="0" baseline="0" dirty="0">
+                <a:ln>
+                  <a:noFill/>
+                </a:ln>
+                <a:solidFill>
+                  <a:srgbClr val="FF0000"/>
+                </a:solidFill>
+                <a:effectLst/>
+                <a:latin typeface="Lucida Console" panose="020B0609040504020204" pitchFamily="49" charset="0"/>
+              </a:rPr>
+              <a:t>ts_skt4 ARIMA(5,2,0) </a:t>
             </a:r>
             <a:endParaRPr kumimoji="0" lang="en-US" altLang="ko-KR" sz="1200" b="0" i="0" u="none" strike="noStrike" cap="none" normalizeH="0" baseline="0" dirty="0">
               <a:ln>
                 <a:noFill/>
               </a:ln>
               <a:solidFill>
-                <a:srgbClr val="000000"/>
+                <a:srgbClr val="FF0000"/>
               </a:solidFill>
               <a:effectLst/>
               <a:latin typeface="Lucida Console" panose="020B0609040504020204" pitchFamily="49" charset="0"/>
@@ -6566,72 +8657,20 @@
                 <a:effectLst/>
                 <a:latin typeface="Lucida Console" panose="020B0609040504020204" pitchFamily="49" charset="0"/>
               </a:rPr>
-              <a:t>Q</a:t>
-            </a:r>
-            <a:r>
-              <a:rPr kumimoji="0" lang="ko-KR" altLang="ko-KR" sz="1200" b="0" i="0" u="none" strike="noStrike" cap="none" normalizeH="0" baseline="0" dirty="0">
-                <a:ln>
-                  <a:noFill/>
-                </a:ln>
-                <a:solidFill>
-                  <a:srgbClr val="000000"/>
-                </a:solidFill>
-                <a:effectLst/>
-                <a:latin typeface="Lucida Console" panose="020B0609040504020204" pitchFamily="49" charset="0"/>
-              </a:rPr>
-              <a:t>* = 25.525, </a:t>
-            </a:r>
-            <a:r>
-              <a:rPr kumimoji="0" lang="ko-KR" altLang="ko-KR" sz="1200" b="0" i="0" u="none" strike="noStrike" cap="none" normalizeH="0" baseline="0" dirty="0" err="1">
-                <a:ln>
-                  <a:noFill/>
-                </a:ln>
-                <a:solidFill>
-                  <a:srgbClr val="000000"/>
-                </a:solidFill>
-                <a:effectLst/>
-                <a:latin typeface="Lucida Console" panose="020B0609040504020204" pitchFamily="49" charset="0"/>
-              </a:rPr>
-              <a:t>df</a:t>
-            </a:r>
-            <a:r>
-              <a:rPr kumimoji="0" lang="ko-KR" altLang="ko-KR" sz="1200" b="0" i="0" u="none" strike="noStrike" cap="none" normalizeH="0" baseline="0" dirty="0">
-                <a:ln>
-                  <a:noFill/>
-                </a:ln>
-                <a:solidFill>
-                  <a:srgbClr val="000000"/>
-                </a:solidFill>
-                <a:effectLst/>
-                <a:latin typeface="Lucida Console" panose="020B0609040504020204" pitchFamily="49" charset="0"/>
-              </a:rPr>
-              <a:t> = 14, </a:t>
-            </a:r>
-            <a:r>
-              <a:rPr kumimoji="0" lang="ko-KR" altLang="ko-KR" sz="1200" b="0" i="0" u="none" strike="noStrike" cap="none" normalizeH="0" baseline="0" dirty="0" err="1">
-                <a:ln>
-                  <a:noFill/>
-                </a:ln>
-                <a:solidFill>
-                  <a:srgbClr val="000000"/>
-                </a:solidFill>
-                <a:effectLst/>
-                <a:latin typeface="Lucida Console" panose="020B0609040504020204" pitchFamily="49" charset="0"/>
-              </a:rPr>
-              <a:t>p-value</a:t>
-            </a:r>
-            <a:r>
-              <a:rPr kumimoji="0" lang="ko-KR" altLang="ko-KR" sz="1200" b="0" i="0" u="none" strike="noStrike" cap="none" normalizeH="0" baseline="0" dirty="0">
-                <a:ln>
-                  <a:noFill/>
-                </a:ln>
-                <a:solidFill>
-                  <a:srgbClr val="000000"/>
-                </a:solidFill>
-                <a:effectLst/>
-                <a:latin typeface="Lucida Console" panose="020B0609040504020204" pitchFamily="49" charset="0"/>
-              </a:rPr>
-              <a:t> = 0.02973 </a:t>
+              <a:t>Coefficients</a:t>
+            </a:r>
+            <a:r>
+              <a:rPr kumimoji="0" lang="ko-KR" altLang="ko-KR" sz="1200" b="0" i="0" u="none" strike="noStrike" cap="none" normalizeH="0" baseline="0" dirty="0">
+                <a:ln>
+                  <a:noFill/>
+                </a:ln>
+                <a:solidFill>
+                  <a:srgbClr val="000000"/>
+                </a:solidFill>
+                <a:effectLst/>
+                <a:latin typeface="Lucida Console" panose="020B0609040504020204" pitchFamily="49" charset="0"/>
+              </a:rPr>
+              <a:t>: </a:t>
             </a:r>
             <a:endParaRPr kumimoji="0" lang="en-US" altLang="ko-KR" sz="1200" b="0" i="0" u="none" strike="noStrike" cap="none" normalizeH="0" baseline="0" dirty="0">
               <a:ln>
@@ -6660,6 +8699,201 @@
               <a:tabLst/>
             </a:pPr>
             <a:r>
+              <a:rPr kumimoji="0" lang="en-US" altLang="ko-KR" sz="1200" b="0" i="0" u="none" strike="noStrike" cap="none" normalizeH="0" baseline="0" dirty="0">
+                <a:ln>
+                  <a:noFill/>
+                </a:ln>
+                <a:solidFill>
+                  <a:srgbClr val="000000"/>
+                </a:solidFill>
+                <a:effectLst/>
+                <a:latin typeface="Lucida Console" panose="020B0609040504020204" pitchFamily="49" charset="0"/>
+              </a:rPr>
+              <a:t>  </a:t>
+            </a:r>
+            <a:r>
+              <a:rPr kumimoji="0" lang="ko-KR" altLang="ko-KR" sz="1200" b="0" i="0" u="none" strike="noStrike" cap="none" normalizeH="0" baseline="0" dirty="0">
+                <a:ln>
+                  <a:noFill/>
+                </a:ln>
+                <a:solidFill>
+                  <a:srgbClr val="000000"/>
+                </a:solidFill>
+                <a:effectLst/>
+                <a:latin typeface="Lucida Console" panose="020B0609040504020204" pitchFamily="49" charset="0"/>
+              </a:rPr>
+              <a:t>ar1</a:t>
+            </a:r>
+            <a:r>
+              <a:rPr kumimoji="0" lang="en-US" altLang="ko-KR" sz="1200" b="0" i="0" u="none" strike="noStrike" cap="none" normalizeH="0" baseline="0" dirty="0">
+                <a:ln>
+                  <a:noFill/>
+                </a:ln>
+                <a:solidFill>
+                  <a:srgbClr val="000000"/>
+                </a:solidFill>
+                <a:effectLst/>
+                <a:latin typeface="Lucida Console" panose="020B0609040504020204" pitchFamily="49" charset="0"/>
+              </a:rPr>
+              <a:t>     </a:t>
+            </a:r>
+            <a:r>
+              <a:rPr kumimoji="0" lang="ko-KR" altLang="ko-KR" sz="1200" b="0" i="0" u="none" strike="noStrike" cap="none" normalizeH="0" baseline="0" dirty="0">
+                <a:ln>
+                  <a:noFill/>
+                </a:ln>
+                <a:solidFill>
+                  <a:srgbClr val="000000"/>
+                </a:solidFill>
+                <a:effectLst/>
+                <a:latin typeface="Lucida Console" panose="020B0609040504020204" pitchFamily="49" charset="0"/>
+              </a:rPr>
+              <a:t> ar2 </a:t>
+            </a:r>
+            <a:r>
+              <a:rPr kumimoji="0" lang="en-US" altLang="ko-KR" sz="1200" b="0" i="0" u="none" strike="noStrike" cap="none" normalizeH="0" baseline="0" dirty="0">
+                <a:ln>
+                  <a:noFill/>
+                </a:ln>
+                <a:solidFill>
+                  <a:srgbClr val="000000"/>
+                </a:solidFill>
+                <a:effectLst/>
+                <a:latin typeface="Lucida Console" panose="020B0609040504020204" pitchFamily="49" charset="0"/>
+              </a:rPr>
+              <a:t>   </a:t>
+            </a:r>
+            <a:r>
+              <a:rPr kumimoji="0" lang="ko-KR" altLang="ko-KR" sz="1200" b="0" i="0" u="none" strike="noStrike" cap="none" normalizeH="0" baseline="0" dirty="0">
+                <a:ln>
+                  <a:noFill/>
+                </a:ln>
+                <a:solidFill>
+                  <a:srgbClr val="000000"/>
+                </a:solidFill>
+                <a:effectLst/>
+                <a:latin typeface="Lucida Console" panose="020B0609040504020204" pitchFamily="49" charset="0"/>
+              </a:rPr>
+              <a:t>ar3</a:t>
+            </a:r>
+            <a:r>
+              <a:rPr kumimoji="0" lang="en-US" altLang="ko-KR" sz="1200" b="0" i="0" u="none" strike="noStrike" cap="none" normalizeH="0" baseline="0" dirty="0">
+                <a:ln>
+                  <a:noFill/>
+                </a:ln>
+                <a:solidFill>
+                  <a:srgbClr val="000000"/>
+                </a:solidFill>
+                <a:effectLst/>
+                <a:latin typeface="Lucida Console" panose="020B0609040504020204" pitchFamily="49" charset="0"/>
+              </a:rPr>
+              <a:t>    </a:t>
+            </a:r>
+            <a:r>
+              <a:rPr kumimoji="0" lang="ko-KR" altLang="ko-KR" sz="1200" b="0" i="0" u="none" strike="noStrike" cap="none" normalizeH="0" baseline="0" dirty="0">
+                <a:ln>
+                  <a:noFill/>
+                </a:ln>
+                <a:solidFill>
+                  <a:srgbClr val="000000"/>
+                </a:solidFill>
+                <a:effectLst/>
+                <a:latin typeface="Lucida Console" panose="020B0609040504020204" pitchFamily="49" charset="0"/>
+              </a:rPr>
+              <a:t> ar4</a:t>
+            </a:r>
+            <a:r>
+              <a:rPr kumimoji="0" lang="en-US" altLang="ko-KR" sz="1200" b="0" i="0" u="none" strike="noStrike" cap="none" normalizeH="0" baseline="0" dirty="0">
+                <a:ln>
+                  <a:noFill/>
+                </a:ln>
+                <a:solidFill>
+                  <a:srgbClr val="000000"/>
+                </a:solidFill>
+                <a:effectLst/>
+                <a:latin typeface="Lucida Console" panose="020B0609040504020204" pitchFamily="49" charset="0"/>
+              </a:rPr>
+              <a:t>     </a:t>
+            </a:r>
+            <a:r>
+              <a:rPr kumimoji="0" lang="ko-KR" altLang="ko-KR" sz="1200" b="0" i="0" u="none" strike="noStrike" cap="none" normalizeH="0" baseline="0" dirty="0">
+                <a:ln>
+                  <a:noFill/>
+                </a:ln>
+                <a:solidFill>
+                  <a:srgbClr val="000000"/>
+                </a:solidFill>
+                <a:effectLst/>
+                <a:latin typeface="Lucida Console" panose="020B0609040504020204" pitchFamily="49" charset="0"/>
+              </a:rPr>
+              <a:t> ar5 </a:t>
+            </a:r>
+            <a:endParaRPr kumimoji="0" lang="en-US" altLang="ko-KR" sz="1200" b="0" i="0" u="none" strike="noStrike" cap="none" normalizeH="0" baseline="0" dirty="0">
+              <a:ln>
+                <a:noFill/>
+              </a:ln>
+              <a:solidFill>
+                <a:srgbClr val="000000"/>
+              </a:solidFill>
+              <a:effectLst/>
+              <a:latin typeface="Lucida Console" panose="020B0609040504020204" pitchFamily="49" charset="0"/>
+            </a:endParaRPr>
+          </a:p>
+          <a:p>
+            <a:pPr marR="0" lvl="0" algn="l" defTabSz="914400" rtl="0" eaLnBrk="0" fontAlgn="base" latinLnBrk="0" hangingPunct="0">
+              <a:lnSpc>
+                <a:spcPct val="100000"/>
+              </a:lnSpc>
+              <a:spcBef>
+                <a:spcPct val="0"/>
+              </a:spcBef>
+              <a:spcAft>
+                <a:spcPct val="0"/>
+              </a:spcAft>
+              <a:buClrTx/>
+              <a:buSzTx/>
+              <a:tabLst/>
+            </a:pPr>
+            <a:r>
+              <a:rPr kumimoji="0" lang="ko-KR" altLang="ko-KR" sz="1200" b="0" i="0" u="none" strike="noStrike" cap="none" normalizeH="0" baseline="0" dirty="0">
+                <a:ln>
+                  <a:noFill/>
+                </a:ln>
+                <a:solidFill>
+                  <a:srgbClr val="000000"/>
+                </a:solidFill>
+                <a:effectLst/>
+                <a:latin typeface="Lucida Console" panose="020B0609040504020204" pitchFamily="49" charset="0"/>
+              </a:rPr>
+              <a:t>-0.5695 -0.3621 -0.1858 -0.2284 -0.4046 </a:t>
+            </a:r>
+            <a:endParaRPr kumimoji="0" lang="en-US" altLang="ko-KR" sz="1200" b="0" i="0" u="none" strike="noStrike" cap="none" normalizeH="0" baseline="0" dirty="0">
+              <a:ln>
+                <a:noFill/>
+              </a:ln>
+              <a:solidFill>
+                <a:srgbClr val="000000"/>
+              </a:solidFill>
+              <a:effectLst/>
+              <a:latin typeface="Lucida Console" panose="020B0609040504020204" pitchFamily="49" charset="0"/>
+            </a:endParaRPr>
+          </a:p>
+          <a:p>
+            <a:pPr marR="0" lvl="0" algn="l" defTabSz="914400" rtl="0" eaLnBrk="0" fontAlgn="base" latinLnBrk="0" hangingPunct="0">
+              <a:lnSpc>
+                <a:spcPct val="100000"/>
+              </a:lnSpc>
+              <a:spcBef>
+                <a:spcPct val="0"/>
+              </a:spcBef>
+              <a:spcAft>
+                <a:spcPct val="0"/>
+              </a:spcAft>
+              <a:buClrTx/>
+              <a:buSzTx/>
+              <a:tabLst/>
+            </a:pPr>
+            <a:r>
               <a:rPr kumimoji="0" lang="ko-KR" altLang="ko-KR" sz="1200" b="0" i="0" u="none" strike="noStrike" cap="none" normalizeH="0" baseline="0" dirty="0" err="1">
                 <a:ln>
                   <a:noFill/>
@@ -6670,7 +8904,111 @@
                 <a:effectLst/>
                 <a:latin typeface="Lucida Console" panose="020B0609040504020204" pitchFamily="49" charset="0"/>
               </a:rPr>
-              <a:t>Model</a:t>
+              <a:t>s.e</a:t>
+            </a:r>
+            <a:r>
+              <a:rPr kumimoji="0" lang="ko-KR" altLang="ko-KR" sz="1200" b="0" i="0" u="none" strike="noStrike" cap="none" normalizeH="0" baseline="0" dirty="0">
+                <a:ln>
+                  <a:noFill/>
+                </a:ln>
+                <a:solidFill>
+                  <a:srgbClr val="000000"/>
+                </a:solidFill>
+                <a:effectLst/>
+                <a:latin typeface="Lucida Console" panose="020B0609040504020204" pitchFamily="49" charset="0"/>
+              </a:rPr>
+              <a:t>. </a:t>
+            </a:r>
+            <a:endParaRPr kumimoji="0" lang="en-US" altLang="ko-KR" sz="1200" b="0" i="0" u="none" strike="noStrike" cap="none" normalizeH="0" baseline="0" dirty="0">
+              <a:ln>
+                <a:noFill/>
+              </a:ln>
+              <a:solidFill>
+                <a:srgbClr val="000000"/>
+              </a:solidFill>
+              <a:effectLst/>
+              <a:latin typeface="Lucida Console" panose="020B0609040504020204" pitchFamily="49" charset="0"/>
+            </a:endParaRPr>
+          </a:p>
+          <a:p>
+            <a:pPr marR="0" lvl="0" algn="l" defTabSz="914400" rtl="0" eaLnBrk="0" fontAlgn="base" latinLnBrk="0" hangingPunct="0">
+              <a:lnSpc>
+                <a:spcPct val="100000"/>
+              </a:lnSpc>
+              <a:spcBef>
+                <a:spcPct val="0"/>
+              </a:spcBef>
+              <a:spcAft>
+                <a:spcPct val="0"/>
+              </a:spcAft>
+              <a:buClrTx/>
+              <a:buSzTx/>
+              <a:tabLst/>
+            </a:pPr>
+            <a:r>
+              <a:rPr kumimoji="0" lang="ko-KR" altLang="ko-KR" sz="1200" b="0" i="0" u="none" strike="noStrike" cap="none" normalizeH="0" baseline="0" dirty="0">
+                <a:ln>
+                  <a:noFill/>
+                </a:ln>
+                <a:solidFill>
+                  <a:srgbClr val="000000"/>
+                </a:solidFill>
+                <a:effectLst/>
+                <a:latin typeface="Lucida Console" panose="020B0609040504020204" pitchFamily="49" charset="0"/>
+              </a:rPr>
+              <a:t>0.0989 0.1133 0.1212 0.1183 0.1080 </a:t>
+            </a:r>
+            <a:endParaRPr kumimoji="0" lang="en-US" altLang="ko-KR" sz="1200" b="0" i="0" u="none" strike="noStrike" cap="none" normalizeH="0" baseline="0" dirty="0">
+              <a:ln>
+                <a:noFill/>
+              </a:ln>
+              <a:solidFill>
+                <a:srgbClr val="000000"/>
+              </a:solidFill>
+              <a:effectLst/>
+              <a:latin typeface="Lucida Console" panose="020B0609040504020204" pitchFamily="49" charset="0"/>
+            </a:endParaRPr>
+          </a:p>
+          <a:p>
+            <a:pPr marR="0" lvl="0" algn="l" defTabSz="914400" rtl="0" eaLnBrk="0" fontAlgn="base" latinLnBrk="0" hangingPunct="0">
+              <a:lnSpc>
+                <a:spcPct val="100000"/>
+              </a:lnSpc>
+              <a:spcBef>
+                <a:spcPct val="0"/>
+              </a:spcBef>
+              <a:spcAft>
+                <a:spcPct val="0"/>
+              </a:spcAft>
+              <a:buClrTx/>
+              <a:buSzTx/>
+              <a:tabLst/>
+            </a:pPr>
+            <a:r>
+              <a:rPr kumimoji="0" lang="ko-KR" altLang="ko-KR" sz="1200" b="0" i="0" u="none" strike="noStrike" cap="none" normalizeH="0" baseline="0" dirty="0">
+                <a:ln>
+                  <a:noFill/>
+                </a:ln>
+                <a:solidFill>
+                  <a:srgbClr val="000000"/>
+                </a:solidFill>
+                <a:effectLst/>
+                <a:latin typeface="Lucida Console" panose="020B0609040504020204" pitchFamily="49" charset="0"/>
+              </a:rPr>
+              <a:t>sigma^2 </a:t>
+            </a:r>
+            <a:r>
+              <a:rPr kumimoji="0" lang="ko-KR" altLang="ko-KR" sz="1200" b="0" i="0" u="none" strike="noStrike" cap="none" normalizeH="0" baseline="0" dirty="0" err="1">
+                <a:ln>
+                  <a:noFill/>
+                </a:ln>
+                <a:solidFill>
+                  <a:srgbClr val="000000"/>
+                </a:solidFill>
+                <a:effectLst/>
+                <a:latin typeface="Lucida Console" panose="020B0609040504020204" pitchFamily="49" charset="0"/>
+              </a:rPr>
+              <a:t>estimated</a:t>
             </a:r>
             <a:r>
               <a:rPr kumimoji="0" lang="ko-KR" altLang="ko-KR" sz="1200" b="0" i="0" u="none" strike="noStrike" cap="none" normalizeH="0" baseline="0" dirty="0">
@@ -6696,21 +9034,47 @@
                 <a:effectLst/>
                 <a:latin typeface="Lucida Console" panose="020B0609040504020204" pitchFamily="49" charset="0"/>
               </a:rPr>
-              <a:t>df</a:t>
-            </a:r>
-            <a:r>
-              <a:rPr kumimoji="0" lang="ko-KR" altLang="ko-KR" sz="1200" b="0" i="0" u="none" strike="noStrike" cap="none" normalizeH="0" baseline="0" dirty="0">
-                <a:ln>
-                  <a:noFill/>
-                </a:ln>
-                <a:solidFill>
-                  <a:srgbClr val="000000"/>
-                </a:solidFill>
-                <a:effectLst/>
-                <a:latin typeface="Lucida Console" panose="020B0609040504020204" pitchFamily="49" charset="0"/>
-              </a:rPr>
-              <a:t>: 4. </a:t>
-            </a:r>
+              <a:t>as</a:t>
+            </a:r>
+            <a:r>
+              <a:rPr kumimoji="0" lang="ko-KR" altLang="ko-KR" sz="1200" b="0" i="0" u="none" strike="noStrike" cap="none" normalizeH="0" baseline="0" dirty="0">
+                <a:ln>
+                  <a:noFill/>
+                </a:ln>
+                <a:solidFill>
+                  <a:srgbClr val="000000"/>
+                </a:solidFill>
+                <a:effectLst/>
+                <a:latin typeface="Lucida Console" panose="020B0609040504020204" pitchFamily="49" charset="0"/>
+              </a:rPr>
+              <a:t> 8.764e+09: </a:t>
+            </a:r>
+            <a:endParaRPr kumimoji="0" lang="en-US" altLang="ko-KR" sz="1200" b="0" i="0" u="none" strike="noStrike" cap="none" normalizeH="0" baseline="0" dirty="0">
+              <a:ln>
+                <a:noFill/>
+              </a:ln>
+              <a:solidFill>
+                <a:srgbClr val="000000"/>
+              </a:solidFill>
+              <a:effectLst/>
+              <a:latin typeface="Lucida Console" panose="020B0609040504020204" pitchFamily="49" charset="0"/>
+            </a:endParaRPr>
+          </a:p>
+          <a:p>
+            <a:pPr marR="0" lvl="0" algn="l" defTabSz="914400" rtl="0" eaLnBrk="0" fontAlgn="base" latinLnBrk="0" hangingPunct="0">
+              <a:lnSpc>
+                <a:spcPct val="100000"/>
+              </a:lnSpc>
+              <a:spcBef>
+                <a:spcPct val="0"/>
+              </a:spcBef>
+              <a:spcAft>
+                <a:spcPct val="0"/>
+              </a:spcAft>
+              <a:buClrTx/>
+              <a:buSzTx/>
+              <a:tabLst/>
+            </a:pPr>
             <a:r>
               <a:rPr kumimoji="0" lang="ko-KR" altLang="ko-KR" sz="1200" b="0" i="0" u="none" strike="noStrike" cap="none" normalizeH="0" baseline="0" dirty="0" err="1">
                 <a:ln>
@@ -6722,7 +9086,7 @@
                 <a:effectLst/>
                 <a:latin typeface="Lucida Console" panose="020B0609040504020204" pitchFamily="49" charset="0"/>
               </a:rPr>
-              <a:t>Total</a:t>
+              <a:t>log</a:t>
             </a:r>
             <a:r>
               <a:rPr kumimoji="0" lang="ko-KR" altLang="ko-KR" sz="1200" b="0" i="0" u="none" strike="noStrike" cap="none" normalizeH="0" baseline="0" dirty="0">
@@ -6748,20 +9112,20 @@
                 <a:effectLst/>
                 <a:latin typeface="Lucida Console" panose="020B0609040504020204" pitchFamily="49" charset="0"/>
               </a:rPr>
-              <a:t>lags</a:t>
-            </a:r>
-            <a:r>
-              <a:rPr kumimoji="0" lang="ko-KR" altLang="ko-KR" sz="1200" b="0" i="0" u="none" strike="noStrike" cap="none" normalizeH="0" baseline="0" dirty="0">
-                <a:ln>
-                  <a:noFill/>
-                </a:ln>
-                <a:solidFill>
-                  <a:srgbClr val="000000"/>
-                </a:solidFill>
-                <a:effectLst/>
-                <a:latin typeface="Lucida Console" panose="020B0609040504020204" pitchFamily="49" charset="0"/>
-              </a:rPr>
-              <a:t> </a:t>
+              <a:t>likelihood</a:t>
+            </a:r>
+            <a:r>
+              <a:rPr kumimoji="0" lang="ko-KR" altLang="ko-KR" sz="1200" b="0" i="0" u="none" strike="noStrike" cap="none" normalizeH="0" baseline="0" dirty="0">
+                <a:ln>
+                  <a:noFill/>
+                </a:ln>
+                <a:solidFill>
+                  <a:srgbClr val="000000"/>
+                </a:solidFill>
+                <a:effectLst/>
+                <a:latin typeface="Lucida Console" panose="020B0609040504020204" pitchFamily="49" charset="0"/>
+              </a:rPr>
+              <a:t>=-1117.4 AIC=2246.81 </a:t>
             </a:r>
             <a:r>
               <a:rPr kumimoji="0" lang="ko-KR" altLang="ko-KR" sz="1200" b="0" i="0" u="none" strike="noStrike" cap="none" normalizeH="0" baseline="0" dirty="0" err="1">
@@ -6774,32 +9138,21 @@
                 <a:effectLst/>
                 <a:latin typeface="Lucida Console" panose="020B0609040504020204" pitchFamily="49" charset="0"/>
               </a:rPr>
-              <a:t>used</a:t>
-            </a:r>
-            <a:r>
-              <a:rPr kumimoji="0" lang="ko-KR" altLang="ko-KR" sz="1200" b="0" i="0" u="none" strike="noStrike" cap="none" normalizeH="0" baseline="0" dirty="0">
-                <a:ln>
-                  <a:noFill/>
-                </a:ln>
-                <a:solidFill>
-                  <a:srgbClr val="000000"/>
-                </a:solidFill>
-                <a:effectLst/>
-                <a:latin typeface="Lucida Console" panose="020B0609040504020204" pitchFamily="49" charset="0"/>
-              </a:rPr>
-              <a:t>: 18 </a:t>
-            </a:r>
-            <a:br>
-              <a:rPr kumimoji="0" lang="ko-KR" altLang="ko-KR" sz="800" b="0" i="0" u="none" strike="noStrike" cap="none" normalizeH="0" baseline="0" dirty="0">
-                <a:ln>
-                  <a:noFill/>
-                </a:ln>
-                <a:solidFill>
-                  <a:schemeClr val="tx1"/>
-                </a:solidFill>
-                <a:effectLst/>
-              </a:rPr>
-            </a:br>
+              <a:t>AICc</a:t>
+            </a:r>
+            <a:r>
+              <a:rPr kumimoji="0" lang="ko-KR" altLang="ko-KR" sz="1200" b="0" i="0" u="none" strike="noStrike" cap="none" normalizeH="0" baseline="0" dirty="0">
+                <a:ln>
+                  <a:noFill/>
+                </a:ln>
+                <a:solidFill>
+                  <a:srgbClr val="000000"/>
+                </a:solidFill>
+                <a:effectLst/>
+                <a:latin typeface="Lucida Console" panose="020B0609040504020204" pitchFamily="49" charset="0"/>
+              </a:rPr>
+              <a:t>=2247.86 BIC=2261.6</a:t>
+            </a:r>
             <a:endParaRPr kumimoji="0" lang="ko-KR" altLang="ko-KR" sz="1800" b="0" i="0" u="none" strike="noStrike" cap="none" normalizeH="0" baseline="0" dirty="0">
               <a:ln>
                 <a:noFill/>
@@ -6813,12 +9166,67 @@
           </a:p>
         </p:txBody>
       </p:sp>
+      <p:sp>
+        <p:nvSpPr>
+          <p:cNvPr id="4" name="TextBox 3">
+            <a:extLst>
+              <a:ext uri="{FF2B5EF4-FFF2-40B4-BE49-F238E27FC236}">
+                <a16:creationId xmlns:a16="http://schemas.microsoft.com/office/drawing/2014/main" id="{CCAFC865-C447-486D-8EDA-D5E57585BF84}"/>
+              </a:ext>
+            </a:extLst>
+          </p:cNvPr>
+          <p:cNvSpPr txBox="1"/>
+          <p:nvPr/>
+        </p:nvSpPr>
+        <p:spPr>
+          <a:xfrm>
+            <a:off x="3" y="1785512"/>
+            <a:ext cx="6830011" cy="307777"/>
+          </a:xfrm>
+          <a:prstGeom prst="rect">
+            <a:avLst/>
+          </a:prstGeom>
+          <a:noFill/>
+        </p:spPr>
+        <p:txBody>
+          <a:bodyPr wrap="none" rtlCol="0">
+            <a:spAutoFit/>
+          </a:bodyPr>
+          <a:lstStyle/>
+          <a:p>
+            <a:r>
+              <a:rPr lang="en-US" altLang="ko-KR" sz="1400" b="1" dirty="0"/>
+              <a:t>※ Auto ARIMA</a:t>
+            </a:r>
+            <a:r>
+              <a:rPr lang="ko-KR" altLang="en-US" sz="1400" b="1" dirty="0"/>
+              <a:t>를 통해 </a:t>
+            </a:r>
+            <a:r>
+              <a:rPr lang="en-US" altLang="ko-KR" sz="1400" b="1" dirty="0"/>
+              <a:t>ACF, PACF</a:t>
+            </a:r>
+            <a:r>
+              <a:rPr lang="ko-KR" altLang="en-US" sz="1400" b="1" dirty="0"/>
+              <a:t>와 차분 값을 확인 후 </a:t>
+            </a:r>
+            <a:r>
+              <a:rPr lang="en-US" altLang="ko-KR" sz="1400" b="1" dirty="0"/>
+              <a:t>fitted model</a:t>
+            </a:r>
+            <a:r>
+              <a:rPr lang="ko-KR" altLang="en-US" sz="1400" b="1" dirty="0"/>
+              <a:t>을 직접 생성</a:t>
+            </a:r>
+          </a:p>
+        </p:txBody>
+      </p:sp>
       <p:pic>
         <p:nvPicPr>
-          <p:cNvPr id="9" name="그림 8">
+          <p:cNvPr id="5" name="그림 4">
             <a:extLst>
               <a:ext uri="{FF2B5EF4-FFF2-40B4-BE49-F238E27FC236}">
-                <a16:creationId xmlns:a16="http://schemas.microsoft.com/office/drawing/2014/main" id="{5AAD9463-3419-4417-A169-6DBE16E2AFC6}"/>
+                <a16:creationId xmlns:a16="http://schemas.microsoft.com/office/drawing/2014/main" id="{94AE68E5-A1B8-46A7-A8FF-F3BAE088EB17}"/>
               </a:ext>
             </a:extLst>
           </p:cNvPr>
@@ -6841,14 +9249,1391 @@
         </p:blipFill>
         <p:spPr>
           <a:xfrm>
-            <a:off x="4691309" y="183804"/>
-            <a:ext cx="7378338" cy="6145876"/>
+            <a:off x="228463" y="2225964"/>
+            <a:ext cx="4906712" cy="4632036"/>
           </a:xfrm>
           <a:prstGeom prst="rect">
             <a:avLst/>
           </a:prstGeom>
         </p:spPr>
       </p:pic>
+      <p:pic>
+        <p:nvPicPr>
+          <p:cNvPr id="7" name="그림 6">
+            <a:extLst>
+              <a:ext uri="{FF2B5EF4-FFF2-40B4-BE49-F238E27FC236}">
+                <a16:creationId xmlns:a16="http://schemas.microsoft.com/office/drawing/2014/main" id="{DCEC8E7D-B536-4A76-8FA3-2D12199B1FD0}"/>
+              </a:ext>
+            </a:extLst>
+          </p:cNvPr>
+          <p:cNvPicPr>
+            <a:picLocks noChangeAspect="1"/>
+          </p:cNvPicPr>
+          <p:nvPr/>
+        </p:nvPicPr>
+        <p:blipFill>
+          <a:blip r:embed="rId3">
+            <a:extLst>
+              <a:ext uri="{28A0092B-C50C-407E-A947-70E740481C1C}">
+                <a14:useLocalDpi xmlns:a14="http://schemas.microsoft.com/office/drawing/2010/main" val="0"/>
+              </a:ext>
+            </a:extLst>
+          </a:blip>
+          <a:stretch>
+            <a:fillRect/>
+          </a:stretch>
+        </p:blipFill>
+        <p:spPr>
+          <a:xfrm>
+            <a:off x="6482841" y="2225964"/>
+            <a:ext cx="4906712" cy="4632036"/>
+          </a:xfrm>
+          <a:prstGeom prst="rect">
+            <a:avLst/>
+          </a:prstGeom>
+        </p:spPr>
+      </p:pic>
+    </p:spTree>
+    <p:extLst>
+      <p:ext uri="{BB962C8B-B14F-4D97-AF65-F5344CB8AC3E}">
+        <p14:creationId xmlns:p14="http://schemas.microsoft.com/office/powerpoint/2010/main" val="89559589"/>
+      </p:ext>
+    </p:extLst>
+  </p:cSld>
+  <p:clrMapOvr>
+    <a:masterClrMapping/>
+  </p:clrMapOvr>
+</p:sld>
+</file>
+
+<file path=ppt/slides/slide7.xml><?xml version="1.0" encoding="utf-8"?>
+<p:sld xmlns:a="http://schemas.openxmlformats.org/drawingml/2006/main" xmlns:r="http://schemas.openxmlformats.org/officeDocument/2006/relationships" xmlns:p="http://schemas.openxmlformats.org/presentationml/2006/main">
+  <p:cSld>
+    <p:spTree>
+      <p:nvGrpSpPr>
+        <p:cNvPr id="1" name=""/>
+        <p:cNvGrpSpPr/>
+        <p:nvPr/>
+      </p:nvGrpSpPr>
+      <p:grpSpPr>
+        <a:xfrm>
+          <a:off x="0" y="0"/>
+          <a:ext cx="0" cy="0"/>
+          <a:chOff x="0" y="0"/>
+          <a:chExt cx="0" cy="0"/>
+        </a:xfrm>
+      </p:grpSpPr>
+      <p:pic>
+        <p:nvPicPr>
+          <p:cNvPr id="5" name="그림 4">
+            <a:extLst>
+              <a:ext uri="{FF2B5EF4-FFF2-40B4-BE49-F238E27FC236}">
+                <a16:creationId xmlns:a16="http://schemas.microsoft.com/office/drawing/2014/main" id="{24C2BAF2-0E55-45D5-A202-127CC74BA836}"/>
+              </a:ext>
+            </a:extLst>
+          </p:cNvPr>
+          <p:cNvPicPr>
+            <a:picLocks noChangeAspect="1"/>
+          </p:cNvPicPr>
+          <p:nvPr/>
+        </p:nvPicPr>
+        <p:blipFill rotWithShape="1">
+          <a:blip r:embed="rId2">
+            <a:extLst>
+              <a:ext uri="{28A0092B-C50C-407E-A947-70E740481C1C}">
+                <a14:useLocalDpi xmlns:a14="http://schemas.microsoft.com/office/drawing/2010/main" val="0"/>
+              </a:ext>
+            </a:extLst>
+          </a:blip>
+          <a:srcRect b="49376"/>
+          <a:stretch/>
+        </p:blipFill>
+        <p:spPr>
+          <a:xfrm>
+            <a:off x="4743794" y="424871"/>
+            <a:ext cx="7378338" cy="3111269"/>
+          </a:xfrm>
+          <a:prstGeom prst="rect">
+            <a:avLst/>
+          </a:prstGeom>
+        </p:spPr>
+      </p:pic>
+      <p:sp>
+        <p:nvSpPr>
+          <p:cNvPr id="4" name="Rectangle 1">
+            <a:extLst>
+              <a:ext uri="{FF2B5EF4-FFF2-40B4-BE49-F238E27FC236}">
+                <a16:creationId xmlns:a16="http://schemas.microsoft.com/office/drawing/2014/main" id="{9A9F3CBF-5F1A-446A-9A28-FFC7E6EED4F5}"/>
+              </a:ext>
+            </a:extLst>
+          </p:cNvPr>
+          <p:cNvSpPr>
+            <a:spLocks noChangeArrowheads="1"/>
+          </p:cNvSpPr>
+          <p:nvPr/>
+        </p:nvSpPr>
+        <p:spPr bwMode="auto">
+          <a:xfrm>
+            <a:off x="69868" y="4635667"/>
+            <a:ext cx="4728859" cy="1015663"/>
+          </a:xfrm>
+          <a:prstGeom prst="rect">
+            <a:avLst/>
+          </a:prstGeom>
+          <a:noFill/>
+          <a:ln>
+            <a:noFill/>
+          </a:ln>
+          <a:effectLst/>
+        </p:spPr>
+        <p:txBody>
+          <a:bodyPr vert="horz" wrap="none" lIns="0" tIns="0" rIns="0" bIns="0" numCol="1" anchor="ctr" anchorCtr="0" compatLnSpc="1">
+            <a:prstTxWarp prst="textNoShape">
+              <a:avLst/>
+            </a:prstTxWarp>
+            <a:spAutoFit/>
+          </a:bodyPr>
+          <a:lstStyle/>
+          <a:p>
+            <a:pPr marR="0" lvl="0" algn="l" defTabSz="914400" rtl="0" eaLnBrk="0" fontAlgn="base" latinLnBrk="0" hangingPunct="0">
+              <a:lnSpc>
+                <a:spcPct val="100000"/>
+              </a:lnSpc>
+              <a:spcBef>
+                <a:spcPct val="0"/>
+              </a:spcBef>
+              <a:spcAft>
+                <a:spcPct val="0"/>
+              </a:spcAft>
+              <a:buClrTx/>
+              <a:buSzTx/>
+              <a:tabLst/>
+            </a:pPr>
+            <a:r>
+              <a:rPr kumimoji="0" lang="ko-KR" altLang="ko-KR" sz="1200" b="0" i="0" u="none" strike="noStrike" cap="none" normalizeH="0" baseline="0" dirty="0" err="1">
+                <a:ln>
+                  <a:noFill/>
+                </a:ln>
+                <a:solidFill>
+                  <a:srgbClr val="0000FF"/>
+                </a:solidFill>
+                <a:effectLst/>
+                <a:latin typeface="Lucida Console" panose="020B0609040504020204" pitchFamily="49" charset="0"/>
+              </a:rPr>
+              <a:t>checkresiduals</a:t>
+            </a:r>
+            <a:r>
+              <a:rPr kumimoji="0" lang="ko-KR" altLang="ko-KR" sz="1200" b="0" i="0" u="none" strike="noStrike" cap="none" normalizeH="0" baseline="0" dirty="0">
+                <a:ln>
+                  <a:noFill/>
+                </a:ln>
+                <a:solidFill>
+                  <a:srgbClr val="0000FF"/>
+                </a:solidFill>
+                <a:effectLst/>
+                <a:latin typeface="Lucida Console" panose="020B0609040504020204" pitchFamily="49" charset="0"/>
+              </a:rPr>
+              <a:t>(skt4_fit) </a:t>
+            </a:r>
+            <a:endParaRPr kumimoji="0" lang="en-US" altLang="ko-KR" sz="1200" b="0" i="0" u="none" strike="noStrike" cap="none" normalizeH="0" baseline="0" dirty="0">
+              <a:ln>
+                <a:noFill/>
+              </a:ln>
+              <a:solidFill>
+                <a:srgbClr val="0000FF"/>
+              </a:solidFill>
+              <a:effectLst/>
+              <a:latin typeface="Lucida Console" panose="020B0609040504020204" pitchFamily="49" charset="0"/>
+            </a:endParaRPr>
+          </a:p>
+          <a:p>
+            <a:pPr marR="0" lvl="0" algn="l" defTabSz="914400" rtl="0" eaLnBrk="0" fontAlgn="base" latinLnBrk="0" hangingPunct="0">
+              <a:lnSpc>
+                <a:spcPct val="100000"/>
+              </a:lnSpc>
+              <a:spcBef>
+                <a:spcPct val="0"/>
+              </a:spcBef>
+              <a:spcAft>
+                <a:spcPct val="0"/>
+              </a:spcAft>
+              <a:buClrTx/>
+              <a:buSzTx/>
+              <a:tabLst/>
+            </a:pPr>
+            <a:r>
+              <a:rPr kumimoji="0" lang="ko-KR" altLang="ko-KR" sz="1200" b="0" i="0" u="none" strike="noStrike" cap="none" normalizeH="0" baseline="0" dirty="0" err="1">
+                <a:ln>
+                  <a:noFill/>
+                </a:ln>
+                <a:solidFill>
+                  <a:srgbClr val="000000"/>
+                </a:solidFill>
+                <a:effectLst/>
+                <a:latin typeface="Lucida Console" panose="020B0609040504020204" pitchFamily="49" charset="0"/>
+              </a:rPr>
+              <a:t>Ljung-Box</a:t>
+            </a:r>
+            <a:r>
+              <a:rPr kumimoji="0" lang="ko-KR" altLang="ko-KR" sz="1200" b="0" i="0" u="none" strike="noStrike" cap="none" normalizeH="0" baseline="0" dirty="0">
+                <a:ln>
+                  <a:noFill/>
+                </a:ln>
+                <a:solidFill>
+                  <a:srgbClr val="000000"/>
+                </a:solidFill>
+                <a:effectLst/>
+                <a:latin typeface="Lucida Console" panose="020B0609040504020204" pitchFamily="49" charset="0"/>
+              </a:rPr>
+              <a:t> </a:t>
+            </a:r>
+            <a:r>
+              <a:rPr kumimoji="0" lang="ko-KR" altLang="ko-KR" sz="1200" b="0" i="0" u="none" strike="noStrike" cap="none" normalizeH="0" baseline="0" dirty="0" err="1">
+                <a:ln>
+                  <a:noFill/>
+                </a:ln>
+                <a:solidFill>
+                  <a:srgbClr val="000000"/>
+                </a:solidFill>
+                <a:effectLst/>
+                <a:latin typeface="Lucida Console" panose="020B0609040504020204" pitchFamily="49" charset="0"/>
+              </a:rPr>
+              <a:t>test</a:t>
+            </a:r>
+            <a:r>
+              <a:rPr kumimoji="0" lang="ko-KR" altLang="ko-KR" sz="1200" b="0" i="0" u="none" strike="noStrike" cap="none" normalizeH="0" baseline="0" dirty="0">
+                <a:ln>
+                  <a:noFill/>
+                </a:ln>
+                <a:solidFill>
+                  <a:srgbClr val="000000"/>
+                </a:solidFill>
+                <a:effectLst/>
+                <a:latin typeface="Lucida Console" panose="020B0609040504020204" pitchFamily="49" charset="0"/>
+              </a:rPr>
+              <a:t> </a:t>
+            </a:r>
+            <a:r>
+              <a:rPr kumimoji="0" lang="ko-KR" altLang="ko-KR" sz="1200" b="0" i="0" u="none" strike="noStrike" cap="none" normalizeH="0" baseline="0" dirty="0" err="1">
+                <a:ln>
+                  <a:noFill/>
+                </a:ln>
+                <a:solidFill>
+                  <a:srgbClr val="000000"/>
+                </a:solidFill>
+                <a:effectLst/>
+                <a:latin typeface="Lucida Console" panose="020B0609040504020204" pitchFamily="49" charset="0"/>
+              </a:rPr>
+              <a:t>data</a:t>
+            </a:r>
+            <a:r>
+              <a:rPr kumimoji="0" lang="ko-KR" altLang="ko-KR" sz="1200" b="0" i="0" u="none" strike="noStrike" cap="none" normalizeH="0" baseline="0" dirty="0">
+                <a:ln>
+                  <a:noFill/>
+                </a:ln>
+                <a:solidFill>
+                  <a:srgbClr val="000000"/>
+                </a:solidFill>
+                <a:effectLst/>
+                <a:latin typeface="Lucida Console" panose="020B0609040504020204" pitchFamily="49" charset="0"/>
+              </a:rPr>
+              <a:t>: </a:t>
+            </a:r>
+            <a:r>
+              <a:rPr kumimoji="0" lang="ko-KR" altLang="ko-KR" sz="1200" b="0" i="0" u="none" strike="noStrike" cap="none" normalizeH="0" baseline="0" dirty="0" err="1">
+                <a:ln>
+                  <a:noFill/>
+                </a:ln>
+                <a:solidFill>
+                  <a:srgbClr val="000000"/>
+                </a:solidFill>
+                <a:effectLst/>
+                <a:latin typeface="Lucida Console" panose="020B0609040504020204" pitchFamily="49" charset="0"/>
+              </a:rPr>
+              <a:t>Residuals</a:t>
+            </a:r>
+            <a:r>
+              <a:rPr kumimoji="0" lang="ko-KR" altLang="ko-KR" sz="1200" b="0" i="0" u="none" strike="noStrike" cap="none" normalizeH="0" baseline="0" dirty="0">
+                <a:ln>
+                  <a:noFill/>
+                </a:ln>
+                <a:solidFill>
+                  <a:srgbClr val="000000"/>
+                </a:solidFill>
+                <a:effectLst/>
+                <a:latin typeface="Lucida Console" panose="020B0609040504020204" pitchFamily="49" charset="0"/>
+              </a:rPr>
+              <a:t> </a:t>
+            </a:r>
+            <a:r>
+              <a:rPr kumimoji="0" lang="ko-KR" altLang="ko-KR" sz="1200" b="0" i="0" u="none" strike="noStrike" cap="none" normalizeH="0" baseline="0" dirty="0" err="1">
+                <a:ln>
+                  <a:noFill/>
+                </a:ln>
+                <a:solidFill>
+                  <a:srgbClr val="000000"/>
+                </a:solidFill>
+                <a:effectLst/>
+                <a:latin typeface="Lucida Console" panose="020B0609040504020204" pitchFamily="49" charset="0"/>
+              </a:rPr>
+              <a:t>from</a:t>
+            </a:r>
+            <a:r>
+              <a:rPr kumimoji="0" lang="ko-KR" altLang="ko-KR" sz="1200" b="0" i="0" u="none" strike="noStrike" cap="none" normalizeH="0" baseline="0" dirty="0">
+                <a:ln>
+                  <a:noFill/>
+                </a:ln>
+                <a:solidFill>
+                  <a:srgbClr val="000000"/>
+                </a:solidFill>
+                <a:effectLst/>
+                <a:latin typeface="Lucida Console" panose="020B0609040504020204" pitchFamily="49" charset="0"/>
+              </a:rPr>
+              <a:t> ARIMA(4,2,0) </a:t>
+            </a:r>
+            <a:endParaRPr kumimoji="0" lang="en-US" altLang="ko-KR" sz="1200" b="0" i="0" u="none" strike="noStrike" cap="none" normalizeH="0" baseline="0" dirty="0">
+              <a:ln>
+                <a:noFill/>
+              </a:ln>
+              <a:solidFill>
+                <a:srgbClr val="000000"/>
+              </a:solidFill>
+              <a:effectLst/>
+              <a:latin typeface="Lucida Console" panose="020B0609040504020204" pitchFamily="49" charset="0"/>
+            </a:endParaRPr>
+          </a:p>
+          <a:p>
+            <a:pPr marR="0" lvl="0" algn="l" defTabSz="914400" rtl="0" eaLnBrk="0" fontAlgn="base" latinLnBrk="0" hangingPunct="0">
+              <a:lnSpc>
+                <a:spcPct val="100000"/>
+              </a:lnSpc>
+              <a:spcBef>
+                <a:spcPct val="0"/>
+              </a:spcBef>
+              <a:spcAft>
+                <a:spcPct val="0"/>
+              </a:spcAft>
+              <a:buClrTx/>
+              <a:buSzTx/>
+              <a:tabLst/>
+            </a:pPr>
+            <a:r>
+              <a:rPr kumimoji="0" lang="ko-KR" altLang="ko-KR" sz="1200" b="0" i="0" u="none" strike="noStrike" cap="none" normalizeH="0" baseline="0" dirty="0" err="1">
+                <a:ln>
+                  <a:noFill/>
+                </a:ln>
+                <a:solidFill>
+                  <a:srgbClr val="000000"/>
+                </a:solidFill>
+                <a:effectLst/>
+                <a:latin typeface="Lucida Console" panose="020B0609040504020204" pitchFamily="49" charset="0"/>
+              </a:rPr>
+              <a:t>Q</a:t>
+            </a:r>
+            <a:r>
+              <a:rPr kumimoji="0" lang="ko-KR" altLang="ko-KR" sz="1200" b="0" i="0" u="none" strike="noStrike" cap="none" normalizeH="0" baseline="0" dirty="0">
+                <a:ln>
+                  <a:noFill/>
+                </a:ln>
+                <a:solidFill>
+                  <a:srgbClr val="000000"/>
+                </a:solidFill>
+                <a:effectLst/>
+                <a:latin typeface="Lucida Console" panose="020B0609040504020204" pitchFamily="49" charset="0"/>
+              </a:rPr>
+              <a:t>* = 25.525, </a:t>
+            </a:r>
+            <a:r>
+              <a:rPr kumimoji="0" lang="ko-KR" altLang="ko-KR" sz="1200" b="0" i="0" u="none" strike="noStrike" cap="none" normalizeH="0" baseline="0" dirty="0" err="1">
+                <a:ln>
+                  <a:noFill/>
+                </a:ln>
+                <a:solidFill>
+                  <a:srgbClr val="000000"/>
+                </a:solidFill>
+                <a:effectLst/>
+                <a:latin typeface="Lucida Console" panose="020B0609040504020204" pitchFamily="49" charset="0"/>
+              </a:rPr>
+              <a:t>df</a:t>
+            </a:r>
+            <a:r>
+              <a:rPr kumimoji="0" lang="ko-KR" altLang="ko-KR" sz="1200" b="0" i="0" u="none" strike="noStrike" cap="none" normalizeH="0" baseline="0" dirty="0">
+                <a:ln>
+                  <a:noFill/>
+                </a:ln>
+                <a:solidFill>
+                  <a:srgbClr val="000000"/>
+                </a:solidFill>
+                <a:effectLst/>
+                <a:latin typeface="Lucida Console" panose="020B0609040504020204" pitchFamily="49" charset="0"/>
+              </a:rPr>
+              <a:t> = 14, </a:t>
+            </a:r>
+            <a:r>
+              <a:rPr kumimoji="0" lang="ko-KR" altLang="ko-KR" sz="1200" b="0" i="0" u="none" strike="noStrike" cap="none" normalizeH="0" baseline="0" dirty="0" err="1">
+                <a:ln>
+                  <a:noFill/>
+                </a:ln>
+                <a:solidFill>
+                  <a:srgbClr val="000000"/>
+                </a:solidFill>
+                <a:effectLst/>
+                <a:latin typeface="Lucida Console" panose="020B0609040504020204" pitchFamily="49" charset="0"/>
+              </a:rPr>
+              <a:t>p-value</a:t>
+            </a:r>
+            <a:r>
+              <a:rPr kumimoji="0" lang="ko-KR" altLang="ko-KR" sz="1200" b="0" i="0" u="none" strike="noStrike" cap="none" normalizeH="0" baseline="0" dirty="0">
+                <a:ln>
+                  <a:noFill/>
+                </a:ln>
+                <a:solidFill>
+                  <a:srgbClr val="000000"/>
+                </a:solidFill>
+                <a:effectLst/>
+                <a:latin typeface="Lucida Console" panose="020B0609040504020204" pitchFamily="49" charset="0"/>
+              </a:rPr>
+              <a:t> = 0.02973 </a:t>
+            </a:r>
+            <a:endParaRPr kumimoji="0" lang="en-US" altLang="ko-KR" sz="1200" b="0" i="0" u="none" strike="noStrike" cap="none" normalizeH="0" baseline="0" dirty="0">
+              <a:ln>
+                <a:noFill/>
+              </a:ln>
+              <a:solidFill>
+                <a:srgbClr val="000000"/>
+              </a:solidFill>
+              <a:effectLst/>
+              <a:latin typeface="Lucida Console" panose="020B0609040504020204" pitchFamily="49" charset="0"/>
+            </a:endParaRPr>
+          </a:p>
+          <a:p>
+            <a:pPr marR="0" lvl="0" algn="l" defTabSz="914400" rtl="0" eaLnBrk="0" fontAlgn="base" latinLnBrk="0" hangingPunct="0">
+              <a:lnSpc>
+                <a:spcPct val="100000"/>
+              </a:lnSpc>
+              <a:spcBef>
+                <a:spcPct val="0"/>
+              </a:spcBef>
+              <a:spcAft>
+                <a:spcPct val="0"/>
+              </a:spcAft>
+              <a:buClrTx/>
+              <a:buSzTx/>
+              <a:tabLst/>
+            </a:pPr>
+            <a:r>
+              <a:rPr kumimoji="0" lang="ko-KR" altLang="ko-KR" sz="1200" b="0" i="0" u="none" strike="noStrike" cap="none" normalizeH="0" baseline="0" dirty="0" err="1">
+                <a:ln>
+                  <a:noFill/>
+                </a:ln>
+                <a:solidFill>
+                  <a:srgbClr val="000000"/>
+                </a:solidFill>
+                <a:effectLst/>
+                <a:latin typeface="Lucida Console" panose="020B0609040504020204" pitchFamily="49" charset="0"/>
+              </a:rPr>
+              <a:t>Model</a:t>
+            </a:r>
+            <a:r>
+              <a:rPr kumimoji="0" lang="ko-KR" altLang="ko-KR" sz="1200" b="0" i="0" u="none" strike="noStrike" cap="none" normalizeH="0" baseline="0" dirty="0">
+                <a:ln>
+                  <a:noFill/>
+                </a:ln>
+                <a:solidFill>
+                  <a:srgbClr val="000000"/>
+                </a:solidFill>
+                <a:effectLst/>
+                <a:latin typeface="Lucida Console" panose="020B0609040504020204" pitchFamily="49" charset="0"/>
+              </a:rPr>
+              <a:t> </a:t>
+            </a:r>
+            <a:r>
+              <a:rPr kumimoji="0" lang="ko-KR" altLang="ko-KR" sz="1200" b="0" i="0" u="none" strike="noStrike" cap="none" normalizeH="0" baseline="0" dirty="0" err="1">
+                <a:ln>
+                  <a:noFill/>
+                </a:ln>
+                <a:solidFill>
+                  <a:srgbClr val="000000"/>
+                </a:solidFill>
+                <a:effectLst/>
+                <a:latin typeface="Lucida Console" panose="020B0609040504020204" pitchFamily="49" charset="0"/>
+              </a:rPr>
+              <a:t>df</a:t>
+            </a:r>
+            <a:r>
+              <a:rPr kumimoji="0" lang="ko-KR" altLang="ko-KR" sz="1200" b="0" i="0" u="none" strike="noStrike" cap="none" normalizeH="0" baseline="0" dirty="0">
+                <a:ln>
+                  <a:noFill/>
+                </a:ln>
+                <a:solidFill>
+                  <a:srgbClr val="000000"/>
+                </a:solidFill>
+                <a:effectLst/>
+                <a:latin typeface="Lucida Console" panose="020B0609040504020204" pitchFamily="49" charset="0"/>
+              </a:rPr>
+              <a:t>: 4. </a:t>
+            </a:r>
+            <a:r>
+              <a:rPr kumimoji="0" lang="ko-KR" altLang="ko-KR" sz="1200" b="0" i="0" u="none" strike="noStrike" cap="none" normalizeH="0" baseline="0" dirty="0" err="1">
+                <a:ln>
+                  <a:noFill/>
+                </a:ln>
+                <a:solidFill>
+                  <a:srgbClr val="000000"/>
+                </a:solidFill>
+                <a:effectLst/>
+                <a:latin typeface="Lucida Console" panose="020B0609040504020204" pitchFamily="49" charset="0"/>
+              </a:rPr>
+              <a:t>Total</a:t>
+            </a:r>
+            <a:r>
+              <a:rPr kumimoji="0" lang="ko-KR" altLang="ko-KR" sz="1200" b="0" i="0" u="none" strike="noStrike" cap="none" normalizeH="0" baseline="0" dirty="0">
+                <a:ln>
+                  <a:noFill/>
+                </a:ln>
+                <a:solidFill>
+                  <a:srgbClr val="000000"/>
+                </a:solidFill>
+                <a:effectLst/>
+                <a:latin typeface="Lucida Console" panose="020B0609040504020204" pitchFamily="49" charset="0"/>
+              </a:rPr>
+              <a:t> </a:t>
+            </a:r>
+            <a:r>
+              <a:rPr kumimoji="0" lang="ko-KR" altLang="ko-KR" sz="1200" b="0" i="0" u="none" strike="noStrike" cap="none" normalizeH="0" baseline="0" dirty="0" err="1">
+                <a:ln>
+                  <a:noFill/>
+                </a:ln>
+                <a:solidFill>
+                  <a:srgbClr val="000000"/>
+                </a:solidFill>
+                <a:effectLst/>
+                <a:latin typeface="Lucida Console" panose="020B0609040504020204" pitchFamily="49" charset="0"/>
+              </a:rPr>
+              <a:t>lags</a:t>
+            </a:r>
+            <a:r>
+              <a:rPr kumimoji="0" lang="ko-KR" altLang="ko-KR" sz="1200" b="0" i="0" u="none" strike="noStrike" cap="none" normalizeH="0" baseline="0" dirty="0">
+                <a:ln>
+                  <a:noFill/>
+                </a:ln>
+                <a:solidFill>
+                  <a:srgbClr val="000000"/>
+                </a:solidFill>
+                <a:effectLst/>
+                <a:latin typeface="Lucida Console" panose="020B0609040504020204" pitchFamily="49" charset="0"/>
+              </a:rPr>
+              <a:t> </a:t>
+            </a:r>
+            <a:r>
+              <a:rPr kumimoji="0" lang="ko-KR" altLang="ko-KR" sz="1200" b="0" i="0" u="none" strike="noStrike" cap="none" normalizeH="0" baseline="0" dirty="0" err="1">
+                <a:ln>
+                  <a:noFill/>
+                </a:ln>
+                <a:solidFill>
+                  <a:srgbClr val="000000"/>
+                </a:solidFill>
+                <a:effectLst/>
+                <a:latin typeface="Lucida Console" panose="020B0609040504020204" pitchFamily="49" charset="0"/>
+              </a:rPr>
+              <a:t>used</a:t>
+            </a:r>
+            <a:r>
+              <a:rPr kumimoji="0" lang="ko-KR" altLang="ko-KR" sz="1200" b="0" i="0" u="none" strike="noStrike" cap="none" normalizeH="0" baseline="0" dirty="0">
+                <a:ln>
+                  <a:noFill/>
+                </a:ln>
+                <a:solidFill>
+                  <a:srgbClr val="000000"/>
+                </a:solidFill>
+                <a:effectLst/>
+                <a:latin typeface="Lucida Console" panose="020B0609040504020204" pitchFamily="49" charset="0"/>
+              </a:rPr>
+              <a:t>: 18 </a:t>
+            </a:r>
+            <a:br>
+              <a:rPr kumimoji="0" lang="ko-KR" altLang="ko-KR" sz="800" b="0" i="0" u="none" strike="noStrike" cap="none" normalizeH="0" baseline="0" dirty="0">
+                <a:ln>
+                  <a:noFill/>
+                </a:ln>
+                <a:solidFill>
+                  <a:schemeClr val="tx1"/>
+                </a:solidFill>
+                <a:effectLst/>
+              </a:rPr>
+            </a:br>
+            <a:endParaRPr kumimoji="0" lang="ko-KR" altLang="ko-KR" sz="1800" b="0" i="0" u="none" strike="noStrike" cap="none" normalizeH="0" baseline="0" dirty="0">
+              <a:ln>
+                <a:noFill/>
+              </a:ln>
+              <a:solidFill>
+                <a:schemeClr val="tx1"/>
+              </a:solidFill>
+              <a:effectLst/>
+              <a:latin typeface="Arial" panose="020B0604020202020204" pitchFamily="34" charset="0"/>
+            </a:endParaRPr>
+          </a:p>
+        </p:txBody>
+      </p:sp>
+      <p:pic>
+        <p:nvPicPr>
+          <p:cNvPr id="9" name="그림 8">
+            <a:extLst>
+              <a:ext uri="{FF2B5EF4-FFF2-40B4-BE49-F238E27FC236}">
+                <a16:creationId xmlns:a16="http://schemas.microsoft.com/office/drawing/2014/main" id="{5AAD9463-3419-4417-A169-6DBE16E2AFC6}"/>
+              </a:ext>
+            </a:extLst>
+          </p:cNvPr>
+          <p:cNvPicPr>
+            <a:picLocks noChangeAspect="1"/>
+          </p:cNvPicPr>
+          <p:nvPr/>
+        </p:nvPicPr>
+        <p:blipFill rotWithShape="1">
+          <a:blip r:embed="rId2">
+            <a:extLst>
+              <a:ext uri="{28A0092B-C50C-407E-A947-70E740481C1C}">
+                <a14:useLocalDpi xmlns:a14="http://schemas.microsoft.com/office/drawing/2010/main" val="0"/>
+              </a:ext>
+            </a:extLst>
+          </a:blip>
+          <a:srcRect t="49376"/>
+          <a:stretch/>
+        </p:blipFill>
+        <p:spPr>
+          <a:xfrm>
+            <a:off x="4743794" y="3587864"/>
+            <a:ext cx="7378338" cy="3111270"/>
+          </a:xfrm>
+          <a:prstGeom prst="rect">
+            <a:avLst/>
+          </a:prstGeom>
+        </p:spPr>
+      </p:pic>
+      <mc:AlternateContent xmlns:mc="http://schemas.openxmlformats.org/markup-compatibility/2006">
+        <mc:Choice xmlns:a14="http://schemas.microsoft.com/office/drawing/2010/main" Requires="a14">
+          <p:sp>
+            <p:nvSpPr>
+              <p:cNvPr id="2" name="Rectangle 1">
+                <a:extLst>
+                  <a:ext uri="{FF2B5EF4-FFF2-40B4-BE49-F238E27FC236}">
+                    <a16:creationId xmlns:a16="http://schemas.microsoft.com/office/drawing/2014/main" id="{2B2B1292-5A30-4EAC-B084-D42AFC174D73}"/>
+                  </a:ext>
+                </a:extLst>
+              </p:cNvPr>
+              <p:cNvSpPr>
+                <a:spLocks noChangeArrowheads="1"/>
+              </p:cNvSpPr>
+              <p:nvPr/>
+            </p:nvSpPr>
+            <p:spPr bwMode="auto">
+              <a:xfrm>
+                <a:off x="69868" y="1149508"/>
+                <a:ext cx="4741683" cy="1661993"/>
+              </a:xfrm>
+              <a:prstGeom prst="rect">
+                <a:avLst/>
+              </a:prstGeom>
+              <a:noFill/>
+              <a:ln>
+                <a:noFill/>
+              </a:ln>
+              <a:effectLst/>
+            </p:spPr>
+            <p:txBody>
+              <a:bodyPr vert="horz" wrap="none" lIns="0" tIns="0" rIns="0" bIns="0" numCol="1" anchor="ctr" anchorCtr="0" compatLnSpc="1">
+                <a:prstTxWarp prst="textNoShape">
+                  <a:avLst/>
+                </a:prstTxWarp>
+                <a:spAutoFit/>
+              </a:bodyPr>
+              <a:lstStyle/>
+              <a:p>
+                <a:pPr marR="0" lvl="0" algn="l" defTabSz="914400" rtl="0" eaLnBrk="0" fontAlgn="base" latinLnBrk="0" hangingPunct="0">
+                  <a:lnSpc>
+                    <a:spcPct val="100000"/>
+                  </a:lnSpc>
+                  <a:spcBef>
+                    <a:spcPct val="0"/>
+                  </a:spcBef>
+                  <a:spcAft>
+                    <a:spcPct val="0"/>
+                  </a:spcAft>
+                  <a:buClrTx/>
+                  <a:buSzTx/>
+                  <a:tabLst/>
+                </a:pPr>
+                <a:r>
+                  <a:rPr kumimoji="0" lang="ko-KR" altLang="ko-KR" sz="1200" b="0" i="0" u="none" strike="noStrike" cap="none" normalizeH="0" baseline="0" dirty="0" err="1">
+                    <a:ln>
+                      <a:noFill/>
+                    </a:ln>
+                    <a:solidFill>
+                      <a:srgbClr val="0000FF"/>
+                    </a:solidFill>
+                    <a:effectLst/>
+                    <a:latin typeface="Lucida Console" panose="020B0609040504020204" pitchFamily="49" charset="0"/>
+                  </a:rPr>
+                  <a:t>summary</a:t>
+                </a:r>
+                <a:r>
+                  <a:rPr kumimoji="0" lang="ko-KR" altLang="ko-KR" sz="1200" b="0" i="0" u="none" strike="noStrike" cap="none" normalizeH="0" baseline="0" dirty="0">
+                    <a:ln>
+                      <a:noFill/>
+                    </a:ln>
+                    <a:solidFill>
+                      <a:srgbClr val="0000FF"/>
+                    </a:solidFill>
+                    <a:effectLst/>
+                    <a:latin typeface="Lucida Console" panose="020B0609040504020204" pitchFamily="49" charset="0"/>
+                  </a:rPr>
+                  <a:t>(skt4_fit) </a:t>
+                </a:r>
+                <a:endParaRPr kumimoji="0" lang="en-US" altLang="ko-KR" sz="1200" b="0" i="0" u="none" strike="noStrike" cap="none" normalizeH="0" baseline="0" dirty="0">
+                  <a:ln>
+                    <a:noFill/>
+                  </a:ln>
+                  <a:solidFill>
+                    <a:srgbClr val="0000FF"/>
+                  </a:solidFill>
+                  <a:effectLst/>
+                  <a:latin typeface="Lucida Console" panose="020B0609040504020204" pitchFamily="49" charset="0"/>
+                </a:endParaRPr>
+              </a:p>
+              <a:p>
+                <a:pPr marR="0" lvl="0" algn="l" defTabSz="914400" rtl="0" eaLnBrk="0" fontAlgn="base" latinLnBrk="0" hangingPunct="0">
+                  <a:lnSpc>
+                    <a:spcPct val="100000"/>
+                  </a:lnSpc>
+                  <a:spcBef>
+                    <a:spcPct val="0"/>
+                  </a:spcBef>
+                  <a:spcAft>
+                    <a:spcPct val="0"/>
+                  </a:spcAft>
+                  <a:buClrTx/>
+                  <a:buSzTx/>
+                  <a:tabLst/>
+                </a:pPr>
+                <a:r>
+                  <a:rPr kumimoji="0" lang="ko-KR" altLang="ko-KR" sz="1200" b="0" i="0" u="none" strike="noStrike" cap="none" normalizeH="0" baseline="0" dirty="0" err="1">
+                    <a:ln>
+                      <a:noFill/>
+                    </a:ln>
+                    <a:solidFill>
+                      <a:srgbClr val="000000"/>
+                    </a:solidFill>
+                    <a:effectLst/>
+                    <a:latin typeface="Lucida Console" panose="020B0609040504020204" pitchFamily="49" charset="0"/>
+                  </a:rPr>
+                  <a:t>Call</a:t>
+                </a:r>
+                <a:r>
+                  <a:rPr kumimoji="0" lang="ko-KR" altLang="ko-KR" sz="1200" b="0" i="0" u="none" strike="noStrike" cap="none" normalizeH="0" baseline="0" dirty="0">
+                    <a:ln>
+                      <a:noFill/>
+                    </a:ln>
+                    <a:solidFill>
+                      <a:srgbClr val="000000"/>
+                    </a:solidFill>
+                    <a:effectLst/>
+                    <a:latin typeface="Lucida Console" panose="020B0609040504020204" pitchFamily="49" charset="0"/>
+                  </a:rPr>
+                  <a:t>: </a:t>
+                </a:r>
+                <a:r>
+                  <a:rPr kumimoji="0" lang="ko-KR" altLang="ko-KR" sz="1200" b="0" i="0" u="none" strike="noStrike" cap="none" normalizeH="0" baseline="0" dirty="0" err="1">
+                    <a:ln>
+                      <a:noFill/>
+                    </a:ln>
+                    <a:solidFill>
+                      <a:srgbClr val="000000"/>
+                    </a:solidFill>
+                    <a:effectLst/>
+                    <a:latin typeface="Lucida Console" panose="020B0609040504020204" pitchFamily="49" charset="0"/>
+                  </a:rPr>
+                  <a:t>arima</a:t>
+                </a:r>
+                <a:r>
+                  <a:rPr kumimoji="0" lang="ko-KR" altLang="ko-KR" sz="1200" b="0" i="0" u="none" strike="noStrike" cap="none" normalizeH="0" baseline="0" dirty="0">
+                    <a:ln>
+                      <a:noFill/>
+                    </a:ln>
+                    <a:solidFill>
+                      <a:srgbClr val="000000"/>
+                    </a:solidFill>
+                    <a:effectLst/>
+                    <a:latin typeface="Lucida Console" panose="020B0609040504020204" pitchFamily="49" charset="0"/>
+                  </a:rPr>
+                  <a:t>(</a:t>
+                </a:r>
+                <a:r>
+                  <a:rPr kumimoji="0" lang="ko-KR" altLang="ko-KR" sz="1200" b="0" i="0" u="none" strike="noStrike" cap="none" normalizeH="0" baseline="0" dirty="0" err="1">
+                    <a:ln>
+                      <a:noFill/>
+                    </a:ln>
+                    <a:solidFill>
+                      <a:srgbClr val="000000"/>
+                    </a:solidFill>
+                    <a:effectLst/>
+                    <a:latin typeface="Lucida Console" panose="020B0609040504020204" pitchFamily="49" charset="0"/>
+                  </a:rPr>
+                  <a:t>x</a:t>
+                </a:r>
+                <a:r>
+                  <a:rPr kumimoji="0" lang="ko-KR" altLang="ko-KR" sz="1200" b="0" i="0" u="none" strike="noStrike" cap="none" normalizeH="0" baseline="0" dirty="0">
+                    <a:ln>
+                      <a:noFill/>
+                    </a:ln>
+                    <a:solidFill>
+                      <a:srgbClr val="000000"/>
+                    </a:solidFill>
+                    <a:effectLst/>
+                    <a:latin typeface="Lucida Console" panose="020B0609040504020204" pitchFamily="49" charset="0"/>
+                  </a:rPr>
+                  <a:t> = </a:t>
+                </a:r>
+                <a:r>
+                  <a:rPr kumimoji="0" lang="ko-KR" altLang="ko-KR" sz="1200" b="0" i="0" u="none" strike="noStrike" cap="none" normalizeH="0" baseline="0" dirty="0" err="1">
+                    <a:ln>
+                      <a:noFill/>
+                    </a:ln>
+                    <a:solidFill>
+                      <a:srgbClr val="000000"/>
+                    </a:solidFill>
+                    <a:effectLst/>
+                    <a:latin typeface="Lucida Console" panose="020B0609040504020204" pitchFamily="49" charset="0"/>
+                  </a:rPr>
+                  <a:t>diff</a:t>
+                </a:r>
+                <a:r>
+                  <a:rPr kumimoji="0" lang="ko-KR" altLang="ko-KR" sz="1200" b="0" i="0" u="none" strike="noStrike" cap="none" normalizeH="0" baseline="0" dirty="0">
+                    <a:ln>
+                      <a:noFill/>
+                    </a:ln>
+                    <a:solidFill>
+                      <a:srgbClr val="000000"/>
+                    </a:solidFill>
+                    <a:effectLst/>
+                    <a:latin typeface="Lucida Console" panose="020B0609040504020204" pitchFamily="49" charset="0"/>
+                  </a:rPr>
+                  <a:t>(ts_skt4), </a:t>
+                </a:r>
+                <a:r>
+                  <a:rPr kumimoji="0" lang="ko-KR" altLang="ko-KR" sz="1200" b="0" i="0" u="none" strike="noStrike" cap="none" normalizeH="0" baseline="0" dirty="0" err="1">
+                    <a:ln>
+                      <a:noFill/>
+                    </a:ln>
+                    <a:solidFill>
+                      <a:srgbClr val="000000"/>
+                    </a:solidFill>
+                    <a:effectLst/>
+                    <a:latin typeface="Lucida Console" panose="020B0609040504020204" pitchFamily="49" charset="0"/>
+                  </a:rPr>
+                  <a:t>order</a:t>
+                </a:r>
+                <a:r>
+                  <a:rPr kumimoji="0" lang="ko-KR" altLang="ko-KR" sz="1200" b="0" i="0" u="none" strike="noStrike" cap="none" normalizeH="0" baseline="0" dirty="0">
+                    <a:ln>
+                      <a:noFill/>
+                    </a:ln>
+                    <a:solidFill>
+                      <a:srgbClr val="000000"/>
+                    </a:solidFill>
+                    <a:effectLst/>
+                    <a:latin typeface="Lucida Console" panose="020B0609040504020204" pitchFamily="49" charset="0"/>
+                  </a:rPr>
+                  <a:t> = c(4, 2, 0)) </a:t>
+                </a:r>
+                <a:endParaRPr kumimoji="0" lang="en-US" altLang="ko-KR" sz="1200" b="0" i="0" u="none" strike="noStrike" cap="none" normalizeH="0" baseline="0" dirty="0">
+                  <a:ln>
+                    <a:noFill/>
+                  </a:ln>
+                  <a:solidFill>
+                    <a:srgbClr val="000000"/>
+                  </a:solidFill>
+                  <a:effectLst/>
+                  <a:latin typeface="Lucida Console" panose="020B0609040504020204" pitchFamily="49" charset="0"/>
+                </a:endParaRPr>
+              </a:p>
+              <a:p>
+                <a:pPr marR="0" lvl="0" algn="l" defTabSz="914400" rtl="0" eaLnBrk="0" fontAlgn="base" latinLnBrk="0" hangingPunct="0">
+                  <a:lnSpc>
+                    <a:spcPct val="100000"/>
+                  </a:lnSpc>
+                  <a:spcBef>
+                    <a:spcPct val="0"/>
+                  </a:spcBef>
+                  <a:spcAft>
+                    <a:spcPct val="0"/>
+                  </a:spcAft>
+                  <a:buClrTx/>
+                  <a:buSzTx/>
+                  <a:tabLst/>
+                </a:pPr>
+                <a:r>
+                  <a:rPr kumimoji="0" lang="ko-KR" altLang="ko-KR" sz="1200" b="0" i="0" u="none" strike="noStrike" cap="none" normalizeH="0" baseline="0" dirty="0" err="1">
+                    <a:ln>
+                      <a:noFill/>
+                    </a:ln>
+                    <a:solidFill>
+                      <a:srgbClr val="000000"/>
+                    </a:solidFill>
+                    <a:effectLst/>
+                    <a:latin typeface="Lucida Console" panose="020B0609040504020204" pitchFamily="49" charset="0"/>
+                  </a:rPr>
+                  <a:t>Coefficients</a:t>
+                </a:r>
+                <a:r>
+                  <a:rPr kumimoji="0" lang="ko-KR" altLang="ko-KR" sz="1200" b="0" i="0" u="none" strike="noStrike" cap="none" normalizeH="0" baseline="0" dirty="0">
+                    <a:ln>
+                      <a:noFill/>
+                    </a:ln>
+                    <a:solidFill>
+                      <a:srgbClr val="000000"/>
+                    </a:solidFill>
+                    <a:effectLst/>
+                    <a:latin typeface="Lucida Console" panose="020B0609040504020204" pitchFamily="49" charset="0"/>
+                  </a:rPr>
+                  <a:t>: </a:t>
+                </a:r>
+                <a:endParaRPr kumimoji="0" lang="en-US" altLang="ko-KR" sz="1200" b="0" i="0" u="none" strike="noStrike" cap="none" normalizeH="0" baseline="0" dirty="0">
+                  <a:ln>
+                    <a:noFill/>
+                  </a:ln>
+                  <a:solidFill>
+                    <a:srgbClr val="000000"/>
+                  </a:solidFill>
+                  <a:effectLst/>
+                  <a:latin typeface="Lucida Console" panose="020B0609040504020204" pitchFamily="49" charset="0"/>
+                </a:endParaRPr>
+              </a:p>
+              <a:p>
+                <a:pPr marR="0" lvl="0" algn="l" defTabSz="914400" rtl="0" eaLnBrk="0" fontAlgn="base" latinLnBrk="0" hangingPunct="0">
+                  <a:lnSpc>
+                    <a:spcPct val="100000"/>
+                  </a:lnSpc>
+                  <a:spcBef>
+                    <a:spcPct val="0"/>
+                  </a:spcBef>
+                  <a:spcAft>
+                    <a:spcPct val="0"/>
+                  </a:spcAft>
+                  <a:buClrTx/>
+                  <a:buSzTx/>
+                  <a:tabLst/>
+                </a:pPr>
+                <a:r>
+                  <a:rPr kumimoji="0" lang="ko-KR" altLang="ko-KR" sz="1200" b="0" i="0" u="none" strike="noStrike" cap="none" normalizeH="0" baseline="0" dirty="0">
+                    <a:ln>
+                      <a:noFill/>
+                    </a:ln>
+                    <a:solidFill>
+                      <a:srgbClr val="000000"/>
+                    </a:solidFill>
+                    <a:effectLst/>
+                    <a:latin typeface="Lucida Console" panose="020B0609040504020204" pitchFamily="49" charset="0"/>
+                  </a:rPr>
+                  <a:t>ar1 ar2 ar3 ar4 </a:t>
+                </a:r>
+                <a:endParaRPr kumimoji="0" lang="en-US" altLang="ko-KR" sz="1200" b="0" i="0" u="none" strike="noStrike" cap="none" normalizeH="0" baseline="0" dirty="0">
+                  <a:ln>
+                    <a:noFill/>
+                  </a:ln>
+                  <a:solidFill>
+                    <a:srgbClr val="000000"/>
+                  </a:solidFill>
+                  <a:effectLst/>
+                  <a:latin typeface="Lucida Console" panose="020B0609040504020204" pitchFamily="49" charset="0"/>
+                </a:endParaRPr>
+              </a:p>
+              <a:p>
+                <a:pPr marR="0" lvl="0" algn="l" defTabSz="914400" rtl="0" eaLnBrk="0" fontAlgn="base" latinLnBrk="0" hangingPunct="0">
+                  <a:lnSpc>
+                    <a:spcPct val="100000"/>
+                  </a:lnSpc>
+                  <a:spcBef>
+                    <a:spcPct val="0"/>
+                  </a:spcBef>
+                  <a:spcAft>
+                    <a:spcPct val="0"/>
+                  </a:spcAft>
+                  <a:buClrTx/>
+                  <a:buSzTx/>
+                  <a:tabLst/>
+                </a:pPr>
+                <a:r>
+                  <a:rPr kumimoji="0" lang="ko-KR" altLang="ko-KR" sz="1200" b="0" i="0" u="none" strike="noStrike" cap="none" normalizeH="0" baseline="0" dirty="0">
+                    <a:ln>
+                      <a:noFill/>
+                    </a:ln>
+                    <a:solidFill>
+                      <a:srgbClr val="000000"/>
+                    </a:solidFill>
+                    <a:effectLst/>
+                    <a:latin typeface="Lucida Console" panose="020B0609040504020204" pitchFamily="49" charset="0"/>
+                  </a:rPr>
+                  <a:t>-1.1780 -0.9749 -0.4409 -0.0432 </a:t>
+                </a:r>
+                <a:endParaRPr kumimoji="0" lang="en-US" altLang="ko-KR" sz="1200" b="0" i="0" u="none" strike="noStrike" cap="none" normalizeH="0" baseline="0" dirty="0">
+                  <a:ln>
+                    <a:noFill/>
+                  </a:ln>
+                  <a:solidFill>
+                    <a:srgbClr val="000000"/>
+                  </a:solidFill>
+                  <a:effectLst/>
+                  <a:latin typeface="Lucida Console" panose="020B0609040504020204" pitchFamily="49" charset="0"/>
+                </a:endParaRPr>
+              </a:p>
+              <a:p>
+                <a:pPr marR="0" lvl="0" algn="l" defTabSz="914400" rtl="0" eaLnBrk="0" fontAlgn="base" latinLnBrk="0" hangingPunct="0">
+                  <a:lnSpc>
+                    <a:spcPct val="100000"/>
+                  </a:lnSpc>
+                  <a:spcBef>
+                    <a:spcPct val="0"/>
+                  </a:spcBef>
+                  <a:spcAft>
+                    <a:spcPct val="0"/>
+                  </a:spcAft>
+                  <a:buClrTx/>
+                  <a:buSzTx/>
+                  <a:tabLst/>
+                </a:pPr>
+                <a:r>
+                  <a:rPr kumimoji="0" lang="ko-KR" altLang="ko-KR" sz="1200" b="0" i="0" u="none" strike="noStrike" cap="none" normalizeH="0" baseline="0" dirty="0" err="1">
+                    <a:ln>
+                      <a:noFill/>
+                    </a:ln>
+                    <a:solidFill>
+                      <a:srgbClr val="000000"/>
+                    </a:solidFill>
+                    <a:effectLst/>
+                    <a:latin typeface="Lucida Console" panose="020B0609040504020204" pitchFamily="49" charset="0"/>
+                  </a:rPr>
+                  <a:t>s.e</a:t>
+                </a:r>
+                <a:r>
+                  <a:rPr kumimoji="0" lang="ko-KR" altLang="ko-KR" sz="1200" b="0" i="0" u="none" strike="noStrike" cap="none" normalizeH="0" baseline="0" dirty="0">
+                    <a:ln>
+                      <a:noFill/>
+                    </a:ln>
+                    <a:solidFill>
+                      <a:srgbClr val="000000"/>
+                    </a:solidFill>
+                    <a:effectLst/>
+                    <a:latin typeface="Lucida Console" panose="020B0609040504020204" pitchFamily="49" charset="0"/>
+                  </a:rPr>
+                  <a:t>. 0.1077 0.1648 0.1675 0.1147 </a:t>
+                </a:r>
+                <a:endParaRPr kumimoji="0" lang="en-US" altLang="ko-KR" sz="1200" b="0" i="0" u="none" strike="noStrike" cap="none" normalizeH="0" baseline="0" dirty="0">
+                  <a:ln>
+                    <a:noFill/>
+                  </a:ln>
+                  <a:solidFill>
+                    <a:srgbClr val="000000"/>
+                  </a:solidFill>
+                  <a:effectLst/>
+                  <a:latin typeface="Lucida Console" panose="020B0609040504020204" pitchFamily="49" charset="0"/>
+                </a:endParaRPr>
+              </a:p>
+              <a:p>
+                <a:pPr marR="0" lvl="0" algn="l" defTabSz="914400" rtl="0" eaLnBrk="0" fontAlgn="base" latinLnBrk="0" hangingPunct="0">
+                  <a:lnSpc>
+                    <a:spcPct val="100000"/>
+                  </a:lnSpc>
+                  <a:spcBef>
+                    <a:spcPct val="0"/>
+                  </a:spcBef>
+                  <a:spcAft>
+                    <a:spcPct val="0"/>
+                  </a:spcAft>
+                  <a:buClrTx/>
+                  <a:buSzTx/>
+                  <a:tabLst/>
+                </a:pPr>
+                <a:r>
+                  <a:rPr kumimoji="0" lang="ko-KR" altLang="ko-KR" sz="1200" b="0" i="0" u="none" strike="noStrike" cap="none" normalizeH="0" baseline="0" dirty="0">
+                    <a:ln>
+                      <a:noFill/>
+                    </a:ln>
+                    <a:solidFill>
+                      <a:srgbClr val="000000"/>
+                    </a:solidFill>
+                    <a:effectLst/>
+                    <a:latin typeface="Lucida Console" panose="020B0609040504020204" pitchFamily="49" charset="0"/>
+                  </a:rPr>
+                  <a:t>sigma^2 </a:t>
+                </a:r>
+                <a:r>
+                  <a:rPr kumimoji="0" lang="ko-KR" altLang="ko-KR" sz="1200" b="0" i="0" u="none" strike="noStrike" cap="none" normalizeH="0" baseline="0" dirty="0" err="1">
+                    <a:ln>
+                      <a:noFill/>
+                    </a:ln>
+                    <a:solidFill>
+                      <a:srgbClr val="000000"/>
+                    </a:solidFill>
+                    <a:effectLst/>
+                    <a:latin typeface="Lucida Console" panose="020B0609040504020204" pitchFamily="49" charset="0"/>
+                  </a:rPr>
+                  <a:t>estimated</a:t>
+                </a:r>
+                <a:r>
+                  <a:rPr kumimoji="0" lang="ko-KR" altLang="ko-KR" sz="1200" b="0" i="0" u="none" strike="noStrike" cap="none" normalizeH="0" baseline="0" dirty="0">
+                    <a:ln>
+                      <a:noFill/>
+                    </a:ln>
+                    <a:solidFill>
+                      <a:srgbClr val="000000"/>
+                    </a:solidFill>
+                    <a:effectLst/>
+                    <a:latin typeface="Lucida Console" panose="020B0609040504020204" pitchFamily="49" charset="0"/>
+                  </a:rPr>
+                  <a:t> </a:t>
+                </a:r>
+                <a:r>
+                  <a:rPr kumimoji="0" lang="ko-KR" altLang="ko-KR" sz="1200" b="0" i="0" u="none" strike="noStrike" cap="none" normalizeH="0" baseline="0" dirty="0" err="1">
+                    <a:ln>
+                      <a:noFill/>
+                    </a:ln>
+                    <a:solidFill>
+                      <a:srgbClr val="000000"/>
+                    </a:solidFill>
+                    <a:effectLst/>
+                    <a:latin typeface="Lucida Console" panose="020B0609040504020204" pitchFamily="49" charset="0"/>
+                  </a:rPr>
+                  <a:t>as</a:t>
+                </a:r>
+                <a:r>
+                  <a:rPr kumimoji="0" lang="ko-KR" altLang="ko-KR" sz="1200" b="0" i="0" u="none" strike="noStrike" cap="none" normalizeH="0" baseline="0" dirty="0">
+                    <a:ln>
+                      <a:noFill/>
+                    </a:ln>
+                    <a:solidFill>
+                      <a:srgbClr val="000000"/>
+                    </a:solidFill>
+                    <a:effectLst/>
+                    <a:latin typeface="Lucida Console" panose="020B0609040504020204" pitchFamily="49" charset="0"/>
+                  </a:rPr>
+                  <a:t> 1.345e+10: </a:t>
+                </a:r>
+                <a:endParaRPr kumimoji="0" lang="en-US" altLang="ko-KR" sz="1200" b="0" i="0" u="none" strike="noStrike" cap="none" normalizeH="0" baseline="0" dirty="0">
+                  <a:ln>
+                    <a:noFill/>
+                  </a:ln>
+                  <a:solidFill>
+                    <a:srgbClr val="000000"/>
+                  </a:solidFill>
+                  <a:effectLst/>
+                  <a:latin typeface="Lucida Console" panose="020B0609040504020204" pitchFamily="49" charset="0"/>
+                </a:endParaRPr>
+              </a:p>
+              <a:p>
+                <a:pPr marR="0" lvl="0" algn="l" defTabSz="914400" rtl="0" eaLnBrk="0" fontAlgn="base" latinLnBrk="0" hangingPunct="0">
+                  <a:lnSpc>
+                    <a:spcPct val="100000"/>
+                  </a:lnSpc>
+                  <a:spcBef>
+                    <a:spcPct val="0"/>
+                  </a:spcBef>
+                  <a:spcAft>
+                    <a:spcPct val="0"/>
+                  </a:spcAft>
+                  <a:buClrTx/>
+                  <a:buSzTx/>
+                  <a:tabLst/>
+                </a:pPr>
+                <a:r>
+                  <a:rPr kumimoji="0" lang="ko-KR" altLang="ko-KR" sz="1200" b="0" i="0" u="none" strike="noStrike" cap="none" normalizeH="0" baseline="0" dirty="0" err="1">
+                    <a:ln>
+                      <a:noFill/>
+                    </a:ln>
+                    <a:solidFill>
+                      <a:srgbClr val="000000"/>
+                    </a:solidFill>
+                    <a:effectLst/>
+                    <a:latin typeface="Lucida Console" panose="020B0609040504020204" pitchFamily="49" charset="0"/>
+                  </a:rPr>
+                  <a:t>log</a:t>
+                </a:r>
+                <a:r>
+                  <a:rPr kumimoji="0" lang="ko-KR" altLang="ko-KR" sz="1200" b="0" i="0" u="none" strike="noStrike" cap="none" normalizeH="0" baseline="0" dirty="0">
+                    <a:ln>
+                      <a:noFill/>
+                    </a:ln>
+                    <a:solidFill>
+                      <a:srgbClr val="000000"/>
+                    </a:solidFill>
+                    <a:effectLst/>
+                    <a:latin typeface="Lucida Console" panose="020B0609040504020204" pitchFamily="49" charset="0"/>
+                  </a:rPr>
+                  <a:t> </a:t>
+                </a:r>
+                <a:r>
+                  <a:rPr kumimoji="0" lang="ko-KR" altLang="ko-KR" sz="1200" b="0" i="0" u="none" strike="noStrike" cap="none" normalizeH="0" baseline="0" dirty="0" err="1">
+                    <a:ln>
+                      <a:noFill/>
+                    </a:ln>
+                    <a:solidFill>
+                      <a:srgbClr val="000000"/>
+                    </a:solidFill>
+                    <a:effectLst/>
+                    <a:latin typeface="Lucida Console" panose="020B0609040504020204" pitchFamily="49" charset="0"/>
+                  </a:rPr>
+                  <a:t>likelihood</a:t>
+                </a:r>
+                <a:r>
+                  <a:rPr kumimoji="0" lang="ko-KR" altLang="ko-KR" sz="1200" b="0" i="0" u="none" strike="noStrike" cap="none" normalizeH="0" baseline="0" dirty="0">
+                    <a:ln>
+                      <a:noFill/>
+                    </a:ln>
+                    <a:solidFill>
+                      <a:srgbClr val="000000"/>
+                    </a:solidFill>
+                    <a:effectLst/>
+                    <a:latin typeface="Lucida Console" panose="020B0609040504020204" pitchFamily="49" charset="0"/>
+                  </a:rPr>
+                  <a:t> = -1125.75, </a:t>
+                </a:r>
+                <a:r>
+                  <a:rPr kumimoji="0" lang="ko-KR" altLang="ko-KR" sz="1200" b="0" i="0" u="none" strike="noStrike" cap="none" normalizeH="0" baseline="0" dirty="0" err="1">
+                    <a:ln>
+                      <a:noFill/>
+                    </a:ln>
+                    <a:solidFill>
+                      <a:srgbClr val="000000"/>
+                    </a:solidFill>
+                    <a:effectLst/>
+                    <a:latin typeface="Lucida Console" panose="020B0609040504020204" pitchFamily="49" charset="0"/>
+                  </a:rPr>
+                  <a:t>aic</a:t>
+                </a:r>
+                <a:r>
+                  <a:rPr kumimoji="0" lang="ko-KR" altLang="ko-KR" sz="1200" b="0" i="0" u="none" strike="noStrike" cap="none" normalizeH="0" baseline="0" dirty="0">
+                    <a:ln>
+                      <a:noFill/>
+                    </a:ln>
+                    <a:solidFill>
+                      <a:srgbClr val="000000"/>
+                    </a:solidFill>
+                    <a:effectLst/>
+                    <a:latin typeface="Lucida Console" panose="020B0609040504020204" pitchFamily="49" charset="0"/>
+                  </a:rPr>
+                  <a:t> = 2261.5 </a:t>
+                </a:r>
+                <a:endParaRPr kumimoji="0" lang="en-US" altLang="ko-KR" sz="1200" b="0" i="0" u="none" strike="noStrike" cap="none" normalizeH="0" baseline="0" dirty="0">
+                  <a:ln>
+                    <a:noFill/>
+                  </a:ln>
+                  <a:solidFill>
+                    <a:srgbClr val="000000"/>
+                  </a:solidFill>
+                  <a:effectLst/>
+                  <a:latin typeface="Lucida Console" panose="020B0609040504020204" pitchFamily="49" charset="0"/>
+                </a:endParaRPr>
+              </a:p>
+              <a:p>
+                <a:pPr marR="0" lvl="0" algn="ctr" defTabSz="914400" rtl="0" eaLnBrk="0" fontAlgn="base" latinLnBrk="0" hangingPunct="0">
+                  <a:lnSpc>
+                    <a:spcPct val="100000"/>
+                  </a:lnSpc>
+                  <a:spcBef>
+                    <a:spcPct val="0"/>
+                  </a:spcBef>
+                  <a:spcAft>
+                    <a:spcPct val="0"/>
+                  </a:spcAft>
+                  <a:buClrTx/>
+                  <a:buSzTx/>
+                  <a:tabLst/>
+                </a:pPr>
+                <a14:m>
+                  <m:oMathPara xmlns:m="http://schemas.openxmlformats.org/officeDocument/2006/math">
+                    <m:oMathParaPr>
+                      <m:jc m:val="centerGroup"/>
+                    </m:oMathParaPr>
+                    <m:oMath xmlns:m="http://schemas.openxmlformats.org/officeDocument/2006/math">
+                      <m:r>
+                        <a:rPr kumimoji="0" lang="en-US" altLang="ko-KR" sz="1200" b="0" i="1" u="none" strike="noStrike" cap="none" normalizeH="0" baseline="0" smtClean="0">
+                          <a:ln>
+                            <a:noFill/>
+                          </a:ln>
+                          <a:solidFill>
+                            <a:srgbClr val="000000"/>
+                          </a:solidFill>
+                          <a:effectLst/>
+                          <a:latin typeface="Cambria Math" panose="02040503050406030204" pitchFamily="18" charset="0"/>
+                          <a:ea typeface="Cambria Math" panose="02040503050406030204" pitchFamily="18" charset="0"/>
+                        </a:rPr>
+                        <m:t>⋮</m:t>
+                      </m:r>
+                    </m:oMath>
+                  </m:oMathPara>
+                </a14:m>
+                <a:endParaRPr kumimoji="0" lang="en-US" altLang="ko-KR" sz="1200" b="0" i="0" u="none" strike="noStrike" cap="none" normalizeH="0" baseline="0" dirty="0">
+                  <a:ln>
+                    <a:noFill/>
+                  </a:ln>
+                  <a:solidFill>
+                    <a:srgbClr val="000000"/>
+                  </a:solidFill>
+                  <a:effectLst/>
+                  <a:latin typeface="Lucida Console" panose="020B0609040504020204" pitchFamily="49" charset="0"/>
+                </a:endParaRPr>
+              </a:p>
+            </p:txBody>
+          </p:sp>
+        </mc:Choice>
+        <mc:Fallback>
+          <p:sp>
+            <p:nvSpPr>
+              <p:cNvPr id="2" name="Rectangle 1">
+                <a:extLst>
+                  <a:ext uri="{FF2B5EF4-FFF2-40B4-BE49-F238E27FC236}">
+                    <a16:creationId xmlns:a16="http://schemas.microsoft.com/office/drawing/2014/main" id="{2B2B1292-5A30-4EAC-B084-D42AFC174D73}"/>
+                  </a:ext>
+                </a:extLst>
+              </p:cNvPr>
+              <p:cNvSpPr>
+                <a:spLocks noRot="1" noChangeAspect="1" noMove="1" noResize="1" noEditPoints="1" noAdjustHandles="1" noChangeArrowheads="1" noChangeShapeType="1" noTextEdit="1"/>
+              </p:cNvSpPr>
+              <p:nvPr/>
+            </p:nvSpPr>
+            <p:spPr bwMode="auto">
+              <a:xfrm>
+                <a:off x="69868" y="1149508"/>
+                <a:ext cx="4741683" cy="1661993"/>
+              </a:xfrm>
+              <a:prstGeom prst="rect">
+                <a:avLst/>
+              </a:prstGeom>
+              <a:blipFill>
+                <a:blip r:embed="rId3"/>
+                <a:stretch>
+                  <a:fillRect l="-1928" t="-2574" r="-1028" b="-368"/>
+                </a:stretch>
+              </a:blipFill>
+              <a:ln>
+                <a:noFill/>
+              </a:ln>
+              <a:effectLst/>
+            </p:spPr>
+            <p:txBody>
+              <a:bodyPr/>
+              <a:lstStyle/>
+              <a:p>
+                <a:r>
+                  <a:rPr lang="ko-KR" altLang="en-US">
+                    <a:noFill/>
+                  </a:rPr>
+                  <a:t> </a:t>
+                </a:r>
+              </a:p>
+            </p:txBody>
+          </p:sp>
+        </mc:Fallback>
+      </mc:AlternateContent>
     </p:spTree>
     <p:extLst>
       <p:ext uri="{BB962C8B-B14F-4D97-AF65-F5344CB8AC3E}">
@@ -6862,7 +10647,7 @@
 </p:sld>
 </file>
 
-<file path=ppt/slides/slide6.xml><?xml version="1.0" encoding="utf-8"?>
+<file path=ppt/slides/slide8.xml><?xml version="1.0" encoding="utf-8"?>
 <p:sld xmlns:a="http://schemas.openxmlformats.org/drawingml/2006/main" xmlns:r="http://schemas.openxmlformats.org/officeDocument/2006/relationships" xmlns:p="http://schemas.openxmlformats.org/presentationml/2006/main">
   <p:cSld>
     <p:spTree>
@@ -7275,7 +11060,7 @@
 </p:sld>
 </file>
 
-<file path=ppt/slides/slide7.xml><?xml version="1.0" encoding="utf-8"?>
+<file path=ppt/slides/slide9.xml><?xml version="1.0" encoding="utf-8"?>
 <p:sld xmlns:a="http://schemas.openxmlformats.org/drawingml/2006/main" xmlns:r="http://schemas.openxmlformats.org/officeDocument/2006/relationships" xmlns:p="http://schemas.openxmlformats.org/presentationml/2006/main">
   <p:cSld>
     <p:spTree>
@@ -8019,1132 +11804,6 @@
     <p:extLst>
       <p:ext uri="{BB962C8B-B14F-4D97-AF65-F5344CB8AC3E}">
         <p14:creationId xmlns:p14="http://schemas.microsoft.com/office/powerpoint/2010/main" val="3276124970"/>
-      </p:ext>
-    </p:extLst>
-  </p:cSld>
-  <p:clrMapOvr>
-    <a:masterClrMapping/>
-  </p:clrMapOvr>
-</p:sld>
-</file>
-
-<file path=ppt/slides/slide8.xml><?xml version="1.0" encoding="utf-8"?>
-<p:sld xmlns:a="http://schemas.openxmlformats.org/drawingml/2006/main" xmlns:r="http://schemas.openxmlformats.org/officeDocument/2006/relationships" xmlns:p="http://schemas.openxmlformats.org/presentationml/2006/main">
-  <p:cSld>
-    <p:spTree>
-      <p:nvGrpSpPr>
-        <p:cNvPr id="1" name=""/>
-        <p:cNvGrpSpPr/>
-        <p:nvPr/>
-      </p:nvGrpSpPr>
-      <p:grpSpPr>
-        <a:xfrm>
-          <a:off x="0" y="0"/>
-          <a:ext cx="0" cy="0"/>
-          <a:chOff x="0" y="0"/>
-          <a:chExt cx="0" cy="0"/>
-        </a:xfrm>
-      </p:grpSpPr>
-      <p:sp>
-        <p:nvSpPr>
-          <p:cNvPr id="2" name="Rectangle 1">
-            <a:extLst>
-              <a:ext uri="{FF2B5EF4-FFF2-40B4-BE49-F238E27FC236}">
-                <a16:creationId xmlns:a16="http://schemas.microsoft.com/office/drawing/2014/main" id="{68E51CC3-9B3D-4027-BC13-F673ECD438C5}"/>
-              </a:ext>
-            </a:extLst>
-          </p:cNvPr>
-          <p:cNvSpPr>
-            <a:spLocks noChangeArrowheads="1"/>
-          </p:cNvSpPr>
-          <p:nvPr/>
-        </p:nvSpPr>
-        <p:spPr bwMode="auto">
-          <a:xfrm>
-            <a:off x="19193" y="1221938"/>
-            <a:ext cx="3625993" cy="923330"/>
-          </a:xfrm>
-          <a:prstGeom prst="rect">
-            <a:avLst/>
-          </a:prstGeom>
-          <a:noFill/>
-          <a:ln>
-            <a:noFill/>
-          </a:ln>
-          <a:effectLst/>
-        </p:spPr>
-        <p:txBody>
-          <a:bodyPr vert="horz" wrap="none" lIns="0" tIns="0" rIns="0" bIns="0" numCol="1" anchor="ctr" anchorCtr="0" compatLnSpc="1">
-            <a:prstTxWarp prst="textNoShape">
-              <a:avLst/>
-            </a:prstTxWarp>
-            <a:spAutoFit/>
-          </a:bodyPr>
-          <a:lstStyle/>
-          <a:p>
-            <a:pPr marR="0" lvl="0" algn="l" defTabSz="914400" rtl="0" eaLnBrk="0" fontAlgn="base" latinLnBrk="0" hangingPunct="0">
-              <a:lnSpc>
-                <a:spcPct val="100000"/>
-              </a:lnSpc>
-              <a:spcBef>
-                <a:spcPct val="0"/>
-              </a:spcBef>
-              <a:spcAft>
-                <a:spcPct val="0"/>
-              </a:spcAft>
-              <a:buClrTx/>
-              <a:buSzTx/>
-              <a:tabLst/>
-            </a:pPr>
-            <a:r>
-              <a:rPr kumimoji="0" lang="ko-KR" altLang="ko-KR" sz="1200" b="0" i="0" u="none" strike="noStrike" cap="none" normalizeH="0" baseline="0" dirty="0" err="1">
-                <a:ln>
-                  <a:noFill/>
-                </a:ln>
-                <a:solidFill>
-                  <a:srgbClr val="0000FF"/>
-                </a:solidFill>
-                <a:effectLst/>
-                <a:latin typeface="Lucida Console" panose="020B0609040504020204" pitchFamily="49" charset="0"/>
-              </a:rPr>
-              <a:t>checkresiduals</a:t>
-            </a:r>
-            <a:r>
-              <a:rPr kumimoji="0" lang="ko-KR" altLang="ko-KR" sz="1200" b="0" i="0" u="none" strike="noStrike" cap="none" normalizeH="0" baseline="0" dirty="0">
-                <a:ln>
-                  <a:noFill/>
-                </a:ln>
-                <a:solidFill>
-                  <a:srgbClr val="0000FF"/>
-                </a:solidFill>
-                <a:effectLst/>
-                <a:latin typeface="Lucida Console" panose="020B0609040504020204" pitchFamily="49" charset="0"/>
-              </a:rPr>
-              <a:t>(skt5_test) </a:t>
-            </a:r>
-            <a:endParaRPr kumimoji="0" lang="en-US" altLang="ko-KR" sz="1200" b="0" i="0" u="none" strike="noStrike" cap="none" normalizeH="0" baseline="0" dirty="0">
-              <a:ln>
-                <a:noFill/>
-              </a:ln>
-              <a:solidFill>
-                <a:srgbClr val="0000FF"/>
-              </a:solidFill>
-              <a:effectLst/>
-              <a:latin typeface="Lucida Console" panose="020B0609040504020204" pitchFamily="49" charset="0"/>
-            </a:endParaRPr>
-          </a:p>
-          <a:p>
-            <a:pPr marR="0" lvl="0" algn="l" defTabSz="914400" rtl="0" eaLnBrk="0" fontAlgn="base" latinLnBrk="0" hangingPunct="0">
-              <a:lnSpc>
-                <a:spcPct val="100000"/>
-              </a:lnSpc>
-              <a:spcBef>
-                <a:spcPct val="0"/>
-              </a:spcBef>
-              <a:spcAft>
-                <a:spcPct val="0"/>
-              </a:spcAft>
-              <a:buClrTx/>
-              <a:buSzTx/>
-              <a:tabLst/>
-            </a:pPr>
-            <a:r>
-              <a:rPr kumimoji="0" lang="ko-KR" altLang="ko-KR" sz="1200" b="0" i="0" u="none" strike="noStrike" cap="none" normalizeH="0" baseline="0" dirty="0" err="1">
-                <a:ln>
-                  <a:noFill/>
-                </a:ln>
-                <a:solidFill>
-                  <a:srgbClr val="000000"/>
-                </a:solidFill>
-                <a:effectLst/>
-                <a:latin typeface="Lucida Console" panose="020B0609040504020204" pitchFamily="49" charset="0"/>
-              </a:rPr>
-              <a:t>Ljung-Box</a:t>
-            </a:r>
-            <a:r>
-              <a:rPr kumimoji="0" lang="ko-KR" altLang="ko-KR" sz="1200" b="0" i="0" u="none" strike="noStrike" cap="none" normalizeH="0" baseline="0" dirty="0">
-                <a:ln>
-                  <a:noFill/>
-                </a:ln>
-                <a:solidFill>
-                  <a:srgbClr val="000000"/>
-                </a:solidFill>
-                <a:effectLst/>
-                <a:latin typeface="Lucida Console" panose="020B0609040504020204" pitchFamily="49" charset="0"/>
-              </a:rPr>
-              <a:t> </a:t>
-            </a:r>
-            <a:r>
-              <a:rPr kumimoji="0" lang="ko-KR" altLang="ko-KR" sz="1200" b="0" i="0" u="none" strike="noStrike" cap="none" normalizeH="0" baseline="0" dirty="0" err="1">
-                <a:ln>
-                  <a:noFill/>
-                </a:ln>
-                <a:solidFill>
-                  <a:srgbClr val="000000"/>
-                </a:solidFill>
-                <a:effectLst/>
-                <a:latin typeface="Lucida Console" panose="020B0609040504020204" pitchFamily="49" charset="0"/>
-              </a:rPr>
-              <a:t>test</a:t>
-            </a:r>
-            <a:r>
-              <a:rPr kumimoji="0" lang="ko-KR" altLang="ko-KR" sz="1200" b="0" i="0" u="none" strike="noStrike" cap="none" normalizeH="0" baseline="0" dirty="0">
-                <a:ln>
-                  <a:noFill/>
-                </a:ln>
-                <a:solidFill>
-                  <a:srgbClr val="000000"/>
-                </a:solidFill>
-                <a:effectLst/>
-                <a:latin typeface="Lucida Console" panose="020B0609040504020204" pitchFamily="49" charset="0"/>
-              </a:rPr>
-              <a:t> </a:t>
-            </a:r>
-            <a:endParaRPr kumimoji="0" lang="en-US" altLang="ko-KR" sz="1200" b="0" i="0" u="none" strike="noStrike" cap="none" normalizeH="0" baseline="0" dirty="0">
-              <a:ln>
-                <a:noFill/>
-              </a:ln>
-              <a:solidFill>
-                <a:srgbClr val="000000"/>
-              </a:solidFill>
-              <a:effectLst/>
-              <a:latin typeface="Lucida Console" panose="020B0609040504020204" pitchFamily="49" charset="0"/>
-            </a:endParaRPr>
-          </a:p>
-          <a:p>
-            <a:pPr marR="0" lvl="0" algn="l" defTabSz="914400" rtl="0" eaLnBrk="0" fontAlgn="base" latinLnBrk="0" hangingPunct="0">
-              <a:lnSpc>
-                <a:spcPct val="100000"/>
-              </a:lnSpc>
-              <a:spcBef>
-                <a:spcPct val="0"/>
-              </a:spcBef>
-              <a:spcAft>
-                <a:spcPct val="0"/>
-              </a:spcAft>
-              <a:buClrTx/>
-              <a:buSzTx/>
-              <a:tabLst/>
-            </a:pPr>
-            <a:r>
-              <a:rPr kumimoji="0" lang="ko-KR" altLang="ko-KR" sz="1200" b="0" i="0" u="none" strike="noStrike" cap="none" normalizeH="0" baseline="0" dirty="0" err="1">
-                <a:ln>
-                  <a:noFill/>
-                </a:ln>
-                <a:solidFill>
-                  <a:srgbClr val="000000"/>
-                </a:solidFill>
-                <a:effectLst/>
-                <a:latin typeface="Lucida Console" panose="020B0609040504020204" pitchFamily="49" charset="0"/>
-              </a:rPr>
-              <a:t>data</a:t>
-            </a:r>
-            <a:r>
-              <a:rPr kumimoji="0" lang="ko-KR" altLang="ko-KR" sz="1200" b="0" i="0" u="none" strike="noStrike" cap="none" normalizeH="0" baseline="0" dirty="0">
-                <a:ln>
-                  <a:noFill/>
-                </a:ln>
-                <a:solidFill>
-                  <a:srgbClr val="000000"/>
-                </a:solidFill>
-                <a:effectLst/>
-                <a:latin typeface="Lucida Console" panose="020B0609040504020204" pitchFamily="49" charset="0"/>
-              </a:rPr>
-              <a:t>: </a:t>
-            </a:r>
-            <a:r>
-              <a:rPr kumimoji="0" lang="ko-KR" altLang="ko-KR" sz="1200" b="0" i="0" u="none" strike="noStrike" cap="none" normalizeH="0" baseline="0" dirty="0" err="1">
-                <a:ln>
-                  <a:noFill/>
-                </a:ln>
-                <a:solidFill>
-                  <a:srgbClr val="000000"/>
-                </a:solidFill>
-                <a:effectLst/>
-                <a:latin typeface="Lucida Console" panose="020B0609040504020204" pitchFamily="49" charset="0"/>
-              </a:rPr>
-              <a:t>Residuals</a:t>
-            </a:r>
-            <a:r>
-              <a:rPr kumimoji="0" lang="ko-KR" altLang="ko-KR" sz="1200" b="0" i="0" u="none" strike="noStrike" cap="none" normalizeH="0" baseline="0" dirty="0">
-                <a:ln>
-                  <a:noFill/>
-                </a:ln>
-                <a:solidFill>
-                  <a:srgbClr val="000000"/>
-                </a:solidFill>
-                <a:effectLst/>
-                <a:latin typeface="Lucida Console" panose="020B0609040504020204" pitchFamily="49" charset="0"/>
-              </a:rPr>
-              <a:t> </a:t>
-            </a:r>
-            <a:r>
-              <a:rPr kumimoji="0" lang="ko-KR" altLang="ko-KR" sz="1200" b="0" i="0" u="none" strike="noStrike" cap="none" normalizeH="0" baseline="0" dirty="0" err="1">
-                <a:ln>
-                  <a:noFill/>
-                </a:ln>
-                <a:solidFill>
-                  <a:srgbClr val="000000"/>
-                </a:solidFill>
-                <a:effectLst/>
-                <a:latin typeface="Lucida Console" panose="020B0609040504020204" pitchFamily="49" charset="0"/>
-              </a:rPr>
-              <a:t>from</a:t>
-            </a:r>
-            <a:r>
-              <a:rPr kumimoji="0" lang="ko-KR" altLang="ko-KR" sz="1200" b="0" i="0" u="none" strike="noStrike" cap="none" normalizeH="0" baseline="0" dirty="0">
-                <a:ln>
-                  <a:noFill/>
-                </a:ln>
-                <a:solidFill>
-                  <a:srgbClr val="000000"/>
-                </a:solidFill>
-                <a:effectLst/>
-                <a:latin typeface="Lucida Console" panose="020B0609040504020204" pitchFamily="49" charset="0"/>
-              </a:rPr>
-              <a:t> ARIMA(5,2,0) </a:t>
-            </a:r>
-            <a:endParaRPr kumimoji="0" lang="en-US" altLang="ko-KR" sz="1200" b="0" i="0" u="none" strike="noStrike" cap="none" normalizeH="0" baseline="0" dirty="0">
-              <a:ln>
-                <a:noFill/>
-              </a:ln>
-              <a:solidFill>
-                <a:srgbClr val="000000"/>
-              </a:solidFill>
-              <a:effectLst/>
-              <a:latin typeface="Lucida Console" panose="020B0609040504020204" pitchFamily="49" charset="0"/>
-            </a:endParaRPr>
-          </a:p>
-          <a:p>
-            <a:pPr marR="0" lvl="0" algn="l" defTabSz="914400" rtl="0" eaLnBrk="0" fontAlgn="base" latinLnBrk="0" hangingPunct="0">
-              <a:lnSpc>
-                <a:spcPct val="100000"/>
-              </a:lnSpc>
-              <a:spcBef>
-                <a:spcPct val="0"/>
-              </a:spcBef>
-              <a:spcAft>
-                <a:spcPct val="0"/>
-              </a:spcAft>
-              <a:buClrTx/>
-              <a:buSzTx/>
-              <a:tabLst/>
-            </a:pPr>
-            <a:r>
-              <a:rPr kumimoji="0" lang="ko-KR" altLang="ko-KR" sz="1200" b="0" i="0" u="none" strike="noStrike" cap="none" normalizeH="0" baseline="0" dirty="0" err="1">
-                <a:ln>
-                  <a:noFill/>
-                </a:ln>
-                <a:solidFill>
-                  <a:srgbClr val="000000"/>
-                </a:solidFill>
-                <a:effectLst/>
-                <a:latin typeface="Lucida Console" panose="020B0609040504020204" pitchFamily="49" charset="0"/>
-              </a:rPr>
-              <a:t>Q</a:t>
-            </a:r>
-            <a:r>
-              <a:rPr kumimoji="0" lang="ko-KR" altLang="ko-KR" sz="1200" b="0" i="0" u="none" strike="noStrike" cap="none" normalizeH="0" baseline="0" dirty="0">
-                <a:ln>
-                  <a:noFill/>
-                </a:ln>
-                <a:solidFill>
-                  <a:srgbClr val="000000"/>
-                </a:solidFill>
-                <a:effectLst/>
-                <a:latin typeface="Lucida Console" panose="020B0609040504020204" pitchFamily="49" charset="0"/>
-              </a:rPr>
-              <a:t>* = 16.012, </a:t>
-            </a:r>
-            <a:r>
-              <a:rPr kumimoji="0" lang="ko-KR" altLang="ko-KR" sz="1200" b="0" i="0" u="none" strike="noStrike" cap="none" normalizeH="0" baseline="0" dirty="0" err="1">
-                <a:ln>
-                  <a:noFill/>
-                </a:ln>
-                <a:solidFill>
-                  <a:srgbClr val="000000"/>
-                </a:solidFill>
-                <a:effectLst/>
-                <a:latin typeface="Lucida Console" panose="020B0609040504020204" pitchFamily="49" charset="0"/>
-              </a:rPr>
-              <a:t>df</a:t>
-            </a:r>
-            <a:r>
-              <a:rPr kumimoji="0" lang="ko-KR" altLang="ko-KR" sz="1200" b="0" i="0" u="none" strike="noStrike" cap="none" normalizeH="0" baseline="0" dirty="0">
-                <a:ln>
-                  <a:noFill/>
-                </a:ln>
-                <a:solidFill>
-                  <a:srgbClr val="000000"/>
-                </a:solidFill>
-                <a:effectLst/>
-                <a:latin typeface="Lucida Console" panose="020B0609040504020204" pitchFamily="49" charset="0"/>
-              </a:rPr>
-              <a:t> = 12, </a:t>
-            </a:r>
-            <a:r>
-              <a:rPr kumimoji="0" lang="ko-KR" altLang="ko-KR" sz="1200" b="0" i="0" u="none" strike="noStrike" cap="none" normalizeH="0" baseline="0" dirty="0" err="1">
-                <a:ln>
-                  <a:noFill/>
-                </a:ln>
-                <a:solidFill>
-                  <a:srgbClr val="000000"/>
-                </a:solidFill>
-                <a:effectLst/>
-                <a:latin typeface="Lucida Console" panose="020B0609040504020204" pitchFamily="49" charset="0"/>
-              </a:rPr>
-              <a:t>p-value</a:t>
-            </a:r>
-            <a:r>
-              <a:rPr kumimoji="0" lang="ko-KR" altLang="ko-KR" sz="1200" b="0" i="0" u="none" strike="noStrike" cap="none" normalizeH="0" baseline="0" dirty="0">
-                <a:ln>
-                  <a:noFill/>
-                </a:ln>
-                <a:solidFill>
-                  <a:srgbClr val="000000"/>
-                </a:solidFill>
-                <a:effectLst/>
-                <a:latin typeface="Lucida Console" panose="020B0609040504020204" pitchFamily="49" charset="0"/>
-              </a:rPr>
-              <a:t> = 0.1907 </a:t>
-            </a:r>
-            <a:endParaRPr kumimoji="0" lang="en-US" altLang="ko-KR" sz="1200" b="0" i="0" u="none" strike="noStrike" cap="none" normalizeH="0" baseline="0" dirty="0">
-              <a:ln>
-                <a:noFill/>
-              </a:ln>
-              <a:solidFill>
-                <a:srgbClr val="000000"/>
-              </a:solidFill>
-              <a:effectLst/>
-              <a:latin typeface="Lucida Console" panose="020B0609040504020204" pitchFamily="49" charset="0"/>
-            </a:endParaRPr>
-          </a:p>
-          <a:p>
-            <a:pPr marR="0" lvl="0" algn="l" defTabSz="914400" rtl="0" eaLnBrk="0" fontAlgn="base" latinLnBrk="0" hangingPunct="0">
-              <a:lnSpc>
-                <a:spcPct val="100000"/>
-              </a:lnSpc>
-              <a:spcBef>
-                <a:spcPct val="0"/>
-              </a:spcBef>
-              <a:spcAft>
-                <a:spcPct val="0"/>
-              </a:spcAft>
-              <a:buClrTx/>
-              <a:buSzTx/>
-              <a:tabLst/>
-            </a:pPr>
-            <a:r>
-              <a:rPr kumimoji="0" lang="ko-KR" altLang="ko-KR" sz="1200" b="0" i="0" u="none" strike="noStrike" cap="none" normalizeH="0" baseline="0" dirty="0" err="1">
-                <a:ln>
-                  <a:noFill/>
-                </a:ln>
-                <a:solidFill>
-                  <a:srgbClr val="000000"/>
-                </a:solidFill>
-                <a:effectLst/>
-                <a:latin typeface="Lucida Console" panose="020B0609040504020204" pitchFamily="49" charset="0"/>
-              </a:rPr>
-              <a:t>Model</a:t>
-            </a:r>
-            <a:r>
-              <a:rPr kumimoji="0" lang="ko-KR" altLang="ko-KR" sz="1200" b="0" i="0" u="none" strike="noStrike" cap="none" normalizeH="0" baseline="0" dirty="0">
-                <a:ln>
-                  <a:noFill/>
-                </a:ln>
-                <a:solidFill>
-                  <a:srgbClr val="000000"/>
-                </a:solidFill>
-                <a:effectLst/>
-                <a:latin typeface="Lucida Console" panose="020B0609040504020204" pitchFamily="49" charset="0"/>
-              </a:rPr>
-              <a:t> </a:t>
-            </a:r>
-            <a:r>
-              <a:rPr kumimoji="0" lang="ko-KR" altLang="ko-KR" sz="1200" b="0" i="0" u="none" strike="noStrike" cap="none" normalizeH="0" baseline="0" dirty="0" err="1">
-                <a:ln>
-                  <a:noFill/>
-                </a:ln>
-                <a:solidFill>
-                  <a:srgbClr val="000000"/>
-                </a:solidFill>
-                <a:effectLst/>
-                <a:latin typeface="Lucida Console" panose="020B0609040504020204" pitchFamily="49" charset="0"/>
-              </a:rPr>
-              <a:t>df</a:t>
-            </a:r>
-            <a:r>
-              <a:rPr kumimoji="0" lang="ko-KR" altLang="ko-KR" sz="1200" b="0" i="0" u="none" strike="noStrike" cap="none" normalizeH="0" baseline="0" dirty="0">
-                <a:ln>
-                  <a:noFill/>
-                </a:ln>
-                <a:solidFill>
-                  <a:srgbClr val="000000"/>
-                </a:solidFill>
-                <a:effectLst/>
-                <a:latin typeface="Lucida Console" panose="020B0609040504020204" pitchFamily="49" charset="0"/>
-              </a:rPr>
-              <a:t>: 5. </a:t>
-            </a:r>
-            <a:r>
-              <a:rPr kumimoji="0" lang="ko-KR" altLang="ko-KR" sz="1200" b="0" i="0" u="none" strike="noStrike" cap="none" normalizeH="0" baseline="0" dirty="0" err="1">
-                <a:ln>
-                  <a:noFill/>
-                </a:ln>
-                <a:solidFill>
-                  <a:srgbClr val="000000"/>
-                </a:solidFill>
-                <a:effectLst/>
-                <a:latin typeface="Lucida Console" panose="020B0609040504020204" pitchFamily="49" charset="0"/>
-              </a:rPr>
-              <a:t>Total</a:t>
-            </a:r>
-            <a:r>
-              <a:rPr kumimoji="0" lang="ko-KR" altLang="ko-KR" sz="1200" b="0" i="0" u="none" strike="noStrike" cap="none" normalizeH="0" baseline="0" dirty="0">
-                <a:ln>
-                  <a:noFill/>
-                </a:ln>
-                <a:solidFill>
-                  <a:srgbClr val="000000"/>
-                </a:solidFill>
-                <a:effectLst/>
-                <a:latin typeface="Lucida Console" panose="020B0609040504020204" pitchFamily="49" charset="0"/>
-              </a:rPr>
-              <a:t> </a:t>
-            </a:r>
-            <a:r>
-              <a:rPr kumimoji="0" lang="ko-KR" altLang="ko-KR" sz="1200" b="0" i="0" u="none" strike="noStrike" cap="none" normalizeH="0" baseline="0" dirty="0" err="1">
-                <a:ln>
-                  <a:noFill/>
-                </a:ln>
-                <a:solidFill>
-                  <a:srgbClr val="000000"/>
-                </a:solidFill>
-                <a:effectLst/>
-                <a:latin typeface="Lucida Console" panose="020B0609040504020204" pitchFamily="49" charset="0"/>
-              </a:rPr>
-              <a:t>lags</a:t>
-            </a:r>
-            <a:r>
-              <a:rPr kumimoji="0" lang="ko-KR" altLang="ko-KR" sz="1200" b="0" i="0" u="none" strike="noStrike" cap="none" normalizeH="0" baseline="0" dirty="0">
-                <a:ln>
-                  <a:noFill/>
-                </a:ln>
-                <a:solidFill>
-                  <a:srgbClr val="000000"/>
-                </a:solidFill>
-                <a:effectLst/>
-                <a:latin typeface="Lucida Console" panose="020B0609040504020204" pitchFamily="49" charset="0"/>
-              </a:rPr>
-              <a:t> </a:t>
-            </a:r>
-            <a:r>
-              <a:rPr kumimoji="0" lang="ko-KR" altLang="ko-KR" sz="1200" b="0" i="0" u="none" strike="noStrike" cap="none" normalizeH="0" baseline="0" dirty="0" err="1">
-                <a:ln>
-                  <a:noFill/>
-                </a:ln>
-                <a:solidFill>
-                  <a:srgbClr val="000000"/>
-                </a:solidFill>
-                <a:effectLst/>
-                <a:latin typeface="Lucida Console" panose="020B0609040504020204" pitchFamily="49" charset="0"/>
-              </a:rPr>
-              <a:t>used</a:t>
-            </a:r>
-            <a:r>
-              <a:rPr kumimoji="0" lang="ko-KR" altLang="ko-KR" sz="1200" b="0" i="0" u="none" strike="noStrike" cap="none" normalizeH="0" baseline="0" dirty="0">
-                <a:ln>
-                  <a:noFill/>
-                </a:ln>
-                <a:solidFill>
-                  <a:srgbClr val="000000"/>
-                </a:solidFill>
-                <a:effectLst/>
-                <a:latin typeface="Lucida Console" panose="020B0609040504020204" pitchFamily="49" charset="0"/>
-              </a:rPr>
-              <a:t>: 17</a:t>
-            </a:r>
-            <a:endParaRPr kumimoji="0" lang="ko-KR" altLang="ko-KR" sz="1800" b="0" i="0" u="none" strike="noStrike" cap="none" normalizeH="0" baseline="0" dirty="0">
-              <a:ln>
-                <a:noFill/>
-              </a:ln>
-              <a:solidFill>
-                <a:schemeClr val="tx1"/>
-              </a:solidFill>
-              <a:effectLst/>
-              <a:latin typeface="Arial" panose="020B0604020202020204" pitchFamily="34" charset="0"/>
-            </a:endParaRPr>
-          </a:p>
-        </p:txBody>
-      </p:sp>
-      <p:pic>
-        <p:nvPicPr>
-          <p:cNvPr id="4" name="그림 3">
-            <a:extLst>
-              <a:ext uri="{FF2B5EF4-FFF2-40B4-BE49-F238E27FC236}">
-                <a16:creationId xmlns:a16="http://schemas.microsoft.com/office/drawing/2014/main" id="{8A118470-5D94-46AD-920A-0BDB1D242D7A}"/>
-              </a:ext>
-            </a:extLst>
-          </p:cNvPr>
-          <p:cNvPicPr>
-            <a:picLocks noChangeAspect="1"/>
-          </p:cNvPicPr>
-          <p:nvPr/>
-        </p:nvPicPr>
-        <p:blipFill>
-          <a:blip r:embed="rId2">
-            <a:extLst>
-              <a:ext uri="{28A0092B-C50C-407E-A947-70E740481C1C}">
-                <a14:useLocalDpi xmlns:a14="http://schemas.microsoft.com/office/drawing/2010/main" val="0"/>
-              </a:ext>
-            </a:extLst>
-          </a:blip>
-          <a:stretch>
-            <a:fillRect/>
-          </a:stretch>
-        </p:blipFill>
-        <p:spPr>
-          <a:xfrm>
-            <a:off x="5403709" y="195580"/>
-            <a:ext cx="6324600" cy="6324600"/>
-          </a:xfrm>
-          <a:prstGeom prst="rect">
-            <a:avLst/>
-          </a:prstGeom>
-        </p:spPr>
-      </p:pic>
-      <p:sp>
-        <p:nvSpPr>
-          <p:cNvPr id="6" name="Rectangle 1">
-            <a:extLst>
-              <a:ext uri="{FF2B5EF4-FFF2-40B4-BE49-F238E27FC236}">
-                <a16:creationId xmlns:a16="http://schemas.microsoft.com/office/drawing/2014/main" id="{FCE47EBD-C2AF-43EE-8F8F-0807022C7E65}"/>
-              </a:ext>
-            </a:extLst>
-          </p:cNvPr>
-          <p:cNvSpPr>
-            <a:spLocks noChangeArrowheads="1"/>
-          </p:cNvSpPr>
-          <p:nvPr/>
-        </p:nvSpPr>
-        <p:spPr bwMode="auto">
-          <a:xfrm>
-            <a:off x="-11287" y="2301577"/>
-            <a:ext cx="5299528" cy="369332"/>
-          </a:xfrm>
-          <a:prstGeom prst="rect">
-            <a:avLst/>
-          </a:prstGeom>
-          <a:noFill/>
-          <a:ln>
-            <a:noFill/>
-          </a:ln>
-          <a:effectLst/>
-        </p:spPr>
-        <p:txBody>
-          <a:bodyPr vert="horz" wrap="none" lIns="0" tIns="0" rIns="0" bIns="0" numCol="1" anchor="ctr" anchorCtr="0" compatLnSpc="1">
-            <a:prstTxWarp prst="textNoShape">
-              <a:avLst/>
-            </a:prstTxWarp>
-            <a:spAutoFit/>
-          </a:bodyPr>
-          <a:lstStyle/>
-          <a:p>
-            <a:pPr lvl="0" eaLnBrk="0" fontAlgn="base" latinLnBrk="0" hangingPunct="0">
-              <a:spcBef>
-                <a:spcPct val="0"/>
-              </a:spcBef>
-              <a:spcAft>
-                <a:spcPct val="0"/>
-              </a:spcAft>
-            </a:pPr>
-            <a:r>
-              <a:rPr lang="en-US" altLang="ko-KR" sz="1200" dirty="0">
-                <a:solidFill>
-                  <a:srgbClr val="FF0000"/>
-                </a:solidFill>
-                <a:latin typeface="Lucida Console" panose="020B0609040504020204" pitchFamily="49" charset="0"/>
-              </a:rPr>
-              <a:t>※ </a:t>
-            </a:r>
-            <a:r>
-              <a:rPr kumimoji="0" lang="ko-KR" altLang="ko-KR" sz="1200" b="0" i="0" u="none" strike="noStrike" cap="none" normalizeH="0" baseline="0" dirty="0" err="1">
-                <a:ln>
-                  <a:noFill/>
-                </a:ln>
-                <a:solidFill>
-                  <a:srgbClr val="000000"/>
-                </a:solidFill>
-                <a:effectLst/>
-                <a:latin typeface="Lucida Console" panose="020B0609040504020204" pitchFamily="49" charset="0"/>
-              </a:rPr>
-              <a:t>p-value</a:t>
-            </a:r>
-            <a:r>
-              <a:rPr kumimoji="0" lang="ko-KR" altLang="ko-KR" sz="1200" b="0" i="0" u="none" strike="noStrike" cap="none" normalizeH="0" baseline="0" dirty="0">
-                <a:ln>
-                  <a:noFill/>
-                </a:ln>
-                <a:solidFill>
-                  <a:srgbClr val="000000"/>
-                </a:solidFill>
-                <a:effectLst/>
-                <a:latin typeface="Lucida Console" panose="020B0609040504020204" pitchFamily="49" charset="0"/>
-              </a:rPr>
-              <a:t> = 0.1907 </a:t>
-            </a:r>
-            <a:r>
-              <a:rPr kumimoji="0" lang="en-US" altLang="ko-KR" sz="1200" b="0" i="0" u="none" strike="noStrike" cap="none" normalizeH="0" baseline="0" dirty="0">
-                <a:ln>
-                  <a:noFill/>
-                </a:ln>
-                <a:solidFill>
-                  <a:srgbClr val="000000"/>
-                </a:solidFill>
-                <a:effectLst/>
-                <a:latin typeface="Lucida Console" panose="020B0609040504020204" pitchFamily="49" charset="0"/>
-              </a:rPr>
-              <a:t>:</a:t>
-            </a:r>
-          </a:p>
-          <a:p>
-            <a:pPr lvl="0" eaLnBrk="0" fontAlgn="base" latinLnBrk="0" hangingPunct="0">
-              <a:spcBef>
-                <a:spcPct val="0"/>
-              </a:spcBef>
-              <a:spcAft>
-                <a:spcPct val="0"/>
-              </a:spcAft>
-            </a:pPr>
-            <a:r>
-              <a:rPr lang="ko-KR" altLang="en-US" sz="1200" dirty="0">
-                <a:solidFill>
-                  <a:srgbClr val="FF0000"/>
-                </a:solidFill>
-                <a:latin typeface="Lucida Console" panose="020B0609040504020204" pitchFamily="49" charset="0"/>
-              </a:rPr>
-              <a:t>시계열 분석을 위한 표본데이터의 부족으로 예측 정확성이 조금 낮은 편</a:t>
-            </a:r>
-            <a:endParaRPr kumimoji="0" lang="ko-KR" altLang="ko-KR" sz="1800" b="0" i="0" u="none" strike="noStrike" cap="none" normalizeH="0" baseline="0" dirty="0">
-              <a:ln>
-                <a:noFill/>
-              </a:ln>
-              <a:solidFill>
-                <a:srgbClr val="FF0000"/>
-              </a:solidFill>
-              <a:effectLst/>
-              <a:latin typeface="Arial" panose="020B0604020202020204" pitchFamily="34" charset="0"/>
-            </a:endParaRPr>
-          </a:p>
-        </p:txBody>
-      </p:sp>
-    </p:spTree>
-    <p:extLst>
-      <p:ext uri="{BB962C8B-B14F-4D97-AF65-F5344CB8AC3E}">
-        <p14:creationId xmlns:p14="http://schemas.microsoft.com/office/powerpoint/2010/main" val="211880196"/>
-      </p:ext>
-    </p:extLst>
-  </p:cSld>
-  <p:clrMapOvr>
-    <a:masterClrMapping/>
-  </p:clrMapOvr>
-</p:sld>
-</file>
-
-<file path=ppt/slides/slide9.xml><?xml version="1.0" encoding="utf-8"?>
-<p:sld xmlns:a="http://schemas.openxmlformats.org/drawingml/2006/main" xmlns:r="http://schemas.openxmlformats.org/officeDocument/2006/relationships" xmlns:p="http://schemas.openxmlformats.org/presentationml/2006/main">
-  <p:cSld>
-    <p:spTree>
-      <p:nvGrpSpPr>
-        <p:cNvPr id="1" name=""/>
-        <p:cNvGrpSpPr/>
-        <p:nvPr/>
-      </p:nvGrpSpPr>
-      <p:grpSpPr>
-        <a:xfrm>
-          <a:off x="0" y="0"/>
-          <a:ext cx="0" cy="0"/>
-          <a:chOff x="0" y="0"/>
-          <a:chExt cx="0" cy="0"/>
-        </a:xfrm>
-      </p:grpSpPr>
-      <p:sp>
-        <p:nvSpPr>
-          <p:cNvPr id="2" name="Rectangle 2">
-            <a:extLst>
-              <a:ext uri="{FF2B5EF4-FFF2-40B4-BE49-F238E27FC236}">
-                <a16:creationId xmlns:a16="http://schemas.microsoft.com/office/drawing/2014/main" id="{C32B605D-F2CF-4940-B3DB-9330C51404EC}"/>
-              </a:ext>
-            </a:extLst>
-          </p:cNvPr>
-          <p:cNvSpPr>
-            <a:spLocks noChangeArrowheads="1"/>
-          </p:cNvSpPr>
-          <p:nvPr/>
-        </p:nvSpPr>
-        <p:spPr bwMode="auto">
-          <a:xfrm>
-            <a:off x="425593" y="1293058"/>
-            <a:ext cx="3962623" cy="738664"/>
-          </a:xfrm>
-          <a:prstGeom prst="rect">
-            <a:avLst/>
-          </a:prstGeom>
-          <a:noFill/>
-          <a:ln>
-            <a:noFill/>
-          </a:ln>
-          <a:effectLst/>
-        </p:spPr>
-        <p:txBody>
-          <a:bodyPr vert="horz" wrap="none" lIns="0" tIns="0" rIns="0" bIns="0" numCol="1" anchor="ctr" anchorCtr="0" compatLnSpc="1">
-            <a:prstTxWarp prst="textNoShape">
-              <a:avLst/>
-            </a:prstTxWarp>
-            <a:spAutoFit/>
-          </a:bodyPr>
-          <a:lstStyle/>
-          <a:p>
-            <a:pPr marR="0" lvl="0" algn="l" defTabSz="914400" rtl="0" eaLnBrk="0" fontAlgn="base" latinLnBrk="0" hangingPunct="0">
-              <a:lnSpc>
-                <a:spcPct val="100000"/>
-              </a:lnSpc>
-              <a:spcBef>
-                <a:spcPct val="0"/>
-              </a:spcBef>
-              <a:spcAft>
-                <a:spcPct val="0"/>
-              </a:spcAft>
-              <a:buClrTx/>
-              <a:buSzTx/>
-              <a:tabLst/>
-            </a:pPr>
-            <a:r>
-              <a:rPr kumimoji="0" lang="ko-KR" altLang="ko-KR" sz="1200" b="0" i="0" u="none" strike="noStrike" cap="none" normalizeH="0" baseline="0" dirty="0">
-                <a:ln>
-                  <a:noFill/>
-                </a:ln>
-                <a:solidFill>
-                  <a:srgbClr val="0000FF"/>
-                </a:solidFill>
-                <a:effectLst/>
-                <a:latin typeface="Lucida Console" panose="020B0609040504020204" pitchFamily="49" charset="0"/>
-              </a:rPr>
-              <a:t>ts_skt5 </a:t>
-            </a:r>
-            <a:endParaRPr kumimoji="0" lang="en-US" altLang="ko-KR" sz="1200" b="0" i="0" u="none" strike="noStrike" cap="none" normalizeH="0" baseline="0" dirty="0">
-              <a:ln>
-                <a:noFill/>
-              </a:ln>
-              <a:solidFill>
-                <a:srgbClr val="0000FF"/>
-              </a:solidFill>
-              <a:effectLst/>
-              <a:latin typeface="Lucida Console" panose="020B0609040504020204" pitchFamily="49" charset="0"/>
-            </a:endParaRPr>
-          </a:p>
-          <a:p>
-            <a:pPr marR="0" lvl="0" algn="l" defTabSz="914400" rtl="0" eaLnBrk="0" fontAlgn="base" latinLnBrk="0" hangingPunct="0">
-              <a:lnSpc>
-                <a:spcPct val="100000"/>
-              </a:lnSpc>
-              <a:spcBef>
-                <a:spcPct val="0"/>
-              </a:spcBef>
-              <a:spcAft>
-                <a:spcPct val="0"/>
-              </a:spcAft>
-              <a:buClrTx/>
-              <a:buSzTx/>
-              <a:tabLst/>
-            </a:pPr>
-            <a:r>
-              <a:rPr kumimoji="0" lang="ko-KR" altLang="ko-KR" sz="1200" b="0" i="0" u="none" strike="noStrike" cap="none" normalizeH="0" baseline="0" dirty="0">
-                <a:ln>
-                  <a:noFill/>
-                </a:ln>
-                <a:solidFill>
-                  <a:srgbClr val="0000FF"/>
-                </a:solidFill>
-                <a:effectLst/>
-                <a:latin typeface="Lucida Console" panose="020B0609040504020204" pitchFamily="49" charset="0"/>
-              </a:rPr>
-              <a:t>%&gt;%</a:t>
-            </a:r>
-            <a:r>
-              <a:rPr kumimoji="0" lang="en-US" altLang="ko-KR" sz="1200" b="0" i="0" u="none" strike="noStrike" cap="none" normalizeH="0" baseline="0" dirty="0">
-                <a:ln>
-                  <a:noFill/>
-                </a:ln>
-                <a:solidFill>
-                  <a:srgbClr val="0000FF"/>
-                </a:solidFill>
-                <a:effectLst/>
-                <a:latin typeface="Lucida Console" panose="020B0609040504020204" pitchFamily="49" charset="0"/>
-              </a:rPr>
-              <a:t> </a:t>
-            </a:r>
-            <a:r>
-              <a:rPr kumimoji="0" lang="ko-KR" altLang="ko-KR" sz="1200" b="0" i="0" u="none" strike="noStrike" cap="none" normalizeH="0" baseline="0" dirty="0" err="1">
-                <a:ln>
-                  <a:noFill/>
-                </a:ln>
-                <a:solidFill>
-                  <a:srgbClr val="0000FF"/>
-                </a:solidFill>
-                <a:effectLst/>
-                <a:latin typeface="Lucida Console" panose="020B0609040504020204" pitchFamily="49" charset="0"/>
-              </a:rPr>
-              <a:t>Arima</a:t>
-            </a:r>
-            <a:r>
-              <a:rPr kumimoji="0" lang="ko-KR" altLang="ko-KR" sz="1200" b="0" i="0" u="none" strike="noStrike" cap="none" normalizeH="0" baseline="0" dirty="0">
-                <a:ln>
-                  <a:noFill/>
-                </a:ln>
-                <a:solidFill>
-                  <a:srgbClr val="0000FF"/>
-                </a:solidFill>
-                <a:effectLst/>
-                <a:latin typeface="Lucida Console" panose="020B0609040504020204" pitchFamily="49" charset="0"/>
-              </a:rPr>
-              <a:t>(</a:t>
-            </a:r>
-            <a:r>
-              <a:rPr kumimoji="0" lang="ko-KR" altLang="ko-KR" sz="1200" b="0" i="0" u="none" strike="noStrike" cap="none" normalizeH="0" baseline="0" dirty="0" err="1">
-                <a:ln>
-                  <a:noFill/>
-                </a:ln>
-                <a:solidFill>
-                  <a:srgbClr val="0000FF"/>
-                </a:solidFill>
-                <a:effectLst/>
-                <a:latin typeface="Lucida Console" panose="020B0609040504020204" pitchFamily="49" charset="0"/>
-              </a:rPr>
-              <a:t>order</a:t>
-            </a:r>
-            <a:r>
-              <a:rPr kumimoji="0" lang="ko-KR" altLang="ko-KR" sz="1200" b="0" i="0" u="none" strike="noStrike" cap="none" normalizeH="0" baseline="0" dirty="0">
-                <a:ln>
-                  <a:noFill/>
-                </a:ln>
-                <a:solidFill>
-                  <a:srgbClr val="0000FF"/>
-                </a:solidFill>
-                <a:effectLst/>
-                <a:latin typeface="Lucida Console" panose="020B0609040504020204" pitchFamily="49" charset="0"/>
-              </a:rPr>
-              <a:t>=c(5,2,0)) </a:t>
-            </a:r>
-            <a:endParaRPr kumimoji="0" lang="en-US" altLang="ko-KR" sz="1200" b="0" i="0" u="none" strike="noStrike" cap="none" normalizeH="0" baseline="0" dirty="0">
-              <a:ln>
-                <a:noFill/>
-              </a:ln>
-              <a:solidFill>
-                <a:srgbClr val="0000FF"/>
-              </a:solidFill>
-              <a:effectLst/>
-              <a:latin typeface="Lucida Console" panose="020B0609040504020204" pitchFamily="49" charset="0"/>
-            </a:endParaRPr>
-          </a:p>
-          <a:p>
-            <a:pPr marR="0" lvl="0" algn="l" defTabSz="914400" rtl="0" eaLnBrk="0" fontAlgn="base" latinLnBrk="0" hangingPunct="0">
-              <a:lnSpc>
-                <a:spcPct val="100000"/>
-              </a:lnSpc>
-              <a:spcBef>
-                <a:spcPct val="0"/>
-              </a:spcBef>
-              <a:spcAft>
-                <a:spcPct val="0"/>
-              </a:spcAft>
-              <a:buClrTx/>
-              <a:buSzTx/>
-              <a:tabLst/>
-            </a:pPr>
-            <a:r>
-              <a:rPr kumimoji="0" lang="ko-KR" altLang="ko-KR" sz="1200" b="0" i="0" u="none" strike="noStrike" cap="none" normalizeH="0" baseline="0" dirty="0">
-                <a:ln>
-                  <a:noFill/>
-                </a:ln>
-                <a:solidFill>
-                  <a:srgbClr val="0000FF"/>
-                </a:solidFill>
-                <a:effectLst/>
-                <a:latin typeface="Lucida Console" panose="020B0609040504020204" pitchFamily="49" charset="0"/>
-              </a:rPr>
-              <a:t>%&gt;% </a:t>
-            </a:r>
-            <a:r>
-              <a:rPr kumimoji="0" lang="ko-KR" altLang="ko-KR" sz="1200" b="0" i="0" u="none" strike="noStrike" cap="none" normalizeH="0" baseline="0" dirty="0" err="1">
-                <a:ln>
-                  <a:noFill/>
-                </a:ln>
-                <a:solidFill>
-                  <a:srgbClr val="0000FF"/>
-                </a:solidFill>
-                <a:effectLst/>
-                <a:latin typeface="Lucida Console" panose="020B0609040504020204" pitchFamily="49" charset="0"/>
-              </a:rPr>
-              <a:t>forecast</a:t>
-            </a:r>
-            <a:r>
-              <a:rPr kumimoji="0" lang="ko-KR" altLang="ko-KR" sz="1200" b="0" i="0" u="none" strike="noStrike" cap="none" normalizeH="0" baseline="0" dirty="0">
-                <a:ln>
-                  <a:noFill/>
-                </a:ln>
-                <a:solidFill>
-                  <a:srgbClr val="0000FF"/>
-                </a:solidFill>
-                <a:effectLst/>
-                <a:latin typeface="Lucida Console" panose="020B0609040504020204" pitchFamily="49" charset="0"/>
-              </a:rPr>
-              <a:t>() </a:t>
-            </a:r>
-            <a:endParaRPr kumimoji="0" lang="en-US" altLang="ko-KR" sz="1200" b="0" i="0" u="none" strike="noStrike" cap="none" normalizeH="0" baseline="0" dirty="0">
-              <a:ln>
-                <a:noFill/>
-              </a:ln>
-              <a:solidFill>
-                <a:srgbClr val="0000FF"/>
-              </a:solidFill>
-              <a:effectLst/>
-              <a:latin typeface="Lucida Console" panose="020B0609040504020204" pitchFamily="49" charset="0"/>
-            </a:endParaRPr>
-          </a:p>
-          <a:p>
-            <a:pPr marR="0" lvl="0" algn="l" defTabSz="914400" rtl="0" eaLnBrk="0" fontAlgn="base" latinLnBrk="0" hangingPunct="0">
-              <a:lnSpc>
-                <a:spcPct val="100000"/>
-              </a:lnSpc>
-              <a:spcBef>
-                <a:spcPct val="0"/>
-              </a:spcBef>
-              <a:spcAft>
-                <a:spcPct val="0"/>
-              </a:spcAft>
-              <a:buClrTx/>
-              <a:buSzTx/>
-              <a:tabLst/>
-            </a:pPr>
-            <a:r>
-              <a:rPr kumimoji="0" lang="ko-KR" altLang="ko-KR" sz="1200" b="0" i="0" u="none" strike="noStrike" cap="none" normalizeH="0" baseline="0" dirty="0">
-                <a:ln>
-                  <a:noFill/>
-                </a:ln>
-                <a:solidFill>
-                  <a:srgbClr val="0000FF"/>
-                </a:solidFill>
-                <a:effectLst/>
-                <a:latin typeface="Lucida Console" panose="020B0609040504020204" pitchFamily="49" charset="0"/>
-              </a:rPr>
-              <a:t>%&gt;% </a:t>
-            </a:r>
-            <a:r>
-              <a:rPr kumimoji="0" lang="ko-KR" altLang="ko-KR" sz="1200" b="0" i="0" u="none" strike="noStrike" cap="none" normalizeH="0" baseline="0" dirty="0" err="1">
-                <a:ln>
-                  <a:noFill/>
-                </a:ln>
-                <a:solidFill>
-                  <a:srgbClr val="0000FF"/>
-                </a:solidFill>
-                <a:effectLst/>
-                <a:latin typeface="Lucida Console" panose="020B0609040504020204" pitchFamily="49" charset="0"/>
-              </a:rPr>
-              <a:t>autoplot</a:t>
-            </a:r>
-            <a:r>
-              <a:rPr kumimoji="0" lang="ko-KR" altLang="ko-KR" sz="1200" b="0" i="0" u="none" strike="noStrike" cap="none" normalizeH="0" baseline="0" dirty="0">
-                <a:ln>
-                  <a:noFill/>
-                </a:ln>
-                <a:solidFill>
-                  <a:srgbClr val="0000FF"/>
-                </a:solidFill>
-                <a:effectLst/>
-                <a:latin typeface="Lucida Console" panose="020B0609040504020204" pitchFamily="49" charset="0"/>
-              </a:rPr>
-              <a:t>() + </a:t>
-            </a:r>
-            <a:r>
-              <a:rPr kumimoji="0" lang="ko-KR" altLang="ko-KR" sz="1200" b="0" i="0" u="none" strike="noStrike" cap="none" normalizeH="0" baseline="0" dirty="0" err="1">
-                <a:ln>
-                  <a:noFill/>
-                </a:ln>
-                <a:solidFill>
-                  <a:srgbClr val="0000FF"/>
-                </a:solidFill>
-                <a:effectLst/>
-                <a:latin typeface="Lucida Console" panose="020B0609040504020204" pitchFamily="49" charset="0"/>
-              </a:rPr>
-              <a:t>ggtitle</a:t>
-            </a:r>
-            <a:r>
-              <a:rPr kumimoji="0" lang="ko-KR" altLang="ko-KR" sz="1200" b="0" i="0" u="none" strike="noStrike" cap="none" normalizeH="0" baseline="0" dirty="0">
-                <a:ln>
-                  <a:noFill/>
-                </a:ln>
-                <a:solidFill>
-                  <a:srgbClr val="0000FF"/>
-                </a:solidFill>
-                <a:effectLst/>
-                <a:latin typeface="Lucida Console" panose="020B0609040504020204" pitchFamily="49" charset="0"/>
-              </a:rPr>
-              <a:t>('SKT 5g 예측 모델')</a:t>
-            </a:r>
-            <a:endParaRPr kumimoji="0" lang="ko-KR" altLang="ko-KR" sz="1800" b="0" i="0" u="none" strike="noStrike" cap="none" normalizeH="0" baseline="0" dirty="0">
-              <a:ln>
-                <a:noFill/>
-              </a:ln>
-              <a:solidFill>
-                <a:schemeClr val="tx1"/>
-              </a:solidFill>
-              <a:effectLst/>
-              <a:latin typeface="Arial" panose="020B0604020202020204" pitchFamily="34" charset="0"/>
-            </a:endParaRPr>
-          </a:p>
-        </p:txBody>
-      </p:sp>
-      <p:pic>
-        <p:nvPicPr>
-          <p:cNvPr id="4" name="그림 3">
-            <a:extLst>
-              <a:ext uri="{FF2B5EF4-FFF2-40B4-BE49-F238E27FC236}">
-                <a16:creationId xmlns:a16="http://schemas.microsoft.com/office/drawing/2014/main" id="{55549511-B97D-4DF0-81F9-4E9C4C71FC87}"/>
-              </a:ext>
-            </a:extLst>
-          </p:cNvPr>
-          <p:cNvPicPr>
-            <a:picLocks noChangeAspect="1"/>
-          </p:cNvPicPr>
-          <p:nvPr/>
-        </p:nvPicPr>
-        <p:blipFill>
-          <a:blip r:embed="rId2">
-            <a:extLst>
-              <a:ext uri="{28A0092B-C50C-407E-A947-70E740481C1C}">
-                <a14:useLocalDpi xmlns:a14="http://schemas.microsoft.com/office/drawing/2010/main" val="0"/>
-              </a:ext>
-            </a:extLst>
-          </a:blip>
-          <a:stretch>
-            <a:fillRect/>
-          </a:stretch>
-        </p:blipFill>
-        <p:spPr>
-          <a:xfrm>
-            <a:off x="5148580" y="266700"/>
-            <a:ext cx="6324600" cy="6324600"/>
-          </a:xfrm>
-          <a:prstGeom prst="rect">
-            <a:avLst/>
-          </a:prstGeom>
-        </p:spPr>
-      </p:pic>
-    </p:spTree>
-    <p:extLst>
-      <p:ext uri="{BB962C8B-B14F-4D97-AF65-F5344CB8AC3E}">
-        <p14:creationId xmlns:p14="http://schemas.microsoft.com/office/powerpoint/2010/main" val="1820569116"/>
       </p:ext>
     </p:extLst>
   </p:cSld>
